--- a/Slides/03_Datasets.pptx
+++ b/Slides/03_Datasets.pptx
@@ -119,6 +119,3072 @@
 </p:presentation>
 </file>
 
+<file path=ppt/diagrams/colors1.xml><?xml version="1.0" encoding="utf-8"?>
+<dgm:colorsDef xmlns:dgm="http://schemas.openxmlformats.org/drawingml/2006/diagram" xmlns:a="http://schemas.openxmlformats.org/drawingml/2006/main" uniqueId="urn:microsoft.com/office/officeart/2005/8/colors/accent1_2">
+  <dgm:title val=""/>
+  <dgm:desc val=""/>
+  <dgm:catLst>
+    <dgm:cat type="accent1" pri="11200"/>
+  </dgm:catLst>
+  <dgm:styleLbl name="node0">
+    <dgm:fillClrLst meth="repeat">
+      <a:schemeClr val="accent1"/>
+    </dgm:fillClrLst>
+    <dgm:linClrLst meth="repeat">
+      <a:schemeClr val="lt1"/>
+    </dgm:linClrLst>
+    <dgm:effectClrLst/>
+    <dgm:txLinClrLst/>
+    <dgm:txFillClrLst/>
+    <dgm:txEffectClrLst/>
+  </dgm:styleLbl>
+  <dgm:styleLbl name="alignNode1">
+    <dgm:fillClrLst meth="repeat">
+      <a:schemeClr val="accent1"/>
+    </dgm:fillClrLst>
+    <dgm:linClrLst meth="repeat">
+      <a:schemeClr val="accent1"/>
+    </dgm:linClrLst>
+    <dgm:effectClrLst/>
+    <dgm:txLinClrLst/>
+    <dgm:txFillClrLst/>
+    <dgm:txEffectClrLst/>
+  </dgm:styleLbl>
+  <dgm:styleLbl name="node1">
+    <dgm:fillClrLst meth="repeat">
+      <a:schemeClr val="accent1"/>
+    </dgm:fillClrLst>
+    <dgm:linClrLst meth="repeat">
+      <a:schemeClr val="lt1"/>
+    </dgm:linClrLst>
+    <dgm:effectClrLst/>
+    <dgm:txLinClrLst/>
+    <dgm:txFillClrLst/>
+    <dgm:txEffectClrLst/>
+  </dgm:styleLbl>
+  <dgm:styleLbl name="lnNode1">
+    <dgm:fillClrLst meth="repeat">
+      <a:schemeClr val="accent1"/>
+    </dgm:fillClrLst>
+    <dgm:linClrLst meth="repeat">
+      <a:schemeClr val="lt1"/>
+    </dgm:linClrLst>
+    <dgm:effectClrLst/>
+    <dgm:txLinClrLst/>
+    <dgm:txFillClrLst/>
+    <dgm:txEffectClrLst/>
+  </dgm:styleLbl>
+  <dgm:styleLbl name="vennNode1">
+    <dgm:fillClrLst meth="repeat">
+      <a:schemeClr val="accent1">
+        <a:alpha val="50000"/>
+      </a:schemeClr>
+    </dgm:fillClrLst>
+    <dgm:linClrLst meth="repeat">
+      <a:schemeClr val="lt1"/>
+    </dgm:linClrLst>
+    <dgm:effectClrLst/>
+    <dgm:txLinClrLst/>
+    <dgm:txFillClrLst/>
+    <dgm:txEffectClrLst/>
+  </dgm:styleLbl>
+  <dgm:styleLbl name="node2">
+    <dgm:fillClrLst meth="repeat">
+      <a:schemeClr val="accent1"/>
+    </dgm:fillClrLst>
+    <dgm:linClrLst meth="repeat">
+      <a:schemeClr val="lt1"/>
+    </dgm:linClrLst>
+    <dgm:effectClrLst/>
+    <dgm:txLinClrLst/>
+    <dgm:txFillClrLst/>
+    <dgm:txEffectClrLst/>
+  </dgm:styleLbl>
+  <dgm:styleLbl name="node3">
+    <dgm:fillClrLst meth="repeat">
+      <a:schemeClr val="accent1"/>
+    </dgm:fillClrLst>
+    <dgm:linClrLst meth="repeat">
+      <a:schemeClr val="lt1"/>
+    </dgm:linClrLst>
+    <dgm:effectClrLst/>
+    <dgm:txLinClrLst/>
+    <dgm:txFillClrLst/>
+    <dgm:txEffectClrLst/>
+  </dgm:styleLbl>
+  <dgm:styleLbl name="node4">
+    <dgm:fillClrLst meth="repeat">
+      <a:schemeClr val="accent1"/>
+    </dgm:fillClrLst>
+    <dgm:linClrLst meth="repeat">
+      <a:schemeClr val="lt1"/>
+    </dgm:linClrLst>
+    <dgm:effectClrLst/>
+    <dgm:txLinClrLst/>
+    <dgm:txFillClrLst/>
+    <dgm:txEffectClrLst/>
+  </dgm:styleLbl>
+  <dgm:styleLbl name="fgImgPlace1">
+    <dgm:fillClrLst meth="repeat">
+      <a:schemeClr val="accent1">
+        <a:tint val="50000"/>
+      </a:schemeClr>
+    </dgm:fillClrLst>
+    <dgm:linClrLst meth="repeat">
+      <a:schemeClr val="lt1"/>
+    </dgm:linClrLst>
+    <dgm:effectClrLst/>
+    <dgm:txLinClrLst/>
+    <dgm:txFillClrLst meth="repeat">
+      <a:schemeClr val="lt1"/>
+    </dgm:txFillClrLst>
+    <dgm:txEffectClrLst/>
+  </dgm:styleLbl>
+  <dgm:styleLbl name="alignImgPlace1">
+    <dgm:fillClrLst meth="repeat">
+      <a:schemeClr val="accent1">
+        <a:tint val="50000"/>
+      </a:schemeClr>
+    </dgm:fillClrLst>
+    <dgm:linClrLst meth="repeat">
+      <a:schemeClr val="lt1"/>
+    </dgm:linClrLst>
+    <dgm:effectClrLst/>
+    <dgm:txLinClrLst/>
+    <dgm:txFillClrLst meth="repeat">
+      <a:schemeClr val="lt1"/>
+    </dgm:txFillClrLst>
+    <dgm:txEffectClrLst/>
+  </dgm:styleLbl>
+  <dgm:styleLbl name="bgImgPlace1">
+    <dgm:fillClrLst meth="repeat">
+      <a:schemeClr val="accent1">
+        <a:tint val="50000"/>
+      </a:schemeClr>
+    </dgm:fillClrLst>
+    <dgm:linClrLst meth="repeat">
+      <a:schemeClr val="lt1"/>
+    </dgm:linClrLst>
+    <dgm:effectClrLst/>
+    <dgm:txLinClrLst/>
+    <dgm:txFillClrLst meth="repeat">
+      <a:schemeClr val="lt1"/>
+    </dgm:txFillClrLst>
+    <dgm:txEffectClrLst/>
+  </dgm:styleLbl>
+  <dgm:styleLbl name="sibTrans2D1">
+    <dgm:fillClrLst meth="repeat">
+      <a:schemeClr val="accent1">
+        <a:tint val="60000"/>
+      </a:schemeClr>
+    </dgm:fillClrLst>
+    <dgm:linClrLst meth="repeat">
+      <a:schemeClr val="accent1">
+        <a:tint val="60000"/>
+      </a:schemeClr>
+    </dgm:linClrLst>
+    <dgm:effectClrLst/>
+    <dgm:txLinClrLst/>
+    <dgm:txFillClrLst/>
+    <dgm:txEffectClrLst/>
+  </dgm:styleLbl>
+  <dgm:styleLbl name="fgSibTrans2D1">
+    <dgm:fillClrLst meth="repeat">
+      <a:schemeClr val="accent1">
+        <a:tint val="60000"/>
+      </a:schemeClr>
+    </dgm:fillClrLst>
+    <dgm:linClrLst meth="repeat">
+      <a:schemeClr val="accent1">
+        <a:tint val="60000"/>
+      </a:schemeClr>
+    </dgm:linClrLst>
+    <dgm:effectClrLst/>
+    <dgm:txLinClrLst/>
+    <dgm:txFillClrLst/>
+    <dgm:txEffectClrLst/>
+  </dgm:styleLbl>
+  <dgm:styleLbl name="bgSibTrans2D1">
+    <dgm:fillClrLst meth="repeat">
+      <a:schemeClr val="accent1">
+        <a:tint val="60000"/>
+      </a:schemeClr>
+    </dgm:fillClrLst>
+    <dgm:linClrLst meth="repeat">
+      <a:schemeClr val="accent1">
+        <a:tint val="60000"/>
+      </a:schemeClr>
+    </dgm:linClrLst>
+    <dgm:effectClrLst/>
+    <dgm:txLinClrLst/>
+    <dgm:txFillClrLst/>
+    <dgm:txEffectClrLst/>
+  </dgm:styleLbl>
+  <dgm:styleLbl name="sibTrans1D1">
+    <dgm:fillClrLst meth="repeat">
+      <a:schemeClr val="accent1"/>
+    </dgm:fillClrLst>
+    <dgm:linClrLst meth="repeat">
+      <a:schemeClr val="accent1"/>
+    </dgm:linClrLst>
+    <dgm:effectClrLst/>
+    <dgm:txLinClrLst/>
+    <dgm:txFillClrLst meth="repeat">
+      <a:schemeClr val="tx1"/>
+    </dgm:txFillClrLst>
+    <dgm:txEffectClrLst/>
+  </dgm:styleLbl>
+  <dgm:styleLbl name="callout">
+    <dgm:fillClrLst meth="repeat">
+      <a:schemeClr val="accent1"/>
+    </dgm:fillClrLst>
+    <dgm:linClrLst meth="repeat">
+      <a:schemeClr val="accent1">
+        <a:tint val="50000"/>
+      </a:schemeClr>
+    </dgm:linClrLst>
+    <dgm:effectClrLst/>
+    <dgm:txLinClrLst/>
+    <dgm:txFillClrLst meth="repeat">
+      <a:schemeClr val="tx1"/>
+    </dgm:txFillClrLst>
+    <dgm:txEffectClrLst/>
+  </dgm:styleLbl>
+  <dgm:styleLbl name="asst0">
+    <dgm:fillClrLst meth="repeat">
+      <a:schemeClr val="accent1"/>
+    </dgm:fillClrLst>
+    <dgm:linClrLst meth="repeat">
+      <a:schemeClr val="lt1"/>
+    </dgm:linClrLst>
+    <dgm:effectClrLst/>
+    <dgm:txLinClrLst/>
+    <dgm:txFillClrLst/>
+    <dgm:txEffectClrLst/>
+  </dgm:styleLbl>
+  <dgm:styleLbl name="asst1">
+    <dgm:fillClrLst meth="repeat">
+      <a:schemeClr val="accent1"/>
+    </dgm:fillClrLst>
+    <dgm:linClrLst meth="repeat">
+      <a:schemeClr val="lt1"/>
+    </dgm:linClrLst>
+    <dgm:effectClrLst/>
+    <dgm:txLinClrLst/>
+    <dgm:txFillClrLst/>
+    <dgm:txEffectClrLst/>
+  </dgm:styleLbl>
+  <dgm:styleLbl name="asst2">
+    <dgm:fillClrLst meth="repeat">
+      <a:schemeClr val="accent1"/>
+    </dgm:fillClrLst>
+    <dgm:linClrLst meth="repeat">
+      <a:schemeClr val="lt1"/>
+    </dgm:linClrLst>
+    <dgm:effectClrLst/>
+    <dgm:txLinClrLst/>
+    <dgm:txFillClrLst/>
+    <dgm:txEffectClrLst/>
+  </dgm:styleLbl>
+  <dgm:styleLbl name="asst3">
+    <dgm:fillClrLst meth="repeat">
+      <a:schemeClr val="accent1"/>
+    </dgm:fillClrLst>
+    <dgm:linClrLst meth="repeat">
+      <a:schemeClr val="lt1"/>
+    </dgm:linClrLst>
+    <dgm:effectClrLst/>
+    <dgm:txLinClrLst/>
+    <dgm:txFillClrLst/>
+    <dgm:txEffectClrLst/>
+  </dgm:styleLbl>
+  <dgm:styleLbl name="asst4">
+    <dgm:fillClrLst meth="repeat">
+      <a:schemeClr val="accent1"/>
+    </dgm:fillClrLst>
+    <dgm:linClrLst meth="repeat">
+      <a:schemeClr val="lt1"/>
+    </dgm:linClrLst>
+    <dgm:effectClrLst/>
+    <dgm:txLinClrLst/>
+    <dgm:txFillClrLst/>
+    <dgm:txEffectClrLst/>
+  </dgm:styleLbl>
+  <dgm:styleLbl name="parChTrans2D1">
+    <dgm:fillClrLst meth="repeat">
+      <a:schemeClr val="accent1">
+        <a:tint val="60000"/>
+      </a:schemeClr>
+    </dgm:fillClrLst>
+    <dgm:linClrLst meth="repeat">
+      <a:schemeClr val="accent1">
+        <a:tint val="60000"/>
+      </a:schemeClr>
+    </dgm:linClrLst>
+    <dgm:effectClrLst/>
+    <dgm:txLinClrLst/>
+    <dgm:txFillClrLst meth="repeat">
+      <a:schemeClr val="lt1"/>
+    </dgm:txFillClrLst>
+    <dgm:txEffectClrLst/>
+  </dgm:styleLbl>
+  <dgm:styleLbl name="parChTrans2D2">
+    <dgm:fillClrLst meth="repeat">
+      <a:schemeClr val="accent1"/>
+    </dgm:fillClrLst>
+    <dgm:linClrLst meth="repeat">
+      <a:schemeClr val="accent1"/>
+    </dgm:linClrLst>
+    <dgm:effectClrLst/>
+    <dgm:txLinClrLst/>
+    <dgm:txFillClrLst meth="repeat">
+      <a:schemeClr val="lt1"/>
+    </dgm:txFillClrLst>
+    <dgm:txEffectClrLst/>
+  </dgm:styleLbl>
+  <dgm:styleLbl name="parChTrans2D3">
+    <dgm:fillClrLst meth="repeat">
+      <a:schemeClr val="accent1"/>
+    </dgm:fillClrLst>
+    <dgm:linClrLst meth="repeat">
+      <a:schemeClr val="accent1"/>
+    </dgm:linClrLst>
+    <dgm:effectClrLst/>
+    <dgm:txLinClrLst/>
+    <dgm:txFillClrLst meth="repeat">
+      <a:schemeClr val="lt1"/>
+    </dgm:txFillClrLst>
+    <dgm:txEffectClrLst/>
+  </dgm:styleLbl>
+  <dgm:styleLbl name="parChTrans2D4">
+    <dgm:fillClrLst meth="repeat">
+      <a:schemeClr val="accent1"/>
+    </dgm:fillClrLst>
+    <dgm:linClrLst meth="repeat">
+      <a:schemeClr val="accent1"/>
+    </dgm:linClrLst>
+    <dgm:effectClrLst/>
+    <dgm:txLinClrLst/>
+    <dgm:txFillClrLst meth="repeat">
+      <a:schemeClr val="lt1"/>
+    </dgm:txFillClrLst>
+    <dgm:txEffectClrLst/>
+  </dgm:styleLbl>
+  <dgm:styleLbl name="parChTrans1D1">
+    <dgm:fillClrLst meth="repeat">
+      <a:schemeClr val="accent1"/>
+    </dgm:fillClrLst>
+    <dgm:linClrLst meth="repeat">
+      <a:schemeClr val="accent1">
+        <a:shade val="60000"/>
+      </a:schemeClr>
+    </dgm:linClrLst>
+    <dgm:effectClrLst/>
+    <dgm:txLinClrLst/>
+    <dgm:txFillClrLst meth="repeat">
+      <a:schemeClr val="tx1"/>
+    </dgm:txFillClrLst>
+    <dgm:txEffectClrLst/>
+  </dgm:styleLbl>
+  <dgm:styleLbl name="parChTrans1D2">
+    <dgm:fillClrLst meth="repeat">
+      <a:schemeClr val="accent1"/>
+    </dgm:fillClrLst>
+    <dgm:linClrLst meth="repeat">
+      <a:schemeClr val="accent1">
+        <a:shade val="60000"/>
+      </a:schemeClr>
+    </dgm:linClrLst>
+    <dgm:effectClrLst/>
+    <dgm:txLinClrLst/>
+    <dgm:txFillClrLst meth="repeat">
+      <a:schemeClr val="tx1"/>
+    </dgm:txFillClrLst>
+    <dgm:txEffectClrLst/>
+  </dgm:styleLbl>
+  <dgm:styleLbl name="parChTrans1D3">
+    <dgm:fillClrLst meth="repeat">
+      <a:schemeClr val="accent1"/>
+    </dgm:fillClrLst>
+    <dgm:linClrLst meth="repeat">
+      <a:schemeClr val="accent1">
+        <a:shade val="80000"/>
+      </a:schemeClr>
+    </dgm:linClrLst>
+    <dgm:effectClrLst/>
+    <dgm:txLinClrLst/>
+    <dgm:txFillClrLst meth="repeat">
+      <a:schemeClr val="tx1"/>
+    </dgm:txFillClrLst>
+    <dgm:txEffectClrLst/>
+  </dgm:styleLbl>
+  <dgm:styleLbl name="parChTrans1D4">
+    <dgm:fillClrLst meth="repeat">
+      <a:schemeClr val="accent1"/>
+    </dgm:fillClrLst>
+    <dgm:linClrLst meth="repeat">
+      <a:schemeClr val="accent1">
+        <a:shade val="80000"/>
+      </a:schemeClr>
+    </dgm:linClrLst>
+    <dgm:effectClrLst/>
+    <dgm:txLinClrLst/>
+    <dgm:txFillClrLst meth="repeat">
+      <a:schemeClr val="tx1"/>
+    </dgm:txFillClrLst>
+    <dgm:txEffectClrLst/>
+  </dgm:styleLbl>
+  <dgm:styleLbl name="fgAcc1">
+    <dgm:fillClrLst meth="repeat">
+      <a:schemeClr val="lt1">
+        <a:alpha val="90000"/>
+      </a:schemeClr>
+    </dgm:fillClrLst>
+    <dgm:linClrLst meth="repeat">
+      <a:schemeClr val="accent1"/>
+    </dgm:linClrLst>
+    <dgm:effectClrLst/>
+    <dgm:txLinClrLst/>
+    <dgm:txFillClrLst meth="repeat">
+      <a:schemeClr val="dk1"/>
+    </dgm:txFillClrLst>
+    <dgm:txEffectClrLst/>
+  </dgm:styleLbl>
+  <dgm:styleLbl name="conFgAcc1">
+    <dgm:fillClrLst meth="repeat">
+      <a:schemeClr val="lt1">
+        <a:alpha val="90000"/>
+      </a:schemeClr>
+    </dgm:fillClrLst>
+    <dgm:linClrLst meth="repeat">
+      <a:schemeClr val="accent1"/>
+    </dgm:linClrLst>
+    <dgm:effectClrLst/>
+    <dgm:txLinClrLst/>
+    <dgm:txFillClrLst meth="repeat">
+      <a:schemeClr val="dk1"/>
+    </dgm:txFillClrLst>
+    <dgm:txEffectClrLst/>
+  </dgm:styleLbl>
+  <dgm:styleLbl name="alignAcc1">
+    <dgm:fillClrLst meth="repeat">
+      <a:schemeClr val="lt1">
+        <a:alpha val="90000"/>
+      </a:schemeClr>
+    </dgm:fillClrLst>
+    <dgm:linClrLst meth="repeat">
+      <a:schemeClr val="accent1"/>
+    </dgm:linClrLst>
+    <dgm:effectClrLst/>
+    <dgm:txLinClrLst/>
+    <dgm:txFillClrLst meth="repeat">
+      <a:schemeClr val="dk1"/>
+    </dgm:txFillClrLst>
+    <dgm:txEffectClrLst/>
+  </dgm:styleLbl>
+  <dgm:styleLbl name="trAlignAcc1">
+    <dgm:fillClrLst meth="repeat">
+      <a:schemeClr val="lt1">
+        <a:alpha val="40000"/>
+      </a:schemeClr>
+    </dgm:fillClrLst>
+    <dgm:linClrLst meth="repeat">
+      <a:schemeClr val="accent1"/>
+    </dgm:linClrLst>
+    <dgm:effectClrLst/>
+    <dgm:txLinClrLst/>
+    <dgm:txFillClrLst meth="repeat">
+      <a:schemeClr val="dk1"/>
+    </dgm:txFillClrLst>
+    <dgm:txEffectClrLst/>
+  </dgm:styleLbl>
+  <dgm:styleLbl name="bgAcc1">
+    <dgm:fillClrLst meth="repeat">
+      <a:schemeClr val="lt1">
+        <a:alpha val="90000"/>
+      </a:schemeClr>
+    </dgm:fillClrLst>
+    <dgm:linClrLst meth="repeat">
+      <a:schemeClr val="accent1"/>
+    </dgm:linClrLst>
+    <dgm:effectClrLst/>
+    <dgm:txLinClrLst/>
+    <dgm:txFillClrLst meth="repeat">
+      <a:schemeClr val="dk1"/>
+    </dgm:txFillClrLst>
+    <dgm:txEffectClrLst/>
+  </dgm:styleLbl>
+  <dgm:styleLbl name="solidFgAcc1">
+    <dgm:fillClrLst meth="repeat">
+      <a:schemeClr val="lt1"/>
+    </dgm:fillClrLst>
+    <dgm:linClrLst meth="repeat">
+      <a:schemeClr val="accent1"/>
+    </dgm:linClrLst>
+    <dgm:effectClrLst/>
+    <dgm:txLinClrLst/>
+    <dgm:txFillClrLst meth="repeat">
+      <a:schemeClr val="dk1"/>
+    </dgm:txFillClrLst>
+    <dgm:txEffectClrLst/>
+  </dgm:styleLbl>
+  <dgm:styleLbl name="solidAlignAcc1">
+    <dgm:fillClrLst meth="repeat">
+      <a:schemeClr val="lt1"/>
+    </dgm:fillClrLst>
+    <dgm:linClrLst meth="repeat">
+      <a:schemeClr val="accent1"/>
+    </dgm:linClrLst>
+    <dgm:effectClrLst/>
+    <dgm:txLinClrLst/>
+    <dgm:txFillClrLst meth="repeat">
+      <a:schemeClr val="dk1"/>
+    </dgm:txFillClrLst>
+    <dgm:txEffectClrLst/>
+  </dgm:styleLbl>
+  <dgm:styleLbl name="solidBgAcc1">
+    <dgm:fillClrLst meth="repeat">
+      <a:schemeClr val="lt1"/>
+    </dgm:fillClrLst>
+    <dgm:linClrLst meth="repeat">
+      <a:schemeClr val="accent1"/>
+    </dgm:linClrLst>
+    <dgm:effectClrLst/>
+    <dgm:txLinClrLst/>
+    <dgm:txFillClrLst meth="repeat">
+      <a:schemeClr val="dk1"/>
+    </dgm:txFillClrLst>
+    <dgm:txEffectClrLst/>
+  </dgm:styleLbl>
+  <dgm:styleLbl name="fgAccFollowNode1">
+    <dgm:fillClrLst meth="repeat">
+      <a:schemeClr val="accent1">
+        <a:alpha val="90000"/>
+        <a:tint val="40000"/>
+      </a:schemeClr>
+    </dgm:fillClrLst>
+    <dgm:linClrLst meth="repeat">
+      <a:schemeClr val="accent1">
+        <a:alpha val="90000"/>
+        <a:tint val="40000"/>
+      </a:schemeClr>
+    </dgm:linClrLst>
+    <dgm:effectClrLst/>
+    <dgm:txLinClrLst/>
+    <dgm:txFillClrLst meth="repeat">
+      <a:schemeClr val="dk1"/>
+    </dgm:txFillClrLst>
+    <dgm:txEffectClrLst/>
+  </dgm:styleLbl>
+  <dgm:styleLbl name="alignAccFollowNode1">
+    <dgm:fillClrLst meth="repeat">
+      <a:schemeClr val="accent1">
+        <a:alpha val="90000"/>
+        <a:tint val="40000"/>
+      </a:schemeClr>
+    </dgm:fillClrLst>
+    <dgm:linClrLst meth="repeat">
+      <a:schemeClr val="accent1">
+        <a:alpha val="90000"/>
+        <a:tint val="40000"/>
+      </a:schemeClr>
+    </dgm:linClrLst>
+    <dgm:effectClrLst/>
+    <dgm:txLinClrLst/>
+    <dgm:txFillClrLst meth="repeat">
+      <a:schemeClr val="dk1"/>
+    </dgm:txFillClrLst>
+    <dgm:txEffectClrLst/>
+  </dgm:styleLbl>
+  <dgm:styleLbl name="bgAccFollowNode1">
+    <dgm:fillClrLst meth="repeat">
+      <a:schemeClr val="accent1">
+        <a:alpha val="90000"/>
+        <a:tint val="40000"/>
+      </a:schemeClr>
+    </dgm:fillClrLst>
+    <dgm:linClrLst meth="repeat">
+      <a:schemeClr val="accent1">
+        <a:alpha val="90000"/>
+        <a:tint val="40000"/>
+      </a:schemeClr>
+    </dgm:linClrLst>
+    <dgm:effectClrLst/>
+    <dgm:txLinClrLst/>
+    <dgm:txFillClrLst meth="repeat">
+      <a:schemeClr val="dk1"/>
+    </dgm:txFillClrLst>
+    <dgm:txEffectClrLst/>
+  </dgm:styleLbl>
+  <dgm:styleLbl name="fgAcc0">
+    <dgm:fillClrLst meth="repeat">
+      <a:schemeClr val="lt1">
+        <a:alpha val="90000"/>
+      </a:schemeClr>
+    </dgm:fillClrLst>
+    <dgm:linClrLst meth="repeat">
+      <a:schemeClr val="accent1"/>
+    </dgm:linClrLst>
+    <dgm:effectClrLst/>
+    <dgm:txLinClrLst/>
+    <dgm:txFillClrLst meth="repeat">
+      <a:schemeClr val="dk1"/>
+    </dgm:txFillClrLst>
+    <dgm:txEffectClrLst/>
+  </dgm:styleLbl>
+  <dgm:styleLbl name="fgAcc2">
+    <dgm:fillClrLst meth="repeat">
+      <a:schemeClr val="lt1">
+        <a:alpha val="90000"/>
+      </a:schemeClr>
+    </dgm:fillClrLst>
+    <dgm:linClrLst meth="repeat">
+      <a:schemeClr val="accent1"/>
+    </dgm:linClrLst>
+    <dgm:effectClrLst/>
+    <dgm:txLinClrLst/>
+    <dgm:txFillClrLst meth="repeat">
+      <a:schemeClr val="dk1"/>
+    </dgm:txFillClrLst>
+    <dgm:txEffectClrLst/>
+  </dgm:styleLbl>
+  <dgm:styleLbl name="fgAcc3">
+    <dgm:fillClrLst meth="repeat">
+      <a:schemeClr val="lt1">
+        <a:alpha val="90000"/>
+      </a:schemeClr>
+    </dgm:fillClrLst>
+    <dgm:linClrLst meth="repeat">
+      <a:schemeClr val="accent1"/>
+    </dgm:linClrLst>
+    <dgm:effectClrLst/>
+    <dgm:txLinClrLst/>
+    <dgm:txFillClrLst meth="repeat">
+      <a:schemeClr val="dk1"/>
+    </dgm:txFillClrLst>
+    <dgm:txEffectClrLst/>
+  </dgm:styleLbl>
+  <dgm:styleLbl name="fgAcc4">
+    <dgm:fillClrLst meth="repeat">
+      <a:schemeClr val="lt1">
+        <a:alpha val="90000"/>
+      </a:schemeClr>
+    </dgm:fillClrLst>
+    <dgm:linClrLst meth="repeat">
+      <a:schemeClr val="accent1"/>
+    </dgm:linClrLst>
+    <dgm:effectClrLst/>
+    <dgm:txLinClrLst/>
+    <dgm:txFillClrLst meth="repeat">
+      <a:schemeClr val="dk1"/>
+    </dgm:txFillClrLst>
+    <dgm:txEffectClrLst/>
+  </dgm:styleLbl>
+  <dgm:styleLbl name="bgShp">
+    <dgm:fillClrLst meth="repeat">
+      <a:schemeClr val="accent1">
+        <a:tint val="40000"/>
+      </a:schemeClr>
+    </dgm:fillClrLst>
+    <dgm:linClrLst meth="repeat">
+      <a:schemeClr val="accent1"/>
+    </dgm:linClrLst>
+    <dgm:effectClrLst/>
+    <dgm:txLinClrLst/>
+    <dgm:txFillClrLst meth="repeat">
+      <a:schemeClr val="dk1"/>
+    </dgm:txFillClrLst>
+    <dgm:txEffectClrLst/>
+  </dgm:styleLbl>
+  <dgm:styleLbl name="dkBgShp">
+    <dgm:fillClrLst meth="repeat">
+      <a:schemeClr val="accent1">
+        <a:shade val="80000"/>
+      </a:schemeClr>
+    </dgm:fillClrLst>
+    <dgm:linClrLst meth="repeat">
+      <a:schemeClr val="accent1"/>
+    </dgm:linClrLst>
+    <dgm:effectClrLst/>
+    <dgm:txLinClrLst/>
+    <dgm:txFillClrLst meth="repeat">
+      <a:schemeClr val="lt1"/>
+    </dgm:txFillClrLst>
+    <dgm:txEffectClrLst/>
+  </dgm:styleLbl>
+  <dgm:styleLbl name="trBgShp">
+    <dgm:fillClrLst meth="repeat">
+      <a:schemeClr val="accent1">
+        <a:tint val="50000"/>
+        <a:alpha val="40000"/>
+      </a:schemeClr>
+    </dgm:fillClrLst>
+    <dgm:linClrLst meth="repeat">
+      <a:schemeClr val="accent1"/>
+    </dgm:linClrLst>
+    <dgm:effectClrLst/>
+    <dgm:txLinClrLst/>
+    <dgm:txFillClrLst meth="repeat">
+      <a:schemeClr val="lt1"/>
+    </dgm:txFillClrLst>
+    <dgm:txEffectClrLst/>
+  </dgm:styleLbl>
+  <dgm:styleLbl name="fgShp">
+    <dgm:fillClrLst meth="repeat">
+      <a:schemeClr val="accent1">
+        <a:tint val="60000"/>
+      </a:schemeClr>
+    </dgm:fillClrLst>
+    <dgm:linClrLst meth="repeat">
+      <a:schemeClr val="lt1"/>
+    </dgm:linClrLst>
+    <dgm:effectClrLst/>
+    <dgm:txLinClrLst/>
+    <dgm:txFillClrLst meth="repeat">
+      <a:schemeClr val="dk1"/>
+    </dgm:txFillClrLst>
+    <dgm:txEffectClrLst/>
+  </dgm:styleLbl>
+  <dgm:styleLbl name="revTx">
+    <dgm:fillClrLst meth="repeat">
+      <a:schemeClr val="lt1">
+        <a:alpha val="0"/>
+      </a:schemeClr>
+    </dgm:fillClrLst>
+    <dgm:linClrLst meth="repeat">
+      <a:schemeClr val="dk1">
+        <a:alpha val="0"/>
+      </a:schemeClr>
+    </dgm:linClrLst>
+    <dgm:effectClrLst/>
+    <dgm:txLinClrLst/>
+    <dgm:txFillClrLst meth="repeat">
+      <a:schemeClr val="tx1"/>
+    </dgm:txFillClrLst>
+    <dgm:txEffectClrLst/>
+  </dgm:styleLbl>
+</dgm:colorsDef>
+</file>
+
+<file path=ppt/diagrams/data1.xml><?xml version="1.0" encoding="utf-8"?>
+<dgm:dataModel xmlns:dgm="http://schemas.openxmlformats.org/drawingml/2006/diagram" xmlns:a="http://schemas.openxmlformats.org/drawingml/2006/main">
+  <dgm:ptLst>
+    <dgm:pt modelId="{3E2C3E61-95C4-4804-8FA6-53E7F0A18558}" type="doc">
+      <dgm:prSet loTypeId="urn:microsoft.com/office/officeart/2005/8/layout/list1" loCatId="list" qsTypeId="urn:microsoft.com/office/officeart/2005/8/quickstyle/simple1" qsCatId="simple" csTypeId="urn:microsoft.com/office/officeart/2005/8/colors/accent1_2" csCatId="accent1"/>
+      <dgm:spPr/>
+      <dgm:t>
+        <a:bodyPr/>
+        <a:lstStyle/>
+        <a:p>
+          <a:endParaRPr lang="en-US"/>
+        </a:p>
+      </dgm:t>
+    </dgm:pt>
+    <dgm:pt modelId="{DF7B8F10-42E0-4513-9D31-6839B1E6DEC8}">
+      <dgm:prSet/>
+      <dgm:spPr/>
+      <dgm:t>
+        <a:bodyPr/>
+        <a:lstStyle/>
+        <a:p>
+          <a:r>
+            <a:rPr lang="en-US"/>
+            <a:t>Google Dataset Search</a:t>
+          </a:r>
+        </a:p>
+      </dgm:t>
+    </dgm:pt>
+    <dgm:pt modelId="{979EBA87-C6ED-4538-AF31-0A2B2BEB4C22}" type="parTrans" cxnId="{B89BBD37-2A4B-49CB-AFC7-CB1E385020D7}">
+      <dgm:prSet/>
+      <dgm:spPr/>
+      <dgm:t>
+        <a:bodyPr/>
+        <a:lstStyle/>
+        <a:p>
+          <a:endParaRPr lang="en-US"/>
+        </a:p>
+      </dgm:t>
+    </dgm:pt>
+    <dgm:pt modelId="{C5EA1464-19A4-429D-A633-CFFA4CDD77F8}" type="sibTrans" cxnId="{B89BBD37-2A4B-49CB-AFC7-CB1E385020D7}">
+      <dgm:prSet/>
+      <dgm:spPr/>
+      <dgm:t>
+        <a:bodyPr/>
+        <a:lstStyle/>
+        <a:p>
+          <a:endParaRPr lang="en-US"/>
+        </a:p>
+      </dgm:t>
+    </dgm:pt>
+    <dgm:pt modelId="{92D1FE23-3207-4025-B864-1624598F2713}">
+      <dgm:prSet/>
+      <dgm:spPr/>
+      <dgm:t>
+        <a:bodyPr/>
+        <a:lstStyle/>
+        <a:p>
+          <a:r>
+            <a:rPr lang="en-US"/>
+            <a:t>Kaggle</a:t>
+          </a:r>
+        </a:p>
+      </dgm:t>
+    </dgm:pt>
+    <dgm:pt modelId="{8E3204E0-4014-405D-9160-1132484AEB66}" type="parTrans" cxnId="{F117A730-B427-4204-BBD3-575E61467F8F}">
+      <dgm:prSet/>
+      <dgm:spPr/>
+      <dgm:t>
+        <a:bodyPr/>
+        <a:lstStyle/>
+        <a:p>
+          <a:endParaRPr lang="en-US"/>
+        </a:p>
+      </dgm:t>
+    </dgm:pt>
+    <dgm:pt modelId="{5A670B13-3708-423E-AA03-6D47049C2391}" type="sibTrans" cxnId="{F117A730-B427-4204-BBD3-575E61467F8F}">
+      <dgm:prSet/>
+      <dgm:spPr/>
+      <dgm:t>
+        <a:bodyPr/>
+        <a:lstStyle/>
+        <a:p>
+          <a:endParaRPr lang="en-US"/>
+        </a:p>
+      </dgm:t>
+    </dgm:pt>
+    <dgm:pt modelId="{8CC28C6F-0EF3-48E7-90C4-CEE610642B85}">
+      <dgm:prSet/>
+      <dgm:spPr/>
+      <dgm:t>
+        <a:bodyPr/>
+        <a:lstStyle/>
+        <a:p>
+          <a:r>
+            <a:rPr lang="en-US"/>
+            <a:t>Data.gov</a:t>
+          </a:r>
+        </a:p>
+      </dgm:t>
+    </dgm:pt>
+    <dgm:pt modelId="{387106B5-293C-4E2A-8B53-03F4B80BCDC9}" type="parTrans" cxnId="{27D355A8-8AE1-448A-8CA7-85EBAAAB5587}">
+      <dgm:prSet/>
+      <dgm:spPr/>
+      <dgm:t>
+        <a:bodyPr/>
+        <a:lstStyle/>
+        <a:p>
+          <a:endParaRPr lang="en-US"/>
+        </a:p>
+      </dgm:t>
+    </dgm:pt>
+    <dgm:pt modelId="{2F652BA1-6D32-481E-B74F-F8DF31574C9E}" type="sibTrans" cxnId="{27D355A8-8AE1-448A-8CA7-85EBAAAB5587}">
+      <dgm:prSet/>
+      <dgm:spPr/>
+      <dgm:t>
+        <a:bodyPr/>
+        <a:lstStyle/>
+        <a:p>
+          <a:endParaRPr lang="en-US"/>
+        </a:p>
+      </dgm:t>
+    </dgm:pt>
+    <dgm:pt modelId="{15A8115E-1688-4F17-B59C-559573D568FE}">
+      <dgm:prSet/>
+      <dgm:spPr/>
+      <dgm:t>
+        <a:bodyPr/>
+        <a:lstStyle/>
+        <a:p>
+          <a:r>
+            <a:rPr lang="en-US"/>
+            <a:t>Datahub.io</a:t>
+          </a:r>
+        </a:p>
+      </dgm:t>
+    </dgm:pt>
+    <dgm:pt modelId="{CC4FE196-D8FC-4672-8827-777C15B0ADE7}" type="parTrans" cxnId="{F70B0AF0-DA30-497C-80A0-D88489F864EE}">
+      <dgm:prSet/>
+      <dgm:spPr/>
+      <dgm:t>
+        <a:bodyPr/>
+        <a:lstStyle/>
+        <a:p>
+          <a:endParaRPr lang="en-US"/>
+        </a:p>
+      </dgm:t>
+    </dgm:pt>
+    <dgm:pt modelId="{172B91C0-22D9-461A-86B0-FBC8916CC2B4}" type="sibTrans" cxnId="{F70B0AF0-DA30-497C-80A0-D88489F864EE}">
+      <dgm:prSet/>
+      <dgm:spPr/>
+      <dgm:t>
+        <a:bodyPr/>
+        <a:lstStyle/>
+        <a:p>
+          <a:endParaRPr lang="en-US"/>
+        </a:p>
+      </dgm:t>
+    </dgm:pt>
+    <dgm:pt modelId="{F4D4F2E7-96DE-4E86-B0DB-892C9E28A7D1}">
+      <dgm:prSet/>
+      <dgm:spPr/>
+      <dgm:t>
+        <a:bodyPr/>
+        <a:lstStyle/>
+        <a:p>
+          <a:r>
+            <a:rPr lang="en-US"/>
+            <a:t>UCI Machine Learning Repository</a:t>
+          </a:r>
+        </a:p>
+      </dgm:t>
+    </dgm:pt>
+    <dgm:pt modelId="{5CA6AE35-880A-4C22-A0B4-9ACF78BA6905}" type="parTrans" cxnId="{3E3F97AC-EC28-4B47-8292-260736419149}">
+      <dgm:prSet/>
+      <dgm:spPr/>
+      <dgm:t>
+        <a:bodyPr/>
+        <a:lstStyle/>
+        <a:p>
+          <a:endParaRPr lang="en-US"/>
+        </a:p>
+      </dgm:t>
+    </dgm:pt>
+    <dgm:pt modelId="{4F2B9DBE-8870-468F-B560-C2FAEEC79A70}" type="sibTrans" cxnId="{3E3F97AC-EC28-4B47-8292-260736419149}">
+      <dgm:prSet/>
+      <dgm:spPr/>
+      <dgm:t>
+        <a:bodyPr/>
+        <a:lstStyle/>
+        <a:p>
+          <a:endParaRPr lang="en-US"/>
+        </a:p>
+      </dgm:t>
+    </dgm:pt>
+    <dgm:pt modelId="{F883BDED-0DE2-0C4D-B596-5EA887E18A11}" type="pres">
+      <dgm:prSet presAssocID="{3E2C3E61-95C4-4804-8FA6-53E7F0A18558}" presName="linear" presStyleCnt="0">
+        <dgm:presLayoutVars>
+          <dgm:dir/>
+          <dgm:animLvl val="lvl"/>
+          <dgm:resizeHandles val="exact"/>
+        </dgm:presLayoutVars>
+      </dgm:prSet>
+      <dgm:spPr/>
+    </dgm:pt>
+    <dgm:pt modelId="{31A2C0B7-D52F-964A-B7CA-7069F42BCE4E}" type="pres">
+      <dgm:prSet presAssocID="{DF7B8F10-42E0-4513-9D31-6839B1E6DEC8}" presName="parentLin" presStyleCnt="0"/>
+      <dgm:spPr/>
+    </dgm:pt>
+    <dgm:pt modelId="{5D998951-506C-334D-950B-8659DDE9A622}" type="pres">
+      <dgm:prSet presAssocID="{DF7B8F10-42E0-4513-9D31-6839B1E6DEC8}" presName="parentLeftMargin" presStyleLbl="node1" presStyleIdx="0" presStyleCnt="5"/>
+      <dgm:spPr/>
+    </dgm:pt>
+    <dgm:pt modelId="{1BB59207-CD6B-D346-A89B-A98F8BDBA43B}" type="pres">
+      <dgm:prSet presAssocID="{DF7B8F10-42E0-4513-9D31-6839B1E6DEC8}" presName="parentText" presStyleLbl="node1" presStyleIdx="0" presStyleCnt="5">
+        <dgm:presLayoutVars>
+          <dgm:chMax val="0"/>
+          <dgm:bulletEnabled val="1"/>
+        </dgm:presLayoutVars>
+      </dgm:prSet>
+      <dgm:spPr/>
+    </dgm:pt>
+    <dgm:pt modelId="{2DDD1E57-89C9-DE4A-8446-80AC03E443E3}" type="pres">
+      <dgm:prSet presAssocID="{DF7B8F10-42E0-4513-9D31-6839B1E6DEC8}" presName="negativeSpace" presStyleCnt="0"/>
+      <dgm:spPr/>
+    </dgm:pt>
+    <dgm:pt modelId="{1C1A976F-5EED-EE43-A135-84E3AAC57AB9}" type="pres">
+      <dgm:prSet presAssocID="{DF7B8F10-42E0-4513-9D31-6839B1E6DEC8}" presName="childText" presStyleLbl="conFgAcc1" presStyleIdx="0" presStyleCnt="5">
+        <dgm:presLayoutVars>
+          <dgm:bulletEnabled val="1"/>
+        </dgm:presLayoutVars>
+      </dgm:prSet>
+      <dgm:spPr/>
+    </dgm:pt>
+    <dgm:pt modelId="{1FA7B6A6-986B-A54A-BBAA-677EEEEABACD}" type="pres">
+      <dgm:prSet presAssocID="{C5EA1464-19A4-429D-A633-CFFA4CDD77F8}" presName="spaceBetweenRectangles" presStyleCnt="0"/>
+      <dgm:spPr/>
+    </dgm:pt>
+    <dgm:pt modelId="{93C25D4F-518E-2243-973B-6EC9BFAC20EB}" type="pres">
+      <dgm:prSet presAssocID="{92D1FE23-3207-4025-B864-1624598F2713}" presName="parentLin" presStyleCnt="0"/>
+      <dgm:spPr/>
+    </dgm:pt>
+    <dgm:pt modelId="{7B8C42C2-70C5-B147-82FF-DA4633ACADD6}" type="pres">
+      <dgm:prSet presAssocID="{92D1FE23-3207-4025-B864-1624598F2713}" presName="parentLeftMargin" presStyleLbl="node1" presStyleIdx="0" presStyleCnt="5"/>
+      <dgm:spPr/>
+    </dgm:pt>
+    <dgm:pt modelId="{D440BA06-834C-F04A-927F-C78C172AE806}" type="pres">
+      <dgm:prSet presAssocID="{92D1FE23-3207-4025-B864-1624598F2713}" presName="parentText" presStyleLbl="node1" presStyleIdx="1" presStyleCnt="5">
+        <dgm:presLayoutVars>
+          <dgm:chMax val="0"/>
+          <dgm:bulletEnabled val="1"/>
+        </dgm:presLayoutVars>
+      </dgm:prSet>
+      <dgm:spPr/>
+    </dgm:pt>
+    <dgm:pt modelId="{98908D9F-6333-3746-8272-D9A3A4CF1EFB}" type="pres">
+      <dgm:prSet presAssocID="{92D1FE23-3207-4025-B864-1624598F2713}" presName="negativeSpace" presStyleCnt="0"/>
+      <dgm:spPr/>
+    </dgm:pt>
+    <dgm:pt modelId="{69A5CECF-D580-3841-93CB-B23BEA91E7C4}" type="pres">
+      <dgm:prSet presAssocID="{92D1FE23-3207-4025-B864-1624598F2713}" presName="childText" presStyleLbl="conFgAcc1" presStyleIdx="1" presStyleCnt="5">
+        <dgm:presLayoutVars>
+          <dgm:bulletEnabled val="1"/>
+        </dgm:presLayoutVars>
+      </dgm:prSet>
+      <dgm:spPr/>
+    </dgm:pt>
+    <dgm:pt modelId="{ED609E54-1D84-A143-B539-11340174A130}" type="pres">
+      <dgm:prSet presAssocID="{5A670B13-3708-423E-AA03-6D47049C2391}" presName="spaceBetweenRectangles" presStyleCnt="0"/>
+      <dgm:spPr/>
+    </dgm:pt>
+    <dgm:pt modelId="{C8D0CC6A-4B78-2F4A-9FE4-DB67C8433DBA}" type="pres">
+      <dgm:prSet presAssocID="{8CC28C6F-0EF3-48E7-90C4-CEE610642B85}" presName="parentLin" presStyleCnt="0"/>
+      <dgm:spPr/>
+    </dgm:pt>
+    <dgm:pt modelId="{3C89BFEA-6035-3A4E-A218-A18224F3347F}" type="pres">
+      <dgm:prSet presAssocID="{8CC28C6F-0EF3-48E7-90C4-CEE610642B85}" presName="parentLeftMargin" presStyleLbl="node1" presStyleIdx="1" presStyleCnt="5"/>
+      <dgm:spPr/>
+    </dgm:pt>
+    <dgm:pt modelId="{B156A590-2A31-FB49-AF1B-4E4BF6268107}" type="pres">
+      <dgm:prSet presAssocID="{8CC28C6F-0EF3-48E7-90C4-CEE610642B85}" presName="parentText" presStyleLbl="node1" presStyleIdx="2" presStyleCnt="5">
+        <dgm:presLayoutVars>
+          <dgm:chMax val="0"/>
+          <dgm:bulletEnabled val="1"/>
+        </dgm:presLayoutVars>
+      </dgm:prSet>
+      <dgm:spPr/>
+    </dgm:pt>
+    <dgm:pt modelId="{7FC845E4-2664-8640-9738-3D64D25D6E81}" type="pres">
+      <dgm:prSet presAssocID="{8CC28C6F-0EF3-48E7-90C4-CEE610642B85}" presName="negativeSpace" presStyleCnt="0"/>
+      <dgm:spPr/>
+    </dgm:pt>
+    <dgm:pt modelId="{31ED2F2B-9227-CE4E-AE88-CAE977D40162}" type="pres">
+      <dgm:prSet presAssocID="{8CC28C6F-0EF3-48E7-90C4-CEE610642B85}" presName="childText" presStyleLbl="conFgAcc1" presStyleIdx="2" presStyleCnt="5">
+        <dgm:presLayoutVars>
+          <dgm:bulletEnabled val="1"/>
+        </dgm:presLayoutVars>
+      </dgm:prSet>
+      <dgm:spPr/>
+    </dgm:pt>
+    <dgm:pt modelId="{1753991A-2F9B-2C4F-BCF2-FED0226A787B}" type="pres">
+      <dgm:prSet presAssocID="{2F652BA1-6D32-481E-B74F-F8DF31574C9E}" presName="spaceBetweenRectangles" presStyleCnt="0"/>
+      <dgm:spPr/>
+    </dgm:pt>
+    <dgm:pt modelId="{C17AA5D6-6368-1848-AB8E-C6EBF7E64830}" type="pres">
+      <dgm:prSet presAssocID="{15A8115E-1688-4F17-B59C-559573D568FE}" presName="parentLin" presStyleCnt="0"/>
+      <dgm:spPr/>
+    </dgm:pt>
+    <dgm:pt modelId="{398DAE7D-3B70-4247-8EDC-4D770BEEEEAA}" type="pres">
+      <dgm:prSet presAssocID="{15A8115E-1688-4F17-B59C-559573D568FE}" presName="parentLeftMargin" presStyleLbl="node1" presStyleIdx="2" presStyleCnt="5"/>
+      <dgm:spPr/>
+    </dgm:pt>
+    <dgm:pt modelId="{D68EBBA2-C9C7-9E45-9E28-9761921054A9}" type="pres">
+      <dgm:prSet presAssocID="{15A8115E-1688-4F17-B59C-559573D568FE}" presName="parentText" presStyleLbl="node1" presStyleIdx="3" presStyleCnt="5">
+        <dgm:presLayoutVars>
+          <dgm:chMax val="0"/>
+          <dgm:bulletEnabled val="1"/>
+        </dgm:presLayoutVars>
+      </dgm:prSet>
+      <dgm:spPr/>
+    </dgm:pt>
+    <dgm:pt modelId="{4BADF863-B91F-C040-BC37-283FA0F5F033}" type="pres">
+      <dgm:prSet presAssocID="{15A8115E-1688-4F17-B59C-559573D568FE}" presName="negativeSpace" presStyleCnt="0"/>
+      <dgm:spPr/>
+    </dgm:pt>
+    <dgm:pt modelId="{60925A9D-53F8-3345-9B4E-034B94CD04A3}" type="pres">
+      <dgm:prSet presAssocID="{15A8115E-1688-4F17-B59C-559573D568FE}" presName="childText" presStyleLbl="conFgAcc1" presStyleIdx="3" presStyleCnt="5">
+        <dgm:presLayoutVars>
+          <dgm:bulletEnabled val="1"/>
+        </dgm:presLayoutVars>
+      </dgm:prSet>
+      <dgm:spPr/>
+    </dgm:pt>
+    <dgm:pt modelId="{85DB7E9D-1FCF-2A44-954B-506F455337CB}" type="pres">
+      <dgm:prSet presAssocID="{172B91C0-22D9-461A-86B0-FBC8916CC2B4}" presName="spaceBetweenRectangles" presStyleCnt="0"/>
+      <dgm:spPr/>
+    </dgm:pt>
+    <dgm:pt modelId="{8A0F0B9E-527B-C946-BBDD-D1AC2EEF9139}" type="pres">
+      <dgm:prSet presAssocID="{F4D4F2E7-96DE-4E86-B0DB-892C9E28A7D1}" presName="parentLin" presStyleCnt="0"/>
+      <dgm:spPr/>
+    </dgm:pt>
+    <dgm:pt modelId="{DEE0B259-B2EE-774D-A9A2-67601E9910E3}" type="pres">
+      <dgm:prSet presAssocID="{F4D4F2E7-96DE-4E86-B0DB-892C9E28A7D1}" presName="parentLeftMargin" presStyleLbl="node1" presStyleIdx="3" presStyleCnt="5"/>
+      <dgm:spPr/>
+    </dgm:pt>
+    <dgm:pt modelId="{AA6289FA-BA88-434B-9004-CA7C60FBF0C0}" type="pres">
+      <dgm:prSet presAssocID="{F4D4F2E7-96DE-4E86-B0DB-892C9E28A7D1}" presName="parentText" presStyleLbl="node1" presStyleIdx="4" presStyleCnt="5">
+        <dgm:presLayoutVars>
+          <dgm:chMax val="0"/>
+          <dgm:bulletEnabled val="1"/>
+        </dgm:presLayoutVars>
+      </dgm:prSet>
+      <dgm:spPr/>
+    </dgm:pt>
+    <dgm:pt modelId="{BF923259-E891-B74B-8248-B35AA8DEF57C}" type="pres">
+      <dgm:prSet presAssocID="{F4D4F2E7-96DE-4E86-B0DB-892C9E28A7D1}" presName="negativeSpace" presStyleCnt="0"/>
+      <dgm:spPr/>
+    </dgm:pt>
+    <dgm:pt modelId="{FC400DBA-7800-C846-88E4-4C9C1FFDBD4C}" type="pres">
+      <dgm:prSet presAssocID="{F4D4F2E7-96DE-4E86-B0DB-892C9E28A7D1}" presName="childText" presStyleLbl="conFgAcc1" presStyleIdx="4" presStyleCnt="5">
+        <dgm:presLayoutVars>
+          <dgm:bulletEnabled val="1"/>
+        </dgm:presLayoutVars>
+      </dgm:prSet>
+      <dgm:spPr/>
+    </dgm:pt>
+  </dgm:ptLst>
+  <dgm:cxnLst>
+    <dgm:cxn modelId="{7031E902-2DCA-A946-B986-C284156142ED}" type="presOf" srcId="{DF7B8F10-42E0-4513-9D31-6839B1E6DEC8}" destId="{1BB59207-CD6B-D346-A89B-A98F8BDBA43B}" srcOrd="1" destOrd="0" presId="urn:microsoft.com/office/officeart/2005/8/layout/list1"/>
+    <dgm:cxn modelId="{C35C5D23-1E54-F941-BED3-3F499D88253E}" type="presOf" srcId="{3E2C3E61-95C4-4804-8FA6-53E7F0A18558}" destId="{F883BDED-0DE2-0C4D-B596-5EA887E18A11}" srcOrd="0" destOrd="0" presId="urn:microsoft.com/office/officeart/2005/8/layout/list1"/>
+    <dgm:cxn modelId="{834CD426-1ADE-8147-985E-AC0604220505}" type="presOf" srcId="{8CC28C6F-0EF3-48E7-90C4-CEE610642B85}" destId="{3C89BFEA-6035-3A4E-A218-A18224F3347F}" srcOrd="0" destOrd="0" presId="urn:microsoft.com/office/officeart/2005/8/layout/list1"/>
+    <dgm:cxn modelId="{F117A730-B427-4204-BBD3-575E61467F8F}" srcId="{3E2C3E61-95C4-4804-8FA6-53E7F0A18558}" destId="{92D1FE23-3207-4025-B864-1624598F2713}" srcOrd="1" destOrd="0" parTransId="{8E3204E0-4014-405D-9160-1132484AEB66}" sibTransId="{5A670B13-3708-423E-AA03-6D47049C2391}"/>
+    <dgm:cxn modelId="{B89BBD37-2A4B-49CB-AFC7-CB1E385020D7}" srcId="{3E2C3E61-95C4-4804-8FA6-53E7F0A18558}" destId="{DF7B8F10-42E0-4513-9D31-6839B1E6DEC8}" srcOrd="0" destOrd="0" parTransId="{979EBA87-C6ED-4538-AF31-0A2B2BEB4C22}" sibTransId="{C5EA1464-19A4-429D-A633-CFFA4CDD77F8}"/>
+    <dgm:cxn modelId="{73A0C557-24FC-3D40-A3F5-0B689288238E}" type="presOf" srcId="{F4D4F2E7-96DE-4E86-B0DB-892C9E28A7D1}" destId="{AA6289FA-BA88-434B-9004-CA7C60FBF0C0}" srcOrd="1" destOrd="0" presId="urn:microsoft.com/office/officeart/2005/8/layout/list1"/>
+    <dgm:cxn modelId="{F3457F63-D2C9-624E-8A10-214FD392DF31}" type="presOf" srcId="{15A8115E-1688-4F17-B59C-559573D568FE}" destId="{398DAE7D-3B70-4247-8EDC-4D770BEEEEAA}" srcOrd="0" destOrd="0" presId="urn:microsoft.com/office/officeart/2005/8/layout/list1"/>
+    <dgm:cxn modelId="{96214683-8E88-2841-B56F-A535446002BA}" type="presOf" srcId="{8CC28C6F-0EF3-48E7-90C4-CEE610642B85}" destId="{B156A590-2A31-FB49-AF1B-4E4BF6268107}" srcOrd="1" destOrd="0" presId="urn:microsoft.com/office/officeart/2005/8/layout/list1"/>
+    <dgm:cxn modelId="{27D355A8-8AE1-448A-8CA7-85EBAAAB5587}" srcId="{3E2C3E61-95C4-4804-8FA6-53E7F0A18558}" destId="{8CC28C6F-0EF3-48E7-90C4-CEE610642B85}" srcOrd="2" destOrd="0" parTransId="{387106B5-293C-4E2A-8B53-03F4B80BCDC9}" sibTransId="{2F652BA1-6D32-481E-B74F-F8DF31574C9E}"/>
+    <dgm:cxn modelId="{3E3F97AC-EC28-4B47-8292-260736419149}" srcId="{3E2C3E61-95C4-4804-8FA6-53E7F0A18558}" destId="{F4D4F2E7-96DE-4E86-B0DB-892C9E28A7D1}" srcOrd="4" destOrd="0" parTransId="{5CA6AE35-880A-4C22-A0B4-9ACF78BA6905}" sibTransId="{4F2B9DBE-8870-468F-B560-C2FAEEC79A70}"/>
+    <dgm:cxn modelId="{95E560D1-FCF5-D745-B482-441AFDB2A5D6}" type="presOf" srcId="{92D1FE23-3207-4025-B864-1624598F2713}" destId="{7B8C42C2-70C5-B147-82FF-DA4633ACADD6}" srcOrd="0" destOrd="0" presId="urn:microsoft.com/office/officeart/2005/8/layout/list1"/>
+    <dgm:cxn modelId="{EC1A44DC-9A2F-8D4A-A6F3-2DCD670D2DBC}" type="presOf" srcId="{92D1FE23-3207-4025-B864-1624598F2713}" destId="{D440BA06-834C-F04A-927F-C78C172AE806}" srcOrd="1" destOrd="0" presId="urn:microsoft.com/office/officeart/2005/8/layout/list1"/>
+    <dgm:cxn modelId="{A27DDBE6-F3A5-3E4C-B332-6F74EA098DAD}" type="presOf" srcId="{F4D4F2E7-96DE-4E86-B0DB-892C9E28A7D1}" destId="{DEE0B259-B2EE-774D-A9A2-67601E9910E3}" srcOrd="0" destOrd="0" presId="urn:microsoft.com/office/officeart/2005/8/layout/list1"/>
+    <dgm:cxn modelId="{DBA830EB-7972-AA43-9D2A-103404826F50}" type="presOf" srcId="{DF7B8F10-42E0-4513-9D31-6839B1E6DEC8}" destId="{5D998951-506C-334D-950B-8659DDE9A622}" srcOrd="0" destOrd="0" presId="urn:microsoft.com/office/officeart/2005/8/layout/list1"/>
+    <dgm:cxn modelId="{F70B0AF0-DA30-497C-80A0-D88489F864EE}" srcId="{3E2C3E61-95C4-4804-8FA6-53E7F0A18558}" destId="{15A8115E-1688-4F17-B59C-559573D568FE}" srcOrd="3" destOrd="0" parTransId="{CC4FE196-D8FC-4672-8827-777C15B0ADE7}" sibTransId="{172B91C0-22D9-461A-86B0-FBC8916CC2B4}"/>
+    <dgm:cxn modelId="{84FE6EFA-4AEA-7544-B262-680C5535F23E}" type="presOf" srcId="{15A8115E-1688-4F17-B59C-559573D568FE}" destId="{D68EBBA2-C9C7-9E45-9E28-9761921054A9}" srcOrd="1" destOrd="0" presId="urn:microsoft.com/office/officeart/2005/8/layout/list1"/>
+    <dgm:cxn modelId="{5F2B2832-69B9-124C-9D00-2FB9C75079C7}" type="presParOf" srcId="{F883BDED-0DE2-0C4D-B596-5EA887E18A11}" destId="{31A2C0B7-D52F-964A-B7CA-7069F42BCE4E}" srcOrd="0" destOrd="0" presId="urn:microsoft.com/office/officeart/2005/8/layout/list1"/>
+    <dgm:cxn modelId="{DA74AE21-3B28-CA45-A9D2-8A8A3C1E26EA}" type="presParOf" srcId="{31A2C0B7-D52F-964A-B7CA-7069F42BCE4E}" destId="{5D998951-506C-334D-950B-8659DDE9A622}" srcOrd="0" destOrd="0" presId="urn:microsoft.com/office/officeart/2005/8/layout/list1"/>
+    <dgm:cxn modelId="{A67C342C-84D7-A84E-94EE-44A40A728052}" type="presParOf" srcId="{31A2C0B7-D52F-964A-B7CA-7069F42BCE4E}" destId="{1BB59207-CD6B-D346-A89B-A98F8BDBA43B}" srcOrd="1" destOrd="0" presId="urn:microsoft.com/office/officeart/2005/8/layout/list1"/>
+    <dgm:cxn modelId="{B0F49D02-9B4C-9F48-9EED-B5C8423E6AAE}" type="presParOf" srcId="{F883BDED-0DE2-0C4D-B596-5EA887E18A11}" destId="{2DDD1E57-89C9-DE4A-8446-80AC03E443E3}" srcOrd="1" destOrd="0" presId="urn:microsoft.com/office/officeart/2005/8/layout/list1"/>
+    <dgm:cxn modelId="{FA2F3C31-3042-E14E-9504-3E258D2C6DF4}" type="presParOf" srcId="{F883BDED-0DE2-0C4D-B596-5EA887E18A11}" destId="{1C1A976F-5EED-EE43-A135-84E3AAC57AB9}" srcOrd="2" destOrd="0" presId="urn:microsoft.com/office/officeart/2005/8/layout/list1"/>
+    <dgm:cxn modelId="{7B7BDAF8-E7D2-534D-A04C-8F0F7E4F65B5}" type="presParOf" srcId="{F883BDED-0DE2-0C4D-B596-5EA887E18A11}" destId="{1FA7B6A6-986B-A54A-BBAA-677EEEEABACD}" srcOrd="3" destOrd="0" presId="urn:microsoft.com/office/officeart/2005/8/layout/list1"/>
+    <dgm:cxn modelId="{AA78CB8C-2FE1-5B42-9F0A-1DE7D7BB9172}" type="presParOf" srcId="{F883BDED-0DE2-0C4D-B596-5EA887E18A11}" destId="{93C25D4F-518E-2243-973B-6EC9BFAC20EB}" srcOrd="4" destOrd="0" presId="urn:microsoft.com/office/officeart/2005/8/layout/list1"/>
+    <dgm:cxn modelId="{D2233F3A-EFAF-E949-8DE2-C33E9D509321}" type="presParOf" srcId="{93C25D4F-518E-2243-973B-6EC9BFAC20EB}" destId="{7B8C42C2-70C5-B147-82FF-DA4633ACADD6}" srcOrd="0" destOrd="0" presId="urn:microsoft.com/office/officeart/2005/8/layout/list1"/>
+    <dgm:cxn modelId="{5F252483-7B3C-FF49-80D0-142B43D0A022}" type="presParOf" srcId="{93C25D4F-518E-2243-973B-6EC9BFAC20EB}" destId="{D440BA06-834C-F04A-927F-C78C172AE806}" srcOrd="1" destOrd="0" presId="urn:microsoft.com/office/officeart/2005/8/layout/list1"/>
+    <dgm:cxn modelId="{7F39B0B6-9F6B-DE4D-A199-FFC3A889F999}" type="presParOf" srcId="{F883BDED-0DE2-0C4D-B596-5EA887E18A11}" destId="{98908D9F-6333-3746-8272-D9A3A4CF1EFB}" srcOrd="5" destOrd="0" presId="urn:microsoft.com/office/officeart/2005/8/layout/list1"/>
+    <dgm:cxn modelId="{8345C549-69B1-FA40-986C-D36F036603AC}" type="presParOf" srcId="{F883BDED-0DE2-0C4D-B596-5EA887E18A11}" destId="{69A5CECF-D580-3841-93CB-B23BEA91E7C4}" srcOrd="6" destOrd="0" presId="urn:microsoft.com/office/officeart/2005/8/layout/list1"/>
+    <dgm:cxn modelId="{17E857D0-4311-8348-8E84-349FD0E372CD}" type="presParOf" srcId="{F883BDED-0DE2-0C4D-B596-5EA887E18A11}" destId="{ED609E54-1D84-A143-B539-11340174A130}" srcOrd="7" destOrd="0" presId="urn:microsoft.com/office/officeart/2005/8/layout/list1"/>
+    <dgm:cxn modelId="{0C141E90-46A6-C145-B369-E55D799DDA7A}" type="presParOf" srcId="{F883BDED-0DE2-0C4D-B596-5EA887E18A11}" destId="{C8D0CC6A-4B78-2F4A-9FE4-DB67C8433DBA}" srcOrd="8" destOrd="0" presId="urn:microsoft.com/office/officeart/2005/8/layout/list1"/>
+    <dgm:cxn modelId="{BB84D838-2CBB-2746-945E-7A7EF3586F2F}" type="presParOf" srcId="{C8D0CC6A-4B78-2F4A-9FE4-DB67C8433DBA}" destId="{3C89BFEA-6035-3A4E-A218-A18224F3347F}" srcOrd="0" destOrd="0" presId="urn:microsoft.com/office/officeart/2005/8/layout/list1"/>
+    <dgm:cxn modelId="{8FD374E3-BA2C-5242-875F-5B2B2BB8BB66}" type="presParOf" srcId="{C8D0CC6A-4B78-2F4A-9FE4-DB67C8433DBA}" destId="{B156A590-2A31-FB49-AF1B-4E4BF6268107}" srcOrd="1" destOrd="0" presId="urn:microsoft.com/office/officeart/2005/8/layout/list1"/>
+    <dgm:cxn modelId="{C832D56F-9BEA-CB4C-96F9-37419B6CDC16}" type="presParOf" srcId="{F883BDED-0DE2-0C4D-B596-5EA887E18A11}" destId="{7FC845E4-2664-8640-9738-3D64D25D6E81}" srcOrd="9" destOrd="0" presId="urn:microsoft.com/office/officeart/2005/8/layout/list1"/>
+    <dgm:cxn modelId="{F0C51720-B369-234E-B539-A5D34588810A}" type="presParOf" srcId="{F883BDED-0DE2-0C4D-B596-5EA887E18A11}" destId="{31ED2F2B-9227-CE4E-AE88-CAE977D40162}" srcOrd="10" destOrd="0" presId="urn:microsoft.com/office/officeart/2005/8/layout/list1"/>
+    <dgm:cxn modelId="{C5B5A8D1-749C-054E-9F81-81CB9EA5ED12}" type="presParOf" srcId="{F883BDED-0DE2-0C4D-B596-5EA887E18A11}" destId="{1753991A-2F9B-2C4F-BCF2-FED0226A787B}" srcOrd="11" destOrd="0" presId="urn:microsoft.com/office/officeart/2005/8/layout/list1"/>
+    <dgm:cxn modelId="{C44C31C2-9EF1-B640-956D-5B28EB084CBA}" type="presParOf" srcId="{F883BDED-0DE2-0C4D-B596-5EA887E18A11}" destId="{C17AA5D6-6368-1848-AB8E-C6EBF7E64830}" srcOrd="12" destOrd="0" presId="urn:microsoft.com/office/officeart/2005/8/layout/list1"/>
+    <dgm:cxn modelId="{28565E60-EB5D-0A4D-8115-53C8477E0AAB}" type="presParOf" srcId="{C17AA5D6-6368-1848-AB8E-C6EBF7E64830}" destId="{398DAE7D-3B70-4247-8EDC-4D770BEEEEAA}" srcOrd="0" destOrd="0" presId="urn:microsoft.com/office/officeart/2005/8/layout/list1"/>
+    <dgm:cxn modelId="{1EB1AAA1-A4B1-B14C-84A1-C2005A7E2917}" type="presParOf" srcId="{C17AA5D6-6368-1848-AB8E-C6EBF7E64830}" destId="{D68EBBA2-C9C7-9E45-9E28-9761921054A9}" srcOrd="1" destOrd="0" presId="urn:microsoft.com/office/officeart/2005/8/layout/list1"/>
+    <dgm:cxn modelId="{89EAA7CA-CB48-C74B-BBB3-8BE2EC35D2B7}" type="presParOf" srcId="{F883BDED-0DE2-0C4D-B596-5EA887E18A11}" destId="{4BADF863-B91F-C040-BC37-283FA0F5F033}" srcOrd="13" destOrd="0" presId="urn:microsoft.com/office/officeart/2005/8/layout/list1"/>
+    <dgm:cxn modelId="{F5C0A8AE-3290-0A4B-8E93-A4BCCADA3037}" type="presParOf" srcId="{F883BDED-0DE2-0C4D-B596-5EA887E18A11}" destId="{60925A9D-53F8-3345-9B4E-034B94CD04A3}" srcOrd="14" destOrd="0" presId="urn:microsoft.com/office/officeart/2005/8/layout/list1"/>
+    <dgm:cxn modelId="{4C7E307B-5866-9E47-BE4A-2418FA5B863E}" type="presParOf" srcId="{F883BDED-0DE2-0C4D-B596-5EA887E18A11}" destId="{85DB7E9D-1FCF-2A44-954B-506F455337CB}" srcOrd="15" destOrd="0" presId="urn:microsoft.com/office/officeart/2005/8/layout/list1"/>
+    <dgm:cxn modelId="{97894821-CB5D-BE40-91C8-C61D82B74ACA}" type="presParOf" srcId="{F883BDED-0DE2-0C4D-B596-5EA887E18A11}" destId="{8A0F0B9E-527B-C946-BBDD-D1AC2EEF9139}" srcOrd="16" destOrd="0" presId="urn:microsoft.com/office/officeart/2005/8/layout/list1"/>
+    <dgm:cxn modelId="{EC2CC87D-1525-EF4C-A5EC-13377C07FFAF}" type="presParOf" srcId="{8A0F0B9E-527B-C946-BBDD-D1AC2EEF9139}" destId="{DEE0B259-B2EE-774D-A9A2-67601E9910E3}" srcOrd="0" destOrd="0" presId="urn:microsoft.com/office/officeart/2005/8/layout/list1"/>
+    <dgm:cxn modelId="{54059692-5DF5-1248-80C8-0CFBF17CB5FA}" type="presParOf" srcId="{8A0F0B9E-527B-C946-BBDD-D1AC2EEF9139}" destId="{AA6289FA-BA88-434B-9004-CA7C60FBF0C0}" srcOrd="1" destOrd="0" presId="urn:microsoft.com/office/officeart/2005/8/layout/list1"/>
+    <dgm:cxn modelId="{C9BDE5DA-DDF4-7044-B6ED-E98E1EC9CED7}" type="presParOf" srcId="{F883BDED-0DE2-0C4D-B596-5EA887E18A11}" destId="{BF923259-E891-B74B-8248-B35AA8DEF57C}" srcOrd="17" destOrd="0" presId="urn:microsoft.com/office/officeart/2005/8/layout/list1"/>
+    <dgm:cxn modelId="{3813EE64-0AC1-8E4D-9302-4C64A820F535}" type="presParOf" srcId="{F883BDED-0DE2-0C4D-B596-5EA887E18A11}" destId="{FC400DBA-7800-C846-88E4-4C9C1FFDBD4C}" srcOrd="18" destOrd="0" presId="urn:microsoft.com/office/officeart/2005/8/layout/list1"/>
+  </dgm:cxnLst>
+  <dgm:bg/>
+  <dgm:whole/>
+  <dgm:extLst>
+    <a:ext uri="http://schemas.microsoft.com/office/drawing/2008/diagram">
+      <dsp:dataModelExt xmlns:dsp="http://schemas.microsoft.com/office/drawing/2008/diagram" relId="rId6" minVer="http://schemas.openxmlformats.org/drawingml/2006/diagram"/>
+    </a:ext>
+  </dgm:extLst>
+</dgm:dataModel>
+</file>
+
+<file path=ppt/diagrams/drawing1.xml><?xml version="1.0" encoding="utf-8"?>
+<dsp:drawing xmlns:dgm="http://schemas.openxmlformats.org/drawingml/2006/diagram" xmlns:dsp="http://schemas.microsoft.com/office/drawing/2008/diagram" xmlns:a="http://schemas.openxmlformats.org/drawingml/2006/main">
+  <dsp:spTree>
+    <dsp:nvGrpSpPr>
+      <dsp:cNvPr id="0" name=""/>
+      <dsp:cNvGrpSpPr/>
+    </dsp:nvGrpSpPr>
+    <dsp:grpSpPr/>
+    <dsp:sp modelId="{1C1A976F-5EED-EE43-A135-84E3AAC57AB9}">
+      <dsp:nvSpPr>
+        <dsp:cNvPr id="0" name=""/>
+        <dsp:cNvSpPr/>
+      </dsp:nvSpPr>
+      <dsp:spPr>
+        <a:xfrm>
+          <a:off x="0" y="284759"/>
+          <a:ext cx="10058399" cy="453600"/>
+        </a:xfrm>
+        <a:prstGeom prst="rect">
+          <a:avLst/>
+        </a:prstGeom>
+        <a:solidFill>
+          <a:schemeClr val="lt1">
+            <a:alpha val="90000"/>
+            <a:hueOff val="0"/>
+            <a:satOff val="0"/>
+            <a:lumOff val="0"/>
+            <a:alphaOff val="0"/>
+          </a:schemeClr>
+        </a:solidFill>
+        <a:ln w="15875" cap="flat" cmpd="sng" algn="ctr">
+          <a:solidFill>
+            <a:schemeClr val="accent1">
+              <a:hueOff val="0"/>
+              <a:satOff val="0"/>
+              <a:lumOff val="0"/>
+              <a:alphaOff val="0"/>
+            </a:schemeClr>
+          </a:solidFill>
+          <a:prstDash val="solid"/>
+        </a:ln>
+        <a:effectLst/>
+      </dsp:spPr>
+      <dsp:style>
+        <a:lnRef idx="2">
+          <a:scrgbClr r="0" g="0" b="0"/>
+        </a:lnRef>
+        <a:fillRef idx="1">
+          <a:scrgbClr r="0" g="0" b="0"/>
+        </a:fillRef>
+        <a:effectRef idx="0">
+          <a:scrgbClr r="0" g="0" b="0"/>
+        </a:effectRef>
+        <a:fontRef idx="minor"/>
+      </dsp:style>
+    </dsp:sp>
+    <dsp:sp modelId="{1BB59207-CD6B-D346-A89B-A98F8BDBA43B}">
+      <dsp:nvSpPr>
+        <dsp:cNvPr id="0" name=""/>
+        <dsp:cNvSpPr/>
+      </dsp:nvSpPr>
+      <dsp:spPr>
+        <a:xfrm>
+          <a:off x="502920" y="19079"/>
+          <a:ext cx="7040880" cy="531360"/>
+        </a:xfrm>
+        <a:prstGeom prst="roundRect">
+          <a:avLst/>
+        </a:prstGeom>
+        <a:solidFill>
+          <a:schemeClr val="accent1">
+            <a:hueOff val="0"/>
+            <a:satOff val="0"/>
+            <a:lumOff val="0"/>
+            <a:alphaOff val="0"/>
+          </a:schemeClr>
+        </a:solidFill>
+        <a:ln w="15875" cap="flat" cmpd="sng" algn="ctr">
+          <a:solidFill>
+            <a:schemeClr val="lt1">
+              <a:hueOff val="0"/>
+              <a:satOff val="0"/>
+              <a:lumOff val="0"/>
+              <a:alphaOff val="0"/>
+            </a:schemeClr>
+          </a:solidFill>
+          <a:prstDash val="solid"/>
+        </a:ln>
+        <a:effectLst/>
+      </dsp:spPr>
+      <dsp:style>
+        <a:lnRef idx="2">
+          <a:scrgbClr r="0" g="0" b="0"/>
+        </a:lnRef>
+        <a:fillRef idx="1">
+          <a:scrgbClr r="0" g="0" b="0"/>
+        </a:fillRef>
+        <a:effectRef idx="0">
+          <a:scrgbClr r="0" g="0" b="0"/>
+        </a:effectRef>
+        <a:fontRef idx="minor">
+          <a:schemeClr val="lt1"/>
+        </a:fontRef>
+      </dsp:style>
+      <dsp:txBody>
+        <a:bodyPr spcFirstLastPara="0" vert="horz" wrap="square" lIns="266129" tIns="0" rIns="266129" bIns="0" numCol="1" spcCol="1270" anchor="ctr" anchorCtr="0">
+          <a:noAutofit/>
+        </a:bodyPr>
+        <a:lstStyle/>
+        <a:p>
+          <a:pPr marL="0" lvl="0" indent="0" algn="l" defTabSz="800100">
+            <a:lnSpc>
+              <a:spcPct val="90000"/>
+            </a:lnSpc>
+            <a:spcBef>
+              <a:spcPct val="0"/>
+            </a:spcBef>
+            <a:spcAft>
+              <a:spcPct val="35000"/>
+            </a:spcAft>
+            <a:buNone/>
+          </a:pPr>
+          <a:r>
+            <a:rPr lang="en-US" sz="1800" kern="1200"/>
+            <a:t>Google Dataset Search</a:t>
+          </a:r>
+        </a:p>
+      </dsp:txBody>
+      <dsp:txXfrm>
+        <a:off x="528859" y="45018"/>
+        <a:ext cx="6989002" cy="479482"/>
+      </dsp:txXfrm>
+    </dsp:sp>
+    <dsp:sp modelId="{69A5CECF-D580-3841-93CB-B23BEA91E7C4}">
+      <dsp:nvSpPr>
+        <dsp:cNvPr id="0" name=""/>
+        <dsp:cNvSpPr/>
+      </dsp:nvSpPr>
+      <dsp:spPr>
+        <a:xfrm>
+          <a:off x="0" y="1101239"/>
+          <a:ext cx="10058399" cy="453600"/>
+        </a:xfrm>
+        <a:prstGeom prst="rect">
+          <a:avLst/>
+        </a:prstGeom>
+        <a:solidFill>
+          <a:schemeClr val="lt1">
+            <a:alpha val="90000"/>
+            <a:hueOff val="0"/>
+            <a:satOff val="0"/>
+            <a:lumOff val="0"/>
+            <a:alphaOff val="0"/>
+          </a:schemeClr>
+        </a:solidFill>
+        <a:ln w="15875" cap="flat" cmpd="sng" algn="ctr">
+          <a:solidFill>
+            <a:schemeClr val="accent1">
+              <a:hueOff val="0"/>
+              <a:satOff val="0"/>
+              <a:lumOff val="0"/>
+              <a:alphaOff val="0"/>
+            </a:schemeClr>
+          </a:solidFill>
+          <a:prstDash val="solid"/>
+        </a:ln>
+        <a:effectLst/>
+      </dsp:spPr>
+      <dsp:style>
+        <a:lnRef idx="2">
+          <a:scrgbClr r="0" g="0" b="0"/>
+        </a:lnRef>
+        <a:fillRef idx="1">
+          <a:scrgbClr r="0" g="0" b="0"/>
+        </a:fillRef>
+        <a:effectRef idx="0">
+          <a:scrgbClr r="0" g="0" b="0"/>
+        </a:effectRef>
+        <a:fontRef idx="minor"/>
+      </dsp:style>
+    </dsp:sp>
+    <dsp:sp modelId="{D440BA06-834C-F04A-927F-C78C172AE806}">
+      <dsp:nvSpPr>
+        <dsp:cNvPr id="0" name=""/>
+        <dsp:cNvSpPr/>
+      </dsp:nvSpPr>
+      <dsp:spPr>
+        <a:xfrm>
+          <a:off x="502920" y="835559"/>
+          <a:ext cx="7040880" cy="531360"/>
+        </a:xfrm>
+        <a:prstGeom prst="roundRect">
+          <a:avLst/>
+        </a:prstGeom>
+        <a:solidFill>
+          <a:schemeClr val="accent1">
+            <a:hueOff val="0"/>
+            <a:satOff val="0"/>
+            <a:lumOff val="0"/>
+            <a:alphaOff val="0"/>
+          </a:schemeClr>
+        </a:solidFill>
+        <a:ln w="15875" cap="flat" cmpd="sng" algn="ctr">
+          <a:solidFill>
+            <a:schemeClr val="lt1">
+              <a:hueOff val="0"/>
+              <a:satOff val="0"/>
+              <a:lumOff val="0"/>
+              <a:alphaOff val="0"/>
+            </a:schemeClr>
+          </a:solidFill>
+          <a:prstDash val="solid"/>
+        </a:ln>
+        <a:effectLst/>
+      </dsp:spPr>
+      <dsp:style>
+        <a:lnRef idx="2">
+          <a:scrgbClr r="0" g="0" b="0"/>
+        </a:lnRef>
+        <a:fillRef idx="1">
+          <a:scrgbClr r="0" g="0" b="0"/>
+        </a:fillRef>
+        <a:effectRef idx="0">
+          <a:scrgbClr r="0" g="0" b="0"/>
+        </a:effectRef>
+        <a:fontRef idx="minor">
+          <a:schemeClr val="lt1"/>
+        </a:fontRef>
+      </dsp:style>
+      <dsp:txBody>
+        <a:bodyPr spcFirstLastPara="0" vert="horz" wrap="square" lIns="266129" tIns="0" rIns="266129" bIns="0" numCol="1" spcCol="1270" anchor="ctr" anchorCtr="0">
+          <a:noAutofit/>
+        </a:bodyPr>
+        <a:lstStyle/>
+        <a:p>
+          <a:pPr marL="0" lvl="0" indent="0" algn="l" defTabSz="800100">
+            <a:lnSpc>
+              <a:spcPct val="90000"/>
+            </a:lnSpc>
+            <a:spcBef>
+              <a:spcPct val="0"/>
+            </a:spcBef>
+            <a:spcAft>
+              <a:spcPct val="35000"/>
+            </a:spcAft>
+            <a:buNone/>
+          </a:pPr>
+          <a:r>
+            <a:rPr lang="en-US" sz="1800" kern="1200"/>
+            <a:t>Kaggle</a:t>
+          </a:r>
+        </a:p>
+      </dsp:txBody>
+      <dsp:txXfrm>
+        <a:off x="528859" y="861498"/>
+        <a:ext cx="6989002" cy="479482"/>
+      </dsp:txXfrm>
+    </dsp:sp>
+    <dsp:sp modelId="{31ED2F2B-9227-CE4E-AE88-CAE977D40162}">
+      <dsp:nvSpPr>
+        <dsp:cNvPr id="0" name=""/>
+        <dsp:cNvSpPr/>
+      </dsp:nvSpPr>
+      <dsp:spPr>
+        <a:xfrm>
+          <a:off x="0" y="1917720"/>
+          <a:ext cx="10058399" cy="453600"/>
+        </a:xfrm>
+        <a:prstGeom prst="rect">
+          <a:avLst/>
+        </a:prstGeom>
+        <a:solidFill>
+          <a:schemeClr val="lt1">
+            <a:alpha val="90000"/>
+            <a:hueOff val="0"/>
+            <a:satOff val="0"/>
+            <a:lumOff val="0"/>
+            <a:alphaOff val="0"/>
+          </a:schemeClr>
+        </a:solidFill>
+        <a:ln w="15875" cap="flat" cmpd="sng" algn="ctr">
+          <a:solidFill>
+            <a:schemeClr val="accent1">
+              <a:hueOff val="0"/>
+              <a:satOff val="0"/>
+              <a:lumOff val="0"/>
+              <a:alphaOff val="0"/>
+            </a:schemeClr>
+          </a:solidFill>
+          <a:prstDash val="solid"/>
+        </a:ln>
+        <a:effectLst/>
+      </dsp:spPr>
+      <dsp:style>
+        <a:lnRef idx="2">
+          <a:scrgbClr r="0" g="0" b="0"/>
+        </a:lnRef>
+        <a:fillRef idx="1">
+          <a:scrgbClr r="0" g="0" b="0"/>
+        </a:fillRef>
+        <a:effectRef idx="0">
+          <a:scrgbClr r="0" g="0" b="0"/>
+        </a:effectRef>
+        <a:fontRef idx="minor"/>
+      </dsp:style>
+    </dsp:sp>
+    <dsp:sp modelId="{B156A590-2A31-FB49-AF1B-4E4BF6268107}">
+      <dsp:nvSpPr>
+        <dsp:cNvPr id="0" name=""/>
+        <dsp:cNvSpPr/>
+      </dsp:nvSpPr>
+      <dsp:spPr>
+        <a:xfrm>
+          <a:off x="502920" y="1652040"/>
+          <a:ext cx="7040880" cy="531360"/>
+        </a:xfrm>
+        <a:prstGeom prst="roundRect">
+          <a:avLst/>
+        </a:prstGeom>
+        <a:solidFill>
+          <a:schemeClr val="accent1">
+            <a:hueOff val="0"/>
+            <a:satOff val="0"/>
+            <a:lumOff val="0"/>
+            <a:alphaOff val="0"/>
+          </a:schemeClr>
+        </a:solidFill>
+        <a:ln w="15875" cap="flat" cmpd="sng" algn="ctr">
+          <a:solidFill>
+            <a:schemeClr val="lt1">
+              <a:hueOff val="0"/>
+              <a:satOff val="0"/>
+              <a:lumOff val="0"/>
+              <a:alphaOff val="0"/>
+            </a:schemeClr>
+          </a:solidFill>
+          <a:prstDash val="solid"/>
+        </a:ln>
+        <a:effectLst/>
+      </dsp:spPr>
+      <dsp:style>
+        <a:lnRef idx="2">
+          <a:scrgbClr r="0" g="0" b="0"/>
+        </a:lnRef>
+        <a:fillRef idx="1">
+          <a:scrgbClr r="0" g="0" b="0"/>
+        </a:fillRef>
+        <a:effectRef idx="0">
+          <a:scrgbClr r="0" g="0" b="0"/>
+        </a:effectRef>
+        <a:fontRef idx="minor">
+          <a:schemeClr val="lt1"/>
+        </a:fontRef>
+      </dsp:style>
+      <dsp:txBody>
+        <a:bodyPr spcFirstLastPara="0" vert="horz" wrap="square" lIns="266129" tIns="0" rIns="266129" bIns="0" numCol="1" spcCol="1270" anchor="ctr" anchorCtr="0">
+          <a:noAutofit/>
+        </a:bodyPr>
+        <a:lstStyle/>
+        <a:p>
+          <a:pPr marL="0" lvl="0" indent="0" algn="l" defTabSz="800100">
+            <a:lnSpc>
+              <a:spcPct val="90000"/>
+            </a:lnSpc>
+            <a:spcBef>
+              <a:spcPct val="0"/>
+            </a:spcBef>
+            <a:spcAft>
+              <a:spcPct val="35000"/>
+            </a:spcAft>
+            <a:buNone/>
+          </a:pPr>
+          <a:r>
+            <a:rPr lang="en-US" sz="1800" kern="1200"/>
+            <a:t>Data.gov</a:t>
+          </a:r>
+        </a:p>
+      </dsp:txBody>
+      <dsp:txXfrm>
+        <a:off x="528859" y="1677979"/>
+        <a:ext cx="6989002" cy="479482"/>
+      </dsp:txXfrm>
+    </dsp:sp>
+    <dsp:sp modelId="{60925A9D-53F8-3345-9B4E-034B94CD04A3}">
+      <dsp:nvSpPr>
+        <dsp:cNvPr id="0" name=""/>
+        <dsp:cNvSpPr/>
+      </dsp:nvSpPr>
+      <dsp:spPr>
+        <a:xfrm>
+          <a:off x="0" y="2734200"/>
+          <a:ext cx="10058399" cy="453600"/>
+        </a:xfrm>
+        <a:prstGeom prst="rect">
+          <a:avLst/>
+        </a:prstGeom>
+        <a:solidFill>
+          <a:schemeClr val="lt1">
+            <a:alpha val="90000"/>
+            <a:hueOff val="0"/>
+            <a:satOff val="0"/>
+            <a:lumOff val="0"/>
+            <a:alphaOff val="0"/>
+          </a:schemeClr>
+        </a:solidFill>
+        <a:ln w="15875" cap="flat" cmpd="sng" algn="ctr">
+          <a:solidFill>
+            <a:schemeClr val="accent1">
+              <a:hueOff val="0"/>
+              <a:satOff val="0"/>
+              <a:lumOff val="0"/>
+              <a:alphaOff val="0"/>
+            </a:schemeClr>
+          </a:solidFill>
+          <a:prstDash val="solid"/>
+        </a:ln>
+        <a:effectLst/>
+      </dsp:spPr>
+      <dsp:style>
+        <a:lnRef idx="2">
+          <a:scrgbClr r="0" g="0" b="0"/>
+        </a:lnRef>
+        <a:fillRef idx="1">
+          <a:scrgbClr r="0" g="0" b="0"/>
+        </a:fillRef>
+        <a:effectRef idx="0">
+          <a:scrgbClr r="0" g="0" b="0"/>
+        </a:effectRef>
+        <a:fontRef idx="minor"/>
+      </dsp:style>
+    </dsp:sp>
+    <dsp:sp modelId="{D68EBBA2-C9C7-9E45-9E28-9761921054A9}">
+      <dsp:nvSpPr>
+        <dsp:cNvPr id="0" name=""/>
+        <dsp:cNvSpPr/>
+      </dsp:nvSpPr>
+      <dsp:spPr>
+        <a:xfrm>
+          <a:off x="502920" y="2468519"/>
+          <a:ext cx="7040880" cy="531360"/>
+        </a:xfrm>
+        <a:prstGeom prst="roundRect">
+          <a:avLst/>
+        </a:prstGeom>
+        <a:solidFill>
+          <a:schemeClr val="accent1">
+            <a:hueOff val="0"/>
+            <a:satOff val="0"/>
+            <a:lumOff val="0"/>
+            <a:alphaOff val="0"/>
+          </a:schemeClr>
+        </a:solidFill>
+        <a:ln w="15875" cap="flat" cmpd="sng" algn="ctr">
+          <a:solidFill>
+            <a:schemeClr val="lt1">
+              <a:hueOff val="0"/>
+              <a:satOff val="0"/>
+              <a:lumOff val="0"/>
+              <a:alphaOff val="0"/>
+            </a:schemeClr>
+          </a:solidFill>
+          <a:prstDash val="solid"/>
+        </a:ln>
+        <a:effectLst/>
+      </dsp:spPr>
+      <dsp:style>
+        <a:lnRef idx="2">
+          <a:scrgbClr r="0" g="0" b="0"/>
+        </a:lnRef>
+        <a:fillRef idx="1">
+          <a:scrgbClr r="0" g="0" b="0"/>
+        </a:fillRef>
+        <a:effectRef idx="0">
+          <a:scrgbClr r="0" g="0" b="0"/>
+        </a:effectRef>
+        <a:fontRef idx="minor">
+          <a:schemeClr val="lt1"/>
+        </a:fontRef>
+      </dsp:style>
+      <dsp:txBody>
+        <a:bodyPr spcFirstLastPara="0" vert="horz" wrap="square" lIns="266129" tIns="0" rIns="266129" bIns="0" numCol="1" spcCol="1270" anchor="ctr" anchorCtr="0">
+          <a:noAutofit/>
+        </a:bodyPr>
+        <a:lstStyle/>
+        <a:p>
+          <a:pPr marL="0" lvl="0" indent="0" algn="l" defTabSz="800100">
+            <a:lnSpc>
+              <a:spcPct val="90000"/>
+            </a:lnSpc>
+            <a:spcBef>
+              <a:spcPct val="0"/>
+            </a:spcBef>
+            <a:spcAft>
+              <a:spcPct val="35000"/>
+            </a:spcAft>
+            <a:buNone/>
+          </a:pPr>
+          <a:r>
+            <a:rPr lang="en-US" sz="1800" kern="1200"/>
+            <a:t>Datahub.io</a:t>
+          </a:r>
+        </a:p>
+      </dsp:txBody>
+      <dsp:txXfrm>
+        <a:off x="528859" y="2494458"/>
+        <a:ext cx="6989002" cy="479482"/>
+      </dsp:txXfrm>
+    </dsp:sp>
+    <dsp:sp modelId="{FC400DBA-7800-C846-88E4-4C9C1FFDBD4C}">
+      <dsp:nvSpPr>
+        <dsp:cNvPr id="0" name=""/>
+        <dsp:cNvSpPr/>
+      </dsp:nvSpPr>
+      <dsp:spPr>
+        <a:xfrm>
+          <a:off x="0" y="3550680"/>
+          <a:ext cx="10058399" cy="453600"/>
+        </a:xfrm>
+        <a:prstGeom prst="rect">
+          <a:avLst/>
+        </a:prstGeom>
+        <a:solidFill>
+          <a:schemeClr val="lt1">
+            <a:alpha val="90000"/>
+            <a:hueOff val="0"/>
+            <a:satOff val="0"/>
+            <a:lumOff val="0"/>
+            <a:alphaOff val="0"/>
+          </a:schemeClr>
+        </a:solidFill>
+        <a:ln w="15875" cap="flat" cmpd="sng" algn="ctr">
+          <a:solidFill>
+            <a:schemeClr val="accent1">
+              <a:hueOff val="0"/>
+              <a:satOff val="0"/>
+              <a:lumOff val="0"/>
+              <a:alphaOff val="0"/>
+            </a:schemeClr>
+          </a:solidFill>
+          <a:prstDash val="solid"/>
+        </a:ln>
+        <a:effectLst/>
+      </dsp:spPr>
+      <dsp:style>
+        <a:lnRef idx="2">
+          <a:scrgbClr r="0" g="0" b="0"/>
+        </a:lnRef>
+        <a:fillRef idx="1">
+          <a:scrgbClr r="0" g="0" b="0"/>
+        </a:fillRef>
+        <a:effectRef idx="0">
+          <a:scrgbClr r="0" g="0" b="0"/>
+        </a:effectRef>
+        <a:fontRef idx="minor"/>
+      </dsp:style>
+    </dsp:sp>
+    <dsp:sp modelId="{AA6289FA-BA88-434B-9004-CA7C60FBF0C0}">
+      <dsp:nvSpPr>
+        <dsp:cNvPr id="0" name=""/>
+        <dsp:cNvSpPr/>
+      </dsp:nvSpPr>
+      <dsp:spPr>
+        <a:xfrm>
+          <a:off x="502920" y="3285000"/>
+          <a:ext cx="7040880" cy="531360"/>
+        </a:xfrm>
+        <a:prstGeom prst="roundRect">
+          <a:avLst/>
+        </a:prstGeom>
+        <a:solidFill>
+          <a:schemeClr val="accent1">
+            <a:hueOff val="0"/>
+            <a:satOff val="0"/>
+            <a:lumOff val="0"/>
+            <a:alphaOff val="0"/>
+          </a:schemeClr>
+        </a:solidFill>
+        <a:ln w="15875" cap="flat" cmpd="sng" algn="ctr">
+          <a:solidFill>
+            <a:schemeClr val="lt1">
+              <a:hueOff val="0"/>
+              <a:satOff val="0"/>
+              <a:lumOff val="0"/>
+              <a:alphaOff val="0"/>
+            </a:schemeClr>
+          </a:solidFill>
+          <a:prstDash val="solid"/>
+        </a:ln>
+        <a:effectLst/>
+      </dsp:spPr>
+      <dsp:style>
+        <a:lnRef idx="2">
+          <a:scrgbClr r="0" g="0" b="0"/>
+        </a:lnRef>
+        <a:fillRef idx="1">
+          <a:scrgbClr r="0" g="0" b="0"/>
+        </a:fillRef>
+        <a:effectRef idx="0">
+          <a:scrgbClr r="0" g="0" b="0"/>
+        </a:effectRef>
+        <a:fontRef idx="minor">
+          <a:schemeClr val="lt1"/>
+        </a:fontRef>
+      </dsp:style>
+      <dsp:txBody>
+        <a:bodyPr spcFirstLastPara="0" vert="horz" wrap="square" lIns="266129" tIns="0" rIns="266129" bIns="0" numCol="1" spcCol="1270" anchor="ctr" anchorCtr="0">
+          <a:noAutofit/>
+        </a:bodyPr>
+        <a:lstStyle/>
+        <a:p>
+          <a:pPr marL="0" lvl="0" indent="0" algn="l" defTabSz="800100">
+            <a:lnSpc>
+              <a:spcPct val="90000"/>
+            </a:lnSpc>
+            <a:spcBef>
+              <a:spcPct val="0"/>
+            </a:spcBef>
+            <a:spcAft>
+              <a:spcPct val="35000"/>
+            </a:spcAft>
+            <a:buNone/>
+          </a:pPr>
+          <a:r>
+            <a:rPr lang="en-US" sz="1800" kern="1200"/>
+            <a:t>UCI Machine Learning Repository</a:t>
+          </a:r>
+        </a:p>
+      </dsp:txBody>
+      <dsp:txXfrm>
+        <a:off x="528859" y="3310939"/>
+        <a:ext cx="6989002" cy="479482"/>
+      </dsp:txXfrm>
+    </dsp:sp>
+  </dsp:spTree>
+</dsp:drawing>
+</file>
+
+<file path=ppt/diagrams/layout1.xml><?xml version="1.0" encoding="utf-8"?>
+<dgm:layoutDef xmlns:dgm="http://schemas.openxmlformats.org/drawingml/2006/diagram" xmlns:a="http://schemas.openxmlformats.org/drawingml/2006/main" uniqueId="urn:microsoft.com/office/officeart/2005/8/layout/list1">
+  <dgm:title val=""/>
+  <dgm:desc val=""/>
+  <dgm:catLst>
+    <dgm:cat type="list" pri="4000"/>
+  </dgm:catLst>
+  <dgm:sampData>
+    <dgm:dataModel>
+      <dgm:ptLst>
+        <dgm:pt modelId="0" type="doc"/>
+        <dgm:pt modelId="1">
+          <dgm:prSet phldr="1"/>
+        </dgm:pt>
+        <dgm:pt modelId="2">
+          <dgm:prSet phldr="1"/>
+        </dgm:pt>
+        <dgm:pt modelId="3">
+          <dgm:prSet phldr="1"/>
+        </dgm:pt>
+      </dgm:ptLst>
+      <dgm:cxnLst>
+        <dgm:cxn modelId="4" srcId="0" destId="1" srcOrd="0" destOrd="0"/>
+        <dgm:cxn modelId="5" srcId="0" destId="2" srcOrd="1" destOrd="0"/>
+        <dgm:cxn modelId="6" srcId="0" destId="3" srcOrd="2" destOrd="0"/>
+      </dgm:cxnLst>
+      <dgm:bg/>
+      <dgm:whole/>
+    </dgm:dataModel>
+  </dgm:sampData>
+  <dgm:styleData>
+    <dgm:dataModel>
+      <dgm:ptLst>
+        <dgm:pt modelId="0" type="doc"/>
+        <dgm:pt modelId="1"/>
+        <dgm:pt modelId="2"/>
+      </dgm:ptLst>
+      <dgm:cxnLst>
+        <dgm:cxn modelId="4" srcId="0" destId="1" srcOrd="0" destOrd="0"/>
+        <dgm:cxn modelId="5" srcId="0" destId="2" srcOrd="1" destOrd="0"/>
+      </dgm:cxnLst>
+      <dgm:bg/>
+      <dgm:whole/>
+    </dgm:dataModel>
+  </dgm:styleData>
+  <dgm:clrData>
+    <dgm:dataModel>
+      <dgm:ptLst>
+        <dgm:pt modelId="0" type="doc"/>
+        <dgm:pt modelId="1"/>
+        <dgm:pt modelId="2"/>
+        <dgm:pt modelId="3"/>
+        <dgm:pt modelId="4"/>
+      </dgm:ptLst>
+      <dgm:cxnLst>
+        <dgm:cxn modelId="5" srcId="0" destId="1" srcOrd="0" destOrd="0"/>
+        <dgm:cxn modelId="6" srcId="0" destId="2" srcOrd="1" destOrd="0"/>
+        <dgm:cxn modelId="7" srcId="0" destId="3" srcOrd="2" destOrd="0"/>
+        <dgm:cxn modelId="8" srcId="0" destId="4" srcOrd="3" destOrd="0"/>
+      </dgm:cxnLst>
+      <dgm:bg/>
+      <dgm:whole/>
+    </dgm:dataModel>
+  </dgm:clrData>
+  <dgm:layoutNode name="linear">
+    <dgm:varLst>
+      <dgm:dir/>
+      <dgm:animLvl val="lvl"/>
+      <dgm:resizeHandles val="exact"/>
+    </dgm:varLst>
+    <dgm:choose name="Name0">
+      <dgm:if name="Name1" func="var" arg="dir" op="equ" val="norm">
+        <dgm:alg type="lin">
+          <dgm:param type="linDir" val="fromT"/>
+          <dgm:param type="vertAlign" val="mid"/>
+          <dgm:param type="horzAlign" val="l"/>
+          <dgm:param type="nodeHorzAlign" val="l"/>
+        </dgm:alg>
+      </dgm:if>
+      <dgm:else name="Name2">
+        <dgm:alg type="lin">
+          <dgm:param type="linDir" val="fromT"/>
+          <dgm:param type="vertAlign" val="mid"/>
+          <dgm:param type="horzAlign" val="r"/>
+          <dgm:param type="nodeHorzAlign" val="r"/>
+        </dgm:alg>
+      </dgm:else>
+    </dgm:choose>
+    <dgm:shape xmlns:r="http://schemas.openxmlformats.org/officeDocument/2006/relationships" r:blip="">
+      <dgm:adjLst/>
+    </dgm:shape>
+    <dgm:presOf/>
+    <dgm:constrLst>
+      <dgm:constr type="w" for="ch" forName="parentLin" refType="w"/>
+      <dgm:constr type="h" for="ch" forName="parentLin" val="INF"/>
+      <dgm:constr type="w" for="des" forName="parentLeftMargin" refType="w" fact="0.05"/>
+      <dgm:constr type="w" for="des" forName="parentText" refType="w" fact="0.7"/>
+      <dgm:constr type="h" for="des" forName="parentText" refType="primFontSz" refFor="des" refForName="parentText" fact="0.82"/>
+      <dgm:constr type="h" for="ch" forName="negativeSpace" refType="primFontSz" refFor="des" refForName="parentText" fact="-0.41"/>
+      <dgm:constr type="h" for="ch" forName="negativeSpace" refType="h" refFor="des" refForName="parentText" op="lte" fact="-0.82"/>
+      <dgm:constr type="h" for="ch" forName="negativeSpace" refType="h" refFor="des" refForName="parentText" op="gte" fact="-0.82"/>
+      <dgm:constr type="w" for="ch" forName="childText" refType="w"/>
+      <dgm:constr type="h" for="ch" forName="childText" refType="primFontSz" refFor="des" refForName="parentText" fact="0.7"/>
+      <dgm:constr type="primFontSz" for="des" forName="parentText" val="65"/>
+      <dgm:constr type="primFontSz" for="ch" forName="childText" refType="primFontSz" refFor="des" refForName="parentText"/>
+      <dgm:constr type="tMarg" for="ch" forName="childText" refType="primFontSz" refFor="des" refForName="parentText" fact="1.64"/>
+      <dgm:constr type="tMarg" for="ch" forName="childText" refType="h" refFor="des" refForName="parentText" op="lte" fact="3.28"/>
+      <dgm:constr type="tMarg" for="ch" forName="childText" refType="h" refFor="des" refForName="parentText" op="gte" fact="3.28"/>
+      <dgm:constr type="lMarg" for="ch" forName="childText" refType="w" fact="0.22"/>
+      <dgm:constr type="rMarg" for="ch" forName="childText" refType="lMarg" refFor="ch" refForName="childText"/>
+      <dgm:constr type="lMarg" for="des" forName="parentText" refType="w" fact="0.075"/>
+      <dgm:constr type="rMarg" for="des" forName="parentText" refType="lMarg" refFor="des" refForName="parentText"/>
+      <dgm:constr type="h" for="ch" forName="spaceBetweenRectangles" refType="primFontSz" refFor="des" refForName="parentText" fact="0.15"/>
+    </dgm:constrLst>
+    <dgm:ruleLst>
+      <dgm:rule type="primFontSz" for="des" forName="parentText" val="5" fact="NaN" max="NaN"/>
+    </dgm:ruleLst>
+    <dgm:forEach name="Name3" axis="ch" ptType="node">
+      <dgm:layoutNode name="parentLin">
+        <dgm:choose name="Name4">
+          <dgm:if name="Name5" func="var" arg="dir" op="equ" val="norm">
+            <dgm:alg type="lin">
+              <dgm:param type="linDir" val="fromL"/>
+              <dgm:param type="horzAlign" val="l"/>
+              <dgm:param type="nodeHorzAlign" val="l"/>
+            </dgm:alg>
+          </dgm:if>
+          <dgm:else name="Name6">
+            <dgm:alg type="lin">
+              <dgm:param type="linDir" val="fromR"/>
+              <dgm:param type="horzAlign" val="r"/>
+              <dgm:param type="nodeHorzAlign" val="r"/>
+            </dgm:alg>
+          </dgm:else>
+        </dgm:choose>
+        <dgm:shape xmlns:r="http://schemas.openxmlformats.org/officeDocument/2006/relationships" r:blip="">
+          <dgm:adjLst/>
+        </dgm:shape>
+        <dgm:presOf/>
+        <dgm:constrLst/>
+        <dgm:ruleLst/>
+        <dgm:layoutNode name="parentLeftMargin">
+          <dgm:alg type="sp"/>
+          <dgm:shape xmlns:r="http://schemas.openxmlformats.org/officeDocument/2006/relationships" type="rect" r:blip="" hideGeom="1">
+            <dgm:adjLst/>
+          </dgm:shape>
+          <dgm:presOf axis="self"/>
+          <dgm:constrLst>
+            <dgm:constr type="h"/>
+          </dgm:constrLst>
+          <dgm:ruleLst/>
+        </dgm:layoutNode>
+        <dgm:layoutNode name="parentText" styleLbl="node1">
+          <dgm:varLst>
+            <dgm:chMax val="0"/>
+            <dgm:bulletEnabled val="1"/>
+          </dgm:varLst>
+          <dgm:choose name="Name7">
+            <dgm:if name="Name8" func="var" arg="dir" op="equ" val="norm">
+              <dgm:alg type="tx">
+                <dgm:param type="parTxLTRAlign" val="l"/>
+                <dgm:param type="parTxRTLAlign" val="l"/>
+              </dgm:alg>
+            </dgm:if>
+            <dgm:else name="Name9">
+              <dgm:alg type="tx">
+                <dgm:param type="parTxLTRAlign" val="r"/>
+                <dgm:param type="parTxRTLAlign" val="r"/>
+              </dgm:alg>
+            </dgm:else>
+          </dgm:choose>
+          <dgm:shape xmlns:r="http://schemas.openxmlformats.org/officeDocument/2006/relationships" type="roundRect" r:blip="">
+            <dgm:adjLst/>
+          </dgm:shape>
+          <dgm:presOf axis="self" ptType="node"/>
+          <dgm:constrLst>
+            <dgm:constr type="tMarg"/>
+            <dgm:constr type="bMarg"/>
+          </dgm:constrLst>
+          <dgm:ruleLst/>
+        </dgm:layoutNode>
+      </dgm:layoutNode>
+      <dgm:layoutNode name="negativeSpace">
+        <dgm:alg type="sp"/>
+        <dgm:shape xmlns:r="http://schemas.openxmlformats.org/officeDocument/2006/relationships" r:blip="">
+          <dgm:adjLst/>
+        </dgm:shape>
+        <dgm:presOf/>
+        <dgm:constrLst/>
+        <dgm:ruleLst/>
+      </dgm:layoutNode>
+      <dgm:layoutNode name="childText" styleLbl="conFgAcc1">
+        <dgm:varLst>
+          <dgm:bulletEnabled val="1"/>
+        </dgm:varLst>
+        <dgm:alg type="tx">
+          <dgm:param type="stBulletLvl" val="1"/>
+        </dgm:alg>
+        <dgm:shape xmlns:r="http://schemas.openxmlformats.org/officeDocument/2006/relationships" type="rect" r:blip="" zOrderOff="-2">
+          <dgm:adjLst/>
+        </dgm:shape>
+        <dgm:presOf axis="des" ptType="node"/>
+        <dgm:constrLst>
+          <dgm:constr type="secFontSz" refType="primFontSz"/>
+        </dgm:constrLst>
+        <dgm:ruleLst>
+          <dgm:rule type="h" val="INF" fact="NaN" max="NaN"/>
+        </dgm:ruleLst>
+      </dgm:layoutNode>
+      <dgm:forEach name="Name10" axis="followSib" ptType="sibTrans" cnt="1">
+        <dgm:layoutNode name="spaceBetweenRectangles">
+          <dgm:alg type="sp"/>
+          <dgm:shape xmlns:r="http://schemas.openxmlformats.org/officeDocument/2006/relationships" r:blip="">
+            <dgm:adjLst/>
+          </dgm:shape>
+          <dgm:presOf/>
+          <dgm:constrLst/>
+          <dgm:ruleLst/>
+        </dgm:layoutNode>
+      </dgm:forEach>
+    </dgm:forEach>
+  </dgm:layoutNode>
+</dgm:layoutDef>
+</file>
+
+<file path=ppt/diagrams/quickStyle1.xml><?xml version="1.0" encoding="utf-8"?>
+<dgm:styleDef xmlns:dgm="http://schemas.openxmlformats.org/drawingml/2006/diagram" xmlns:a="http://schemas.openxmlformats.org/drawingml/2006/main" uniqueId="urn:microsoft.com/office/officeart/2005/8/quickstyle/simple1">
+  <dgm:title val=""/>
+  <dgm:desc val=""/>
+  <dgm:catLst>
+    <dgm:cat type="simple" pri="10100"/>
+  </dgm:catLst>
+  <dgm:scene3d>
+    <a:camera prst="orthographicFront"/>
+    <a:lightRig rig="threePt" dir="t"/>
+  </dgm:scene3d>
+  <dgm:styleLbl name="node0">
+    <dgm:scene3d>
+      <a:camera prst="orthographicFront"/>
+      <a:lightRig rig="threePt" dir="t"/>
+    </dgm:scene3d>
+    <dgm:sp3d/>
+    <dgm:txPr/>
+    <dgm:style>
+      <a:lnRef idx="2">
+        <a:scrgbClr r="0" g="0" b="0"/>
+      </a:lnRef>
+      <a:fillRef idx="1">
+        <a:scrgbClr r="0" g="0" b="0"/>
+      </a:fillRef>
+      <a:effectRef idx="0">
+        <a:scrgbClr r="0" g="0" b="0"/>
+      </a:effectRef>
+      <a:fontRef idx="minor">
+        <a:schemeClr val="lt1"/>
+      </a:fontRef>
+    </dgm:style>
+  </dgm:styleLbl>
+  <dgm:styleLbl name="lnNode1">
+    <dgm:scene3d>
+      <a:camera prst="orthographicFront"/>
+      <a:lightRig rig="threePt" dir="t"/>
+    </dgm:scene3d>
+    <dgm:sp3d/>
+    <dgm:txPr/>
+    <dgm:style>
+      <a:lnRef idx="2">
+        <a:scrgbClr r="0" g="0" b="0"/>
+      </a:lnRef>
+      <a:fillRef idx="1">
+        <a:scrgbClr r="0" g="0" b="0"/>
+      </a:fillRef>
+      <a:effectRef idx="0">
+        <a:scrgbClr r="0" g="0" b="0"/>
+      </a:effectRef>
+      <a:fontRef idx="minor">
+        <a:schemeClr val="lt1"/>
+      </a:fontRef>
+    </dgm:style>
+  </dgm:styleLbl>
+  <dgm:styleLbl name="vennNode1">
+    <dgm:scene3d>
+      <a:camera prst="orthographicFront"/>
+      <a:lightRig rig="threePt" dir="t"/>
+    </dgm:scene3d>
+    <dgm:sp3d/>
+    <dgm:txPr/>
+    <dgm:style>
+      <a:lnRef idx="2">
+        <a:scrgbClr r="0" g="0" b="0"/>
+      </a:lnRef>
+      <a:fillRef idx="1">
+        <a:scrgbClr r="0" g="0" b="0"/>
+      </a:fillRef>
+      <a:effectRef idx="0">
+        <a:scrgbClr r="0" g="0" b="0"/>
+      </a:effectRef>
+      <a:fontRef idx="minor">
+        <a:schemeClr val="tx1"/>
+      </a:fontRef>
+    </dgm:style>
+  </dgm:styleLbl>
+  <dgm:styleLbl name="alignNode1">
+    <dgm:scene3d>
+      <a:camera prst="orthographicFront"/>
+      <a:lightRig rig="threePt" dir="t"/>
+    </dgm:scene3d>
+    <dgm:sp3d/>
+    <dgm:txPr/>
+    <dgm:style>
+      <a:lnRef idx="2">
+        <a:scrgbClr r="0" g="0" b="0"/>
+      </a:lnRef>
+      <a:fillRef idx="1">
+        <a:scrgbClr r="0" g="0" b="0"/>
+      </a:fillRef>
+      <a:effectRef idx="0">
+        <a:scrgbClr r="0" g="0" b="0"/>
+      </a:effectRef>
+      <a:fontRef idx="minor">
+        <a:schemeClr val="lt1"/>
+      </a:fontRef>
+    </dgm:style>
+  </dgm:styleLbl>
+  <dgm:styleLbl name="node1">
+    <dgm:scene3d>
+      <a:camera prst="orthographicFront"/>
+      <a:lightRig rig="threePt" dir="t"/>
+    </dgm:scene3d>
+    <dgm:sp3d/>
+    <dgm:txPr/>
+    <dgm:style>
+      <a:lnRef idx="2">
+        <a:scrgbClr r="0" g="0" b="0"/>
+      </a:lnRef>
+      <a:fillRef idx="1">
+        <a:scrgbClr r="0" g="0" b="0"/>
+      </a:fillRef>
+      <a:effectRef idx="0">
+        <a:scrgbClr r="0" g="0" b="0"/>
+      </a:effectRef>
+      <a:fontRef idx="minor">
+        <a:schemeClr val="lt1"/>
+      </a:fontRef>
+    </dgm:style>
+  </dgm:styleLbl>
+  <dgm:styleLbl name="node2">
+    <dgm:scene3d>
+      <a:camera prst="orthographicFront"/>
+      <a:lightRig rig="threePt" dir="t"/>
+    </dgm:scene3d>
+    <dgm:sp3d/>
+    <dgm:txPr/>
+    <dgm:style>
+      <a:lnRef idx="2">
+        <a:scrgbClr r="0" g="0" b="0"/>
+      </a:lnRef>
+      <a:fillRef idx="1">
+        <a:scrgbClr r="0" g="0" b="0"/>
+      </a:fillRef>
+      <a:effectRef idx="0">
+        <a:scrgbClr r="0" g="0" b="0"/>
+      </a:effectRef>
+      <a:fontRef idx="minor">
+        <a:schemeClr val="lt1"/>
+      </a:fontRef>
+    </dgm:style>
+  </dgm:styleLbl>
+  <dgm:styleLbl name="node3">
+    <dgm:scene3d>
+      <a:camera prst="orthographicFront"/>
+      <a:lightRig rig="threePt" dir="t"/>
+    </dgm:scene3d>
+    <dgm:sp3d/>
+    <dgm:txPr/>
+    <dgm:style>
+      <a:lnRef idx="2">
+        <a:scrgbClr r="0" g="0" b="0"/>
+      </a:lnRef>
+      <a:fillRef idx="1">
+        <a:scrgbClr r="0" g="0" b="0"/>
+      </a:fillRef>
+      <a:effectRef idx="0">
+        <a:scrgbClr r="0" g="0" b="0"/>
+      </a:effectRef>
+      <a:fontRef idx="minor">
+        <a:schemeClr val="lt1"/>
+      </a:fontRef>
+    </dgm:style>
+  </dgm:styleLbl>
+  <dgm:styleLbl name="node4">
+    <dgm:scene3d>
+      <a:camera prst="orthographicFront"/>
+      <a:lightRig rig="threePt" dir="t"/>
+    </dgm:scene3d>
+    <dgm:sp3d/>
+    <dgm:txPr/>
+    <dgm:style>
+      <a:lnRef idx="2">
+        <a:scrgbClr r="0" g="0" b="0"/>
+      </a:lnRef>
+      <a:fillRef idx="1">
+        <a:scrgbClr r="0" g="0" b="0"/>
+      </a:fillRef>
+      <a:effectRef idx="0">
+        <a:scrgbClr r="0" g="0" b="0"/>
+      </a:effectRef>
+      <a:fontRef idx="minor">
+        <a:schemeClr val="lt1"/>
+      </a:fontRef>
+    </dgm:style>
+  </dgm:styleLbl>
+  <dgm:styleLbl name="fgImgPlace1">
+    <dgm:scene3d>
+      <a:camera prst="orthographicFront"/>
+      <a:lightRig rig="threePt" dir="t"/>
+    </dgm:scene3d>
+    <dgm:sp3d/>
+    <dgm:txPr/>
+    <dgm:style>
+      <a:lnRef idx="2">
+        <a:scrgbClr r="0" g="0" b="0"/>
+      </a:lnRef>
+      <a:fillRef idx="1">
+        <a:scrgbClr r="0" g="0" b="0"/>
+      </a:fillRef>
+      <a:effectRef idx="0">
+        <a:scrgbClr r="0" g="0" b="0"/>
+      </a:effectRef>
+      <a:fontRef idx="minor"/>
+    </dgm:style>
+  </dgm:styleLbl>
+  <dgm:styleLbl name="alignImgPlace1">
+    <dgm:scene3d>
+      <a:camera prst="orthographicFront"/>
+      <a:lightRig rig="threePt" dir="t"/>
+    </dgm:scene3d>
+    <dgm:sp3d/>
+    <dgm:txPr/>
+    <dgm:style>
+      <a:lnRef idx="2">
+        <a:scrgbClr r="0" g="0" b="0"/>
+      </a:lnRef>
+      <a:fillRef idx="1">
+        <a:scrgbClr r="0" g="0" b="0"/>
+      </a:fillRef>
+      <a:effectRef idx="0">
+        <a:scrgbClr r="0" g="0" b="0"/>
+      </a:effectRef>
+      <a:fontRef idx="minor"/>
+    </dgm:style>
+  </dgm:styleLbl>
+  <dgm:styleLbl name="bgImgPlace1">
+    <dgm:scene3d>
+      <a:camera prst="orthographicFront"/>
+      <a:lightRig rig="threePt" dir="t"/>
+    </dgm:scene3d>
+    <dgm:sp3d/>
+    <dgm:txPr/>
+    <dgm:style>
+      <a:lnRef idx="2">
+        <a:scrgbClr r="0" g="0" b="0"/>
+      </a:lnRef>
+      <a:fillRef idx="1">
+        <a:scrgbClr r="0" g="0" b="0"/>
+      </a:fillRef>
+      <a:effectRef idx="0">
+        <a:scrgbClr r="0" g="0" b="0"/>
+      </a:effectRef>
+      <a:fontRef idx="minor"/>
+    </dgm:style>
+  </dgm:styleLbl>
+  <dgm:styleLbl name="sibTrans2D1">
+    <dgm:scene3d>
+      <a:camera prst="orthographicFront"/>
+      <a:lightRig rig="threePt" dir="t"/>
+    </dgm:scene3d>
+    <dgm:sp3d/>
+    <dgm:txPr/>
+    <dgm:style>
+      <a:lnRef idx="0">
+        <a:scrgbClr r="0" g="0" b="0"/>
+      </a:lnRef>
+      <a:fillRef idx="1">
+        <a:scrgbClr r="0" g="0" b="0"/>
+      </a:fillRef>
+      <a:effectRef idx="0">
+        <a:scrgbClr r="0" g="0" b="0"/>
+      </a:effectRef>
+      <a:fontRef idx="minor">
+        <a:schemeClr val="lt1"/>
+      </a:fontRef>
+    </dgm:style>
+  </dgm:styleLbl>
+  <dgm:styleLbl name="fgSibTrans2D1">
+    <dgm:scene3d>
+      <a:camera prst="orthographicFront"/>
+      <a:lightRig rig="threePt" dir="t"/>
+    </dgm:scene3d>
+    <dgm:sp3d/>
+    <dgm:txPr/>
+    <dgm:style>
+      <a:lnRef idx="0">
+        <a:scrgbClr r="0" g="0" b="0"/>
+      </a:lnRef>
+      <a:fillRef idx="1">
+        <a:scrgbClr r="0" g="0" b="0"/>
+      </a:fillRef>
+      <a:effectRef idx="0">
+        <a:scrgbClr r="0" g="0" b="0"/>
+      </a:effectRef>
+      <a:fontRef idx="minor">
+        <a:schemeClr val="lt1"/>
+      </a:fontRef>
+    </dgm:style>
+  </dgm:styleLbl>
+  <dgm:styleLbl name="bgSibTrans2D1">
+    <dgm:scene3d>
+      <a:camera prst="orthographicFront"/>
+      <a:lightRig rig="threePt" dir="t"/>
+    </dgm:scene3d>
+    <dgm:sp3d/>
+    <dgm:txPr/>
+    <dgm:style>
+      <a:lnRef idx="0">
+        <a:scrgbClr r="0" g="0" b="0"/>
+      </a:lnRef>
+      <a:fillRef idx="1">
+        <a:scrgbClr r="0" g="0" b="0"/>
+      </a:fillRef>
+      <a:effectRef idx="0">
+        <a:scrgbClr r="0" g="0" b="0"/>
+      </a:effectRef>
+      <a:fontRef idx="minor">
+        <a:schemeClr val="lt1"/>
+      </a:fontRef>
+    </dgm:style>
+  </dgm:styleLbl>
+  <dgm:styleLbl name="sibTrans1D1">
+    <dgm:scene3d>
+      <a:camera prst="orthographicFront"/>
+      <a:lightRig rig="threePt" dir="t"/>
+    </dgm:scene3d>
+    <dgm:sp3d/>
+    <dgm:txPr/>
+    <dgm:style>
+      <a:lnRef idx="1">
+        <a:scrgbClr r="0" g="0" b="0"/>
+      </a:lnRef>
+      <a:fillRef idx="0">
+        <a:scrgbClr r="0" g="0" b="0"/>
+      </a:fillRef>
+      <a:effectRef idx="0">
+        <a:scrgbClr r="0" g="0" b="0"/>
+      </a:effectRef>
+      <a:fontRef idx="minor"/>
+    </dgm:style>
+  </dgm:styleLbl>
+  <dgm:styleLbl name="callout">
+    <dgm:scene3d>
+      <a:camera prst="orthographicFront"/>
+      <a:lightRig rig="threePt" dir="t"/>
+    </dgm:scene3d>
+    <dgm:sp3d/>
+    <dgm:txPr/>
+    <dgm:style>
+      <a:lnRef idx="2">
+        <a:scrgbClr r="0" g="0" b="0"/>
+      </a:lnRef>
+      <a:fillRef idx="1">
+        <a:scrgbClr r="0" g="0" b="0"/>
+      </a:fillRef>
+      <a:effectRef idx="0">
+        <a:scrgbClr r="0" g="0" b="0"/>
+      </a:effectRef>
+      <a:fontRef idx="minor"/>
+    </dgm:style>
+  </dgm:styleLbl>
+  <dgm:styleLbl name="asst0">
+    <dgm:scene3d>
+      <a:camera prst="orthographicFront"/>
+      <a:lightRig rig="threePt" dir="t"/>
+    </dgm:scene3d>
+    <dgm:sp3d/>
+    <dgm:txPr/>
+    <dgm:style>
+      <a:lnRef idx="2">
+        <a:scrgbClr r="0" g="0" b="0"/>
+      </a:lnRef>
+      <a:fillRef idx="1">
+        <a:scrgbClr r="0" g="0" b="0"/>
+      </a:fillRef>
+      <a:effectRef idx="0">
+        <a:scrgbClr r="0" g="0" b="0"/>
+      </a:effectRef>
+      <a:fontRef idx="minor">
+        <a:schemeClr val="lt1"/>
+      </a:fontRef>
+    </dgm:style>
+  </dgm:styleLbl>
+  <dgm:styleLbl name="asst1">
+    <dgm:scene3d>
+      <a:camera prst="orthographicFront"/>
+      <a:lightRig rig="threePt" dir="t"/>
+    </dgm:scene3d>
+    <dgm:sp3d/>
+    <dgm:txPr/>
+    <dgm:style>
+      <a:lnRef idx="2">
+        <a:scrgbClr r="0" g="0" b="0"/>
+      </a:lnRef>
+      <a:fillRef idx="1">
+        <a:scrgbClr r="0" g="0" b="0"/>
+      </a:fillRef>
+      <a:effectRef idx="0">
+        <a:scrgbClr r="0" g="0" b="0"/>
+      </a:effectRef>
+      <a:fontRef idx="minor">
+        <a:schemeClr val="lt1"/>
+      </a:fontRef>
+    </dgm:style>
+  </dgm:styleLbl>
+  <dgm:styleLbl name="asst2">
+    <dgm:scene3d>
+      <a:camera prst="orthographicFront"/>
+      <a:lightRig rig="threePt" dir="t"/>
+    </dgm:scene3d>
+    <dgm:sp3d/>
+    <dgm:txPr/>
+    <dgm:style>
+      <a:lnRef idx="2">
+        <a:scrgbClr r="0" g="0" b="0"/>
+      </a:lnRef>
+      <a:fillRef idx="1">
+        <a:scrgbClr r="0" g="0" b="0"/>
+      </a:fillRef>
+      <a:effectRef idx="0">
+        <a:scrgbClr r="0" g="0" b="0"/>
+      </a:effectRef>
+      <a:fontRef idx="minor">
+        <a:schemeClr val="lt1"/>
+      </a:fontRef>
+    </dgm:style>
+  </dgm:styleLbl>
+  <dgm:styleLbl name="asst3">
+    <dgm:scene3d>
+      <a:camera prst="orthographicFront"/>
+      <a:lightRig rig="threePt" dir="t"/>
+    </dgm:scene3d>
+    <dgm:sp3d/>
+    <dgm:txPr/>
+    <dgm:style>
+      <a:lnRef idx="2">
+        <a:scrgbClr r="0" g="0" b="0"/>
+      </a:lnRef>
+      <a:fillRef idx="1">
+        <a:scrgbClr r="0" g="0" b="0"/>
+      </a:fillRef>
+      <a:effectRef idx="0">
+        <a:scrgbClr r="0" g="0" b="0"/>
+      </a:effectRef>
+      <a:fontRef idx="minor">
+        <a:schemeClr val="lt1"/>
+      </a:fontRef>
+    </dgm:style>
+  </dgm:styleLbl>
+  <dgm:styleLbl name="asst4">
+    <dgm:scene3d>
+      <a:camera prst="orthographicFront"/>
+      <a:lightRig rig="threePt" dir="t"/>
+    </dgm:scene3d>
+    <dgm:sp3d/>
+    <dgm:txPr/>
+    <dgm:style>
+      <a:lnRef idx="2">
+        <a:scrgbClr r="0" g="0" b="0"/>
+      </a:lnRef>
+      <a:fillRef idx="1">
+        <a:scrgbClr r="0" g="0" b="0"/>
+      </a:fillRef>
+      <a:effectRef idx="0">
+        <a:scrgbClr r="0" g="0" b="0"/>
+      </a:effectRef>
+      <a:fontRef idx="minor">
+        <a:schemeClr val="lt1"/>
+      </a:fontRef>
+    </dgm:style>
+  </dgm:styleLbl>
+  <dgm:styleLbl name="parChTrans2D1">
+    <dgm:scene3d>
+      <a:camera prst="orthographicFront"/>
+      <a:lightRig rig="threePt" dir="t"/>
+    </dgm:scene3d>
+    <dgm:sp3d/>
+    <dgm:txPr/>
+    <dgm:style>
+      <a:lnRef idx="2">
+        <a:scrgbClr r="0" g="0" b="0"/>
+      </a:lnRef>
+      <a:fillRef idx="1">
+        <a:scrgbClr r="0" g="0" b="0"/>
+      </a:fillRef>
+      <a:effectRef idx="0">
+        <a:scrgbClr r="0" g="0" b="0"/>
+      </a:effectRef>
+      <a:fontRef idx="minor">
+        <a:schemeClr val="lt1"/>
+      </a:fontRef>
+    </dgm:style>
+  </dgm:styleLbl>
+  <dgm:styleLbl name="parChTrans2D2">
+    <dgm:scene3d>
+      <a:camera prst="orthographicFront"/>
+      <a:lightRig rig="threePt" dir="t"/>
+    </dgm:scene3d>
+    <dgm:sp3d/>
+    <dgm:txPr/>
+    <dgm:style>
+      <a:lnRef idx="2">
+        <a:scrgbClr r="0" g="0" b="0"/>
+      </a:lnRef>
+      <a:fillRef idx="1">
+        <a:scrgbClr r="0" g="0" b="0"/>
+      </a:fillRef>
+      <a:effectRef idx="0">
+        <a:scrgbClr r="0" g="0" b="0"/>
+      </a:effectRef>
+      <a:fontRef idx="minor">
+        <a:schemeClr val="lt1"/>
+      </a:fontRef>
+    </dgm:style>
+  </dgm:styleLbl>
+  <dgm:styleLbl name="parChTrans2D3">
+    <dgm:scene3d>
+      <a:camera prst="orthographicFront"/>
+      <a:lightRig rig="threePt" dir="t"/>
+    </dgm:scene3d>
+    <dgm:sp3d/>
+    <dgm:txPr/>
+    <dgm:style>
+      <a:lnRef idx="2">
+        <a:scrgbClr r="0" g="0" b="0"/>
+      </a:lnRef>
+      <a:fillRef idx="1">
+        <a:scrgbClr r="0" g="0" b="0"/>
+      </a:fillRef>
+      <a:effectRef idx="0">
+        <a:scrgbClr r="0" g="0" b="0"/>
+      </a:effectRef>
+      <a:fontRef idx="minor">
+        <a:schemeClr val="lt1"/>
+      </a:fontRef>
+    </dgm:style>
+  </dgm:styleLbl>
+  <dgm:styleLbl name="parChTrans2D4">
+    <dgm:scene3d>
+      <a:camera prst="orthographicFront"/>
+      <a:lightRig rig="threePt" dir="t"/>
+    </dgm:scene3d>
+    <dgm:sp3d/>
+    <dgm:txPr/>
+    <dgm:style>
+      <a:lnRef idx="2">
+        <a:scrgbClr r="0" g="0" b="0"/>
+      </a:lnRef>
+      <a:fillRef idx="1">
+        <a:scrgbClr r="0" g="0" b="0"/>
+      </a:fillRef>
+      <a:effectRef idx="0">
+        <a:scrgbClr r="0" g="0" b="0"/>
+      </a:effectRef>
+      <a:fontRef idx="minor">
+        <a:schemeClr val="lt1"/>
+      </a:fontRef>
+    </dgm:style>
+  </dgm:styleLbl>
+  <dgm:styleLbl name="parChTrans1D1">
+    <dgm:scene3d>
+      <a:camera prst="orthographicFront"/>
+      <a:lightRig rig="threePt" dir="t"/>
+    </dgm:scene3d>
+    <dgm:sp3d/>
+    <dgm:txPr/>
+    <dgm:style>
+      <a:lnRef idx="2">
+        <a:scrgbClr r="0" g="0" b="0"/>
+      </a:lnRef>
+      <a:fillRef idx="0">
+        <a:scrgbClr r="0" g="0" b="0"/>
+      </a:fillRef>
+      <a:effectRef idx="0">
+        <a:scrgbClr r="0" g="0" b="0"/>
+      </a:effectRef>
+      <a:fontRef idx="minor"/>
+    </dgm:style>
+  </dgm:styleLbl>
+  <dgm:styleLbl name="parChTrans1D2">
+    <dgm:scene3d>
+      <a:camera prst="orthographicFront"/>
+      <a:lightRig rig="threePt" dir="t"/>
+    </dgm:scene3d>
+    <dgm:sp3d/>
+    <dgm:txPr/>
+    <dgm:style>
+      <a:lnRef idx="2">
+        <a:scrgbClr r="0" g="0" b="0"/>
+      </a:lnRef>
+      <a:fillRef idx="0">
+        <a:scrgbClr r="0" g="0" b="0"/>
+      </a:fillRef>
+      <a:effectRef idx="0">
+        <a:scrgbClr r="0" g="0" b="0"/>
+      </a:effectRef>
+      <a:fontRef idx="minor"/>
+    </dgm:style>
+  </dgm:styleLbl>
+  <dgm:styleLbl name="parChTrans1D3">
+    <dgm:scene3d>
+      <a:camera prst="orthographicFront"/>
+      <a:lightRig rig="threePt" dir="t"/>
+    </dgm:scene3d>
+    <dgm:sp3d/>
+    <dgm:txPr/>
+    <dgm:style>
+      <a:lnRef idx="2">
+        <a:scrgbClr r="0" g="0" b="0"/>
+      </a:lnRef>
+      <a:fillRef idx="0">
+        <a:scrgbClr r="0" g="0" b="0"/>
+      </a:fillRef>
+      <a:effectRef idx="0">
+        <a:scrgbClr r="0" g="0" b="0"/>
+      </a:effectRef>
+      <a:fontRef idx="minor"/>
+    </dgm:style>
+  </dgm:styleLbl>
+  <dgm:styleLbl name="parChTrans1D4">
+    <dgm:scene3d>
+      <a:camera prst="orthographicFront"/>
+      <a:lightRig rig="threePt" dir="t"/>
+    </dgm:scene3d>
+    <dgm:sp3d/>
+    <dgm:txPr/>
+    <dgm:style>
+      <a:lnRef idx="2">
+        <a:scrgbClr r="0" g="0" b="0"/>
+      </a:lnRef>
+      <a:fillRef idx="0">
+        <a:scrgbClr r="0" g="0" b="0"/>
+      </a:fillRef>
+      <a:effectRef idx="0">
+        <a:scrgbClr r="0" g="0" b="0"/>
+      </a:effectRef>
+      <a:fontRef idx="minor"/>
+    </dgm:style>
+  </dgm:styleLbl>
+  <dgm:styleLbl name="fgAcc1">
+    <dgm:scene3d>
+      <a:camera prst="orthographicFront"/>
+      <a:lightRig rig="threePt" dir="t"/>
+    </dgm:scene3d>
+    <dgm:sp3d/>
+    <dgm:txPr/>
+    <dgm:style>
+      <a:lnRef idx="2">
+        <a:scrgbClr r="0" g="0" b="0"/>
+      </a:lnRef>
+      <a:fillRef idx="1">
+        <a:scrgbClr r="0" g="0" b="0"/>
+      </a:fillRef>
+      <a:effectRef idx="0">
+        <a:scrgbClr r="0" g="0" b="0"/>
+      </a:effectRef>
+      <a:fontRef idx="minor"/>
+    </dgm:style>
+  </dgm:styleLbl>
+  <dgm:styleLbl name="conFgAcc1">
+    <dgm:scene3d>
+      <a:camera prst="orthographicFront"/>
+      <a:lightRig rig="threePt" dir="t"/>
+    </dgm:scene3d>
+    <dgm:sp3d/>
+    <dgm:txPr/>
+    <dgm:style>
+      <a:lnRef idx="2">
+        <a:scrgbClr r="0" g="0" b="0"/>
+      </a:lnRef>
+      <a:fillRef idx="1">
+        <a:scrgbClr r="0" g="0" b="0"/>
+      </a:fillRef>
+      <a:effectRef idx="0">
+        <a:scrgbClr r="0" g="0" b="0"/>
+      </a:effectRef>
+      <a:fontRef idx="minor"/>
+    </dgm:style>
+  </dgm:styleLbl>
+  <dgm:styleLbl name="alignAcc1">
+    <dgm:scene3d>
+      <a:camera prst="orthographicFront"/>
+      <a:lightRig rig="threePt" dir="t"/>
+    </dgm:scene3d>
+    <dgm:sp3d/>
+    <dgm:txPr/>
+    <dgm:style>
+      <a:lnRef idx="2">
+        <a:scrgbClr r="0" g="0" b="0"/>
+      </a:lnRef>
+      <a:fillRef idx="1">
+        <a:scrgbClr r="0" g="0" b="0"/>
+      </a:fillRef>
+      <a:effectRef idx="0">
+        <a:scrgbClr r="0" g="0" b="0"/>
+      </a:effectRef>
+      <a:fontRef idx="minor"/>
+    </dgm:style>
+  </dgm:styleLbl>
+  <dgm:styleLbl name="trAlignAcc1">
+    <dgm:scene3d>
+      <a:camera prst="orthographicFront"/>
+      <a:lightRig rig="threePt" dir="t"/>
+    </dgm:scene3d>
+    <dgm:sp3d/>
+    <dgm:txPr/>
+    <dgm:style>
+      <a:lnRef idx="1">
+        <a:scrgbClr r="0" g="0" b="0"/>
+      </a:lnRef>
+      <a:fillRef idx="1">
+        <a:scrgbClr r="0" g="0" b="0"/>
+      </a:fillRef>
+      <a:effectRef idx="0">
+        <a:scrgbClr r="0" g="0" b="0"/>
+      </a:effectRef>
+      <a:fontRef idx="minor"/>
+    </dgm:style>
+  </dgm:styleLbl>
+  <dgm:styleLbl name="bgAcc1">
+    <dgm:scene3d>
+      <a:camera prst="orthographicFront"/>
+      <a:lightRig rig="threePt" dir="t"/>
+    </dgm:scene3d>
+    <dgm:sp3d/>
+    <dgm:txPr/>
+    <dgm:style>
+      <a:lnRef idx="2">
+        <a:scrgbClr r="0" g="0" b="0"/>
+      </a:lnRef>
+      <a:fillRef idx="1">
+        <a:scrgbClr r="0" g="0" b="0"/>
+      </a:fillRef>
+      <a:effectRef idx="0">
+        <a:scrgbClr r="0" g="0" b="0"/>
+      </a:effectRef>
+      <a:fontRef idx="minor"/>
+    </dgm:style>
+  </dgm:styleLbl>
+  <dgm:styleLbl name="solidFgAcc1">
+    <dgm:scene3d>
+      <a:camera prst="orthographicFront"/>
+      <a:lightRig rig="threePt" dir="t"/>
+    </dgm:scene3d>
+    <dgm:sp3d/>
+    <dgm:txPr/>
+    <dgm:style>
+      <a:lnRef idx="2">
+        <a:scrgbClr r="0" g="0" b="0"/>
+      </a:lnRef>
+      <a:fillRef idx="1">
+        <a:scrgbClr r="0" g="0" b="0"/>
+      </a:fillRef>
+      <a:effectRef idx="0">
+        <a:scrgbClr r="0" g="0" b="0"/>
+      </a:effectRef>
+      <a:fontRef idx="minor"/>
+    </dgm:style>
+  </dgm:styleLbl>
+  <dgm:styleLbl name="solidAlignAcc1">
+    <dgm:scene3d>
+      <a:camera prst="orthographicFront"/>
+      <a:lightRig rig="threePt" dir="t"/>
+    </dgm:scene3d>
+    <dgm:sp3d/>
+    <dgm:txPr/>
+    <dgm:style>
+      <a:lnRef idx="2">
+        <a:scrgbClr r="0" g="0" b="0"/>
+      </a:lnRef>
+      <a:fillRef idx="1">
+        <a:scrgbClr r="0" g="0" b="0"/>
+      </a:fillRef>
+      <a:effectRef idx="0">
+        <a:scrgbClr r="0" g="0" b="0"/>
+      </a:effectRef>
+      <a:fontRef idx="minor"/>
+    </dgm:style>
+  </dgm:styleLbl>
+  <dgm:styleLbl name="solidBgAcc1">
+    <dgm:scene3d>
+      <a:camera prst="orthographicFront"/>
+      <a:lightRig rig="threePt" dir="t"/>
+    </dgm:scene3d>
+    <dgm:sp3d/>
+    <dgm:txPr/>
+    <dgm:style>
+      <a:lnRef idx="2">
+        <a:scrgbClr r="0" g="0" b="0"/>
+      </a:lnRef>
+      <a:fillRef idx="1">
+        <a:scrgbClr r="0" g="0" b="0"/>
+      </a:fillRef>
+      <a:effectRef idx="0">
+        <a:scrgbClr r="0" g="0" b="0"/>
+      </a:effectRef>
+      <a:fontRef idx="minor"/>
+    </dgm:style>
+  </dgm:styleLbl>
+  <dgm:styleLbl name="fgAccFollowNode1">
+    <dgm:scene3d>
+      <a:camera prst="orthographicFront"/>
+      <a:lightRig rig="threePt" dir="t"/>
+    </dgm:scene3d>
+    <dgm:sp3d/>
+    <dgm:txPr/>
+    <dgm:style>
+      <a:lnRef idx="2">
+        <a:scrgbClr r="0" g="0" b="0"/>
+      </a:lnRef>
+      <a:fillRef idx="1">
+        <a:scrgbClr r="0" g="0" b="0"/>
+      </a:fillRef>
+      <a:effectRef idx="0">
+        <a:scrgbClr r="0" g="0" b="0"/>
+      </a:effectRef>
+      <a:fontRef idx="minor"/>
+    </dgm:style>
+  </dgm:styleLbl>
+  <dgm:styleLbl name="alignAccFollowNode1">
+    <dgm:scene3d>
+      <a:camera prst="orthographicFront"/>
+      <a:lightRig rig="threePt" dir="t"/>
+    </dgm:scene3d>
+    <dgm:sp3d/>
+    <dgm:txPr/>
+    <dgm:style>
+      <a:lnRef idx="2">
+        <a:scrgbClr r="0" g="0" b="0"/>
+      </a:lnRef>
+      <a:fillRef idx="1">
+        <a:scrgbClr r="0" g="0" b="0"/>
+      </a:fillRef>
+      <a:effectRef idx="0">
+        <a:scrgbClr r="0" g="0" b="0"/>
+      </a:effectRef>
+      <a:fontRef idx="minor"/>
+    </dgm:style>
+  </dgm:styleLbl>
+  <dgm:styleLbl name="bgAccFollowNode1">
+    <dgm:scene3d>
+      <a:camera prst="orthographicFront"/>
+      <a:lightRig rig="threePt" dir="t"/>
+    </dgm:scene3d>
+    <dgm:sp3d/>
+    <dgm:txPr/>
+    <dgm:style>
+      <a:lnRef idx="2">
+        <a:scrgbClr r="0" g="0" b="0"/>
+      </a:lnRef>
+      <a:fillRef idx="1">
+        <a:scrgbClr r="0" g="0" b="0"/>
+      </a:fillRef>
+      <a:effectRef idx="0">
+        <a:scrgbClr r="0" g="0" b="0"/>
+      </a:effectRef>
+      <a:fontRef idx="minor"/>
+    </dgm:style>
+  </dgm:styleLbl>
+  <dgm:styleLbl name="fgAcc0">
+    <dgm:scene3d>
+      <a:camera prst="orthographicFront"/>
+      <a:lightRig rig="threePt" dir="t"/>
+    </dgm:scene3d>
+    <dgm:sp3d/>
+    <dgm:txPr/>
+    <dgm:style>
+      <a:lnRef idx="2">
+        <a:scrgbClr r="0" g="0" b="0"/>
+      </a:lnRef>
+      <a:fillRef idx="1">
+        <a:scrgbClr r="0" g="0" b="0"/>
+      </a:fillRef>
+      <a:effectRef idx="0">
+        <a:scrgbClr r="0" g="0" b="0"/>
+      </a:effectRef>
+      <a:fontRef idx="minor"/>
+    </dgm:style>
+  </dgm:styleLbl>
+  <dgm:styleLbl name="fgAcc2">
+    <dgm:scene3d>
+      <a:camera prst="orthographicFront"/>
+      <a:lightRig rig="threePt" dir="t"/>
+    </dgm:scene3d>
+    <dgm:sp3d/>
+    <dgm:txPr/>
+    <dgm:style>
+      <a:lnRef idx="2">
+        <a:scrgbClr r="0" g="0" b="0"/>
+      </a:lnRef>
+      <a:fillRef idx="1">
+        <a:scrgbClr r="0" g="0" b="0"/>
+      </a:fillRef>
+      <a:effectRef idx="0">
+        <a:scrgbClr r="0" g="0" b="0"/>
+      </a:effectRef>
+      <a:fontRef idx="minor"/>
+    </dgm:style>
+  </dgm:styleLbl>
+  <dgm:styleLbl name="fgAcc3">
+    <dgm:scene3d>
+      <a:camera prst="orthographicFront"/>
+      <a:lightRig rig="threePt" dir="t"/>
+    </dgm:scene3d>
+    <dgm:sp3d/>
+    <dgm:txPr/>
+    <dgm:style>
+      <a:lnRef idx="2">
+        <a:scrgbClr r="0" g="0" b="0"/>
+      </a:lnRef>
+      <a:fillRef idx="1">
+        <a:scrgbClr r="0" g="0" b="0"/>
+      </a:fillRef>
+      <a:effectRef idx="0">
+        <a:scrgbClr r="0" g="0" b="0"/>
+      </a:effectRef>
+      <a:fontRef idx="minor"/>
+    </dgm:style>
+  </dgm:styleLbl>
+  <dgm:styleLbl name="fgAcc4">
+    <dgm:scene3d>
+      <a:camera prst="orthographicFront"/>
+      <a:lightRig rig="threePt" dir="t"/>
+    </dgm:scene3d>
+    <dgm:sp3d/>
+    <dgm:txPr/>
+    <dgm:style>
+      <a:lnRef idx="2">
+        <a:scrgbClr r="0" g="0" b="0"/>
+      </a:lnRef>
+      <a:fillRef idx="1">
+        <a:scrgbClr r="0" g="0" b="0"/>
+      </a:fillRef>
+      <a:effectRef idx="0">
+        <a:scrgbClr r="0" g="0" b="0"/>
+      </a:effectRef>
+      <a:fontRef idx="minor"/>
+    </dgm:style>
+  </dgm:styleLbl>
+  <dgm:styleLbl name="bgShp">
+    <dgm:scene3d>
+      <a:camera prst="orthographicFront"/>
+      <a:lightRig rig="threePt" dir="t"/>
+    </dgm:scene3d>
+    <dgm:sp3d/>
+    <dgm:txPr/>
+    <dgm:style>
+      <a:lnRef idx="0">
+        <a:scrgbClr r="0" g="0" b="0"/>
+      </a:lnRef>
+      <a:fillRef idx="1">
+        <a:scrgbClr r="0" g="0" b="0"/>
+      </a:fillRef>
+      <a:effectRef idx="0">
+        <a:scrgbClr r="0" g="0" b="0"/>
+      </a:effectRef>
+      <a:fontRef idx="minor"/>
+    </dgm:style>
+  </dgm:styleLbl>
+  <dgm:styleLbl name="dkBgShp">
+    <dgm:scene3d>
+      <a:camera prst="orthographicFront"/>
+      <a:lightRig rig="threePt" dir="t"/>
+    </dgm:scene3d>
+    <dgm:sp3d/>
+    <dgm:txPr/>
+    <dgm:style>
+      <a:lnRef idx="0">
+        <a:scrgbClr r="0" g="0" b="0"/>
+      </a:lnRef>
+      <a:fillRef idx="1">
+        <a:scrgbClr r="0" g="0" b="0"/>
+      </a:fillRef>
+      <a:effectRef idx="0">
+        <a:scrgbClr r="0" g="0" b="0"/>
+      </a:effectRef>
+      <a:fontRef idx="minor"/>
+    </dgm:style>
+  </dgm:styleLbl>
+  <dgm:styleLbl name="trBgShp">
+    <dgm:scene3d>
+      <a:camera prst="orthographicFront"/>
+      <a:lightRig rig="threePt" dir="t"/>
+    </dgm:scene3d>
+    <dgm:sp3d/>
+    <dgm:txPr/>
+    <dgm:style>
+      <a:lnRef idx="0">
+        <a:scrgbClr r="0" g="0" b="0"/>
+      </a:lnRef>
+      <a:fillRef idx="1">
+        <a:scrgbClr r="0" g="0" b="0"/>
+      </a:fillRef>
+      <a:effectRef idx="0">
+        <a:scrgbClr r="0" g="0" b="0"/>
+      </a:effectRef>
+      <a:fontRef idx="minor"/>
+    </dgm:style>
+  </dgm:styleLbl>
+  <dgm:styleLbl name="fgShp">
+    <dgm:scene3d>
+      <a:camera prst="orthographicFront"/>
+      <a:lightRig rig="threePt" dir="t"/>
+    </dgm:scene3d>
+    <dgm:sp3d/>
+    <dgm:txPr/>
+    <dgm:style>
+      <a:lnRef idx="2">
+        <a:scrgbClr r="0" g="0" b="0"/>
+      </a:lnRef>
+      <a:fillRef idx="1">
+        <a:scrgbClr r="0" g="0" b="0"/>
+      </a:fillRef>
+      <a:effectRef idx="0">
+        <a:scrgbClr r="0" g="0" b="0"/>
+      </a:effectRef>
+      <a:fontRef idx="minor"/>
+    </dgm:style>
+  </dgm:styleLbl>
+  <dgm:styleLbl name="revTx">
+    <dgm:scene3d>
+      <a:camera prst="orthographicFront"/>
+      <a:lightRig rig="threePt" dir="t"/>
+    </dgm:scene3d>
+    <dgm:sp3d/>
+    <dgm:txPr/>
+    <dgm:style>
+      <a:lnRef idx="0">
+        <a:scrgbClr r="0" g="0" b="0"/>
+      </a:lnRef>
+      <a:fillRef idx="0">
+        <a:scrgbClr r="0" g="0" b="0"/>
+      </a:fillRef>
+      <a:effectRef idx="0">
+        <a:scrgbClr r="0" g="0" b="0"/>
+      </a:effectRef>
+      <a:fontRef idx="minor"/>
+    </dgm:style>
+  </dgm:styleLbl>
+</dgm:styleDef>
+</file>
+
 <file path=ppt/slideLayouts/slideLayout1.xml><?xml version="1.0" encoding="utf-8"?>
 <p:sldLayout xmlns:a="http://schemas.openxmlformats.org/drawingml/2006/main" xmlns:r="http://schemas.openxmlformats.org/officeDocument/2006/relationships" xmlns:p="http://schemas.openxmlformats.org/presentationml/2006/main" showMasterSp="0" type="title" preserve="1">
   <p:cSld name="Title Slide">
@@ -249,7 +3315,7 @@
           </a:lstStyle>
           <a:p>
             <a:r>
-              <a:rPr lang="en-US" smtClean="0"/>
+              <a:rPr lang="en-US"/>
               <a:t>Click to edit Master title style</a:t>
             </a:r>
             <a:endParaRPr lang="en-US" dirty="0"/>
@@ -321,7 +3387,7 @@
           </a:lstStyle>
           <a:p>
             <a:r>
-              <a:rPr lang="en-US" smtClean="0"/>
+              <a:rPr lang="en-US"/>
               <a:t>Click to edit Master subtitle style</a:t>
             </a:r>
             <a:endParaRPr lang="en-US" dirty="0"/>
@@ -345,7 +3411,7 @@
           <a:p>
             <a:fld id="{DEAABFB7-5F47-40FD-87E6-2409C2FCB6CB}" type="datetimeFigureOut">
               <a:rPr lang="en-US" smtClean="0"/>
-              <a:t>1/5/2022</a:t>
+              <a:t>12/28/22</a:t>
             </a:fld>
             <a:endParaRPr lang="en-US"/>
           </a:p>
@@ -477,7 +3543,7 @@
           <a:lstStyle/>
           <a:p>
             <a:r>
-              <a:rPr lang="en-US" smtClean="0"/>
+              <a:rPr lang="en-US"/>
               <a:t>Click to edit Master title style</a:t>
             </a:r>
             <a:endParaRPr lang="en-US" dirty="0"/>
@@ -501,35 +3567,35 @@
           <a:p>
             <a:pPr lvl="0"/>
             <a:r>
-              <a:rPr lang="en-US" smtClean="0"/>
+              <a:rPr lang="en-US"/>
               <a:t>Edit Master text styles</a:t>
             </a:r>
           </a:p>
           <a:p>
             <a:pPr lvl="1"/>
             <a:r>
-              <a:rPr lang="en-US" smtClean="0"/>
+              <a:rPr lang="en-US"/>
               <a:t>Second level</a:t>
             </a:r>
           </a:p>
           <a:p>
             <a:pPr lvl="2"/>
             <a:r>
-              <a:rPr lang="en-US" smtClean="0"/>
+              <a:rPr lang="en-US"/>
               <a:t>Third level</a:t>
             </a:r>
           </a:p>
           <a:p>
             <a:pPr lvl="3"/>
             <a:r>
-              <a:rPr lang="en-US" smtClean="0"/>
+              <a:rPr lang="en-US"/>
               <a:t>Fourth level</a:t>
             </a:r>
           </a:p>
           <a:p>
             <a:pPr lvl="4"/>
             <a:r>
-              <a:rPr lang="en-US" smtClean="0"/>
+              <a:rPr lang="en-US"/>
               <a:t>Fifth level</a:t>
             </a:r>
             <a:endParaRPr lang="en-US" dirty="0"/>
@@ -553,7 +3619,7 @@
           <a:p>
             <a:fld id="{DEAABFB7-5F47-40FD-87E6-2409C2FCB6CB}" type="datetimeFigureOut">
               <a:rPr lang="en-US" smtClean="0"/>
-              <a:t>1/5/2022</a:t>
+              <a:t>12/28/22</a:t>
             </a:fld>
             <a:endParaRPr lang="en-US"/>
           </a:p>
@@ -728,7 +3794,7 @@
           <a:lstStyle/>
           <a:p>
             <a:r>
-              <a:rPr lang="en-US" smtClean="0"/>
+              <a:rPr lang="en-US"/>
               <a:t>Click to edit Master title style</a:t>
             </a:r>
             <a:endParaRPr lang="en-US" dirty="0"/>
@@ -757,35 +3823,35 @@
           <a:p>
             <a:pPr lvl="0"/>
             <a:r>
-              <a:rPr lang="en-US" smtClean="0"/>
+              <a:rPr lang="en-US"/>
               <a:t>Edit Master text styles</a:t>
             </a:r>
           </a:p>
           <a:p>
             <a:pPr lvl="1"/>
             <a:r>
-              <a:rPr lang="en-US" smtClean="0"/>
+              <a:rPr lang="en-US"/>
               <a:t>Second level</a:t>
             </a:r>
           </a:p>
           <a:p>
             <a:pPr lvl="2"/>
             <a:r>
-              <a:rPr lang="en-US" smtClean="0"/>
+              <a:rPr lang="en-US"/>
               <a:t>Third level</a:t>
             </a:r>
           </a:p>
           <a:p>
             <a:pPr lvl="3"/>
             <a:r>
-              <a:rPr lang="en-US" smtClean="0"/>
+              <a:rPr lang="en-US"/>
               <a:t>Fourth level</a:t>
             </a:r>
           </a:p>
           <a:p>
             <a:pPr lvl="4"/>
             <a:r>
-              <a:rPr lang="en-US" smtClean="0"/>
+              <a:rPr lang="en-US"/>
               <a:t>Fifth level</a:t>
             </a:r>
             <a:endParaRPr lang="en-US" dirty="0"/>
@@ -809,7 +3875,7 @@
           <a:p>
             <a:fld id="{DEAABFB7-5F47-40FD-87E6-2409C2FCB6CB}" type="datetimeFigureOut">
               <a:rPr lang="en-US" smtClean="0"/>
-              <a:t>1/5/2022</a:t>
+              <a:t>12/28/22</a:t>
             </a:fld>
             <a:endParaRPr lang="en-US"/>
           </a:p>
@@ -907,7 +3973,7 @@
           </a:lstStyle>
           <a:p>
             <a:r>
-              <a:rPr lang="en-US" smtClean="0"/>
+              <a:rPr lang="en-US"/>
               <a:t>Click to edit Master title style</a:t>
             </a:r>
             <a:endParaRPr lang="en-US" dirty="0"/>
@@ -931,35 +3997,35 @@
           <a:p>
             <a:pPr lvl="0"/>
             <a:r>
-              <a:rPr lang="en-US" smtClean="0"/>
+              <a:rPr lang="en-US"/>
               <a:t>Edit Master text styles</a:t>
             </a:r>
           </a:p>
           <a:p>
             <a:pPr lvl="1"/>
             <a:r>
-              <a:rPr lang="en-US" smtClean="0"/>
+              <a:rPr lang="en-US"/>
               <a:t>Second level</a:t>
             </a:r>
           </a:p>
           <a:p>
             <a:pPr lvl="2"/>
             <a:r>
-              <a:rPr lang="en-US" smtClean="0"/>
+              <a:rPr lang="en-US"/>
               <a:t>Third level</a:t>
             </a:r>
           </a:p>
           <a:p>
             <a:pPr lvl="3"/>
             <a:r>
-              <a:rPr lang="en-US" smtClean="0"/>
+              <a:rPr lang="en-US"/>
               <a:t>Fourth level</a:t>
             </a:r>
           </a:p>
           <a:p>
             <a:pPr lvl="4"/>
             <a:r>
-              <a:rPr lang="en-US" smtClean="0"/>
+              <a:rPr lang="en-US"/>
               <a:t>Fifth level</a:t>
             </a:r>
             <a:endParaRPr lang="en-US" dirty="0"/>
@@ -983,7 +4049,7 @@
           <a:p>
             <a:fld id="{DEAABFB7-5F47-40FD-87E6-2409C2FCB6CB}" type="datetimeFigureOut">
               <a:rPr lang="en-US" smtClean="0"/>
-              <a:t>1/5/2022</a:t>
+              <a:t>12/28/22</a:t>
             </a:fld>
             <a:endParaRPr lang="en-US"/>
           </a:p>
@@ -1182,7 +4248,7 @@
           </a:lstStyle>
           <a:p>
             <a:r>
-              <a:rPr lang="en-US" smtClean="0"/>
+              <a:rPr lang="en-US"/>
               <a:t>Click to edit Master title style</a:t>
             </a:r>
             <a:endParaRPr lang="en-US" dirty="0"/>
@@ -1303,7 +4369,7 @@
           <a:p>
             <a:pPr lvl="0"/>
             <a:r>
-              <a:rPr lang="en-US" smtClean="0"/>
+              <a:rPr lang="en-US"/>
               <a:t>Edit Master text styles</a:t>
             </a:r>
           </a:p>
@@ -1326,7 +4392,7 @@
           <a:p>
             <a:fld id="{DEAABFB7-5F47-40FD-87E6-2409C2FCB6CB}" type="datetimeFigureOut">
               <a:rPr lang="en-US" smtClean="0"/>
-              <a:t>1/5/2022</a:t>
+              <a:t>12/28/22</a:t>
             </a:fld>
             <a:endParaRPr lang="en-US"/>
           </a:p>
@@ -1463,7 +4529,7 @@
           <a:lstStyle/>
           <a:p>
             <a:r>
-              <a:rPr lang="en-US" smtClean="0"/>
+              <a:rPr lang="en-US"/>
               <a:t>Click to edit Master title style</a:t>
             </a:r>
             <a:endParaRPr lang="en-US" dirty="0"/>
@@ -1492,35 +4558,35 @@
           <a:p>
             <a:pPr lvl="0"/>
             <a:r>
-              <a:rPr lang="en-US" smtClean="0"/>
+              <a:rPr lang="en-US"/>
               <a:t>Edit Master text styles</a:t>
             </a:r>
           </a:p>
           <a:p>
             <a:pPr lvl="1"/>
             <a:r>
-              <a:rPr lang="en-US" smtClean="0"/>
+              <a:rPr lang="en-US"/>
               <a:t>Second level</a:t>
             </a:r>
           </a:p>
           <a:p>
             <a:pPr lvl="2"/>
             <a:r>
-              <a:rPr lang="en-US" smtClean="0"/>
+              <a:rPr lang="en-US"/>
               <a:t>Third level</a:t>
             </a:r>
           </a:p>
           <a:p>
             <a:pPr lvl="3"/>
             <a:r>
-              <a:rPr lang="en-US" smtClean="0"/>
+              <a:rPr lang="en-US"/>
               <a:t>Fourth level</a:t>
             </a:r>
           </a:p>
           <a:p>
             <a:pPr lvl="4"/>
             <a:r>
-              <a:rPr lang="en-US" smtClean="0"/>
+              <a:rPr lang="en-US"/>
               <a:t>Fifth level</a:t>
             </a:r>
             <a:endParaRPr lang="en-US" dirty="0"/>
@@ -1549,35 +4615,35 @@
           <a:p>
             <a:pPr lvl="0"/>
             <a:r>
-              <a:rPr lang="en-US" smtClean="0"/>
+              <a:rPr lang="en-US"/>
               <a:t>Edit Master text styles</a:t>
             </a:r>
           </a:p>
           <a:p>
             <a:pPr lvl="1"/>
             <a:r>
-              <a:rPr lang="en-US" smtClean="0"/>
+              <a:rPr lang="en-US"/>
               <a:t>Second level</a:t>
             </a:r>
           </a:p>
           <a:p>
             <a:pPr lvl="2"/>
             <a:r>
-              <a:rPr lang="en-US" smtClean="0"/>
+              <a:rPr lang="en-US"/>
               <a:t>Third level</a:t>
             </a:r>
           </a:p>
           <a:p>
             <a:pPr lvl="3"/>
             <a:r>
-              <a:rPr lang="en-US" smtClean="0"/>
+              <a:rPr lang="en-US"/>
               <a:t>Fourth level</a:t>
             </a:r>
           </a:p>
           <a:p>
             <a:pPr lvl="4"/>
             <a:r>
-              <a:rPr lang="en-US" smtClean="0"/>
+              <a:rPr lang="en-US"/>
               <a:t>Fifth level</a:t>
             </a:r>
             <a:endParaRPr lang="en-US" dirty="0"/>
@@ -1601,7 +4667,7 @@
           <a:p>
             <a:fld id="{DEAABFB7-5F47-40FD-87E6-2409C2FCB6CB}" type="datetimeFigureOut">
               <a:rPr lang="en-US" smtClean="0"/>
-              <a:t>1/5/2022</a:t>
+              <a:t>12/28/22</a:t>
             </a:fld>
             <a:endParaRPr lang="en-US"/>
           </a:p>
@@ -1700,7 +4766,7 @@
           <a:lstStyle/>
           <a:p>
             <a:r>
-              <a:rPr lang="en-US" smtClean="0"/>
+              <a:rPr lang="en-US"/>
               <a:t>Click to edit Master title style</a:t>
             </a:r>
             <a:endParaRPr lang="en-US" dirty="0"/>
@@ -1772,7 +4838,7 @@
           <a:p>
             <a:pPr lvl="0"/>
             <a:r>
-              <a:rPr lang="en-US" smtClean="0"/>
+              <a:rPr lang="en-US"/>
               <a:t>Edit Master text styles</a:t>
             </a:r>
           </a:p>
@@ -1800,35 +4866,35 @@
           <a:p>
             <a:pPr lvl="0"/>
             <a:r>
-              <a:rPr lang="en-US" smtClean="0"/>
+              <a:rPr lang="en-US"/>
               <a:t>Edit Master text styles</a:t>
             </a:r>
           </a:p>
           <a:p>
             <a:pPr lvl="1"/>
             <a:r>
-              <a:rPr lang="en-US" smtClean="0"/>
+              <a:rPr lang="en-US"/>
               <a:t>Second level</a:t>
             </a:r>
           </a:p>
           <a:p>
             <a:pPr lvl="2"/>
             <a:r>
-              <a:rPr lang="en-US" smtClean="0"/>
+              <a:rPr lang="en-US"/>
               <a:t>Third level</a:t>
             </a:r>
           </a:p>
           <a:p>
             <a:pPr lvl="3"/>
             <a:r>
-              <a:rPr lang="en-US" smtClean="0"/>
+              <a:rPr lang="en-US"/>
               <a:t>Fourth level</a:t>
             </a:r>
           </a:p>
           <a:p>
             <a:pPr lvl="4"/>
             <a:r>
-              <a:rPr lang="en-US" smtClean="0"/>
+              <a:rPr lang="en-US"/>
               <a:t>Fifth level</a:t>
             </a:r>
             <a:endParaRPr lang="en-US" dirty="0"/>
@@ -1900,7 +4966,7 @@
           <a:p>
             <a:pPr lvl="0"/>
             <a:r>
-              <a:rPr lang="en-US" smtClean="0"/>
+              <a:rPr lang="en-US"/>
               <a:t>Edit Master text styles</a:t>
             </a:r>
           </a:p>
@@ -1928,35 +4994,35 @@
           <a:p>
             <a:pPr lvl="0"/>
             <a:r>
-              <a:rPr lang="en-US" smtClean="0"/>
+              <a:rPr lang="en-US"/>
               <a:t>Edit Master text styles</a:t>
             </a:r>
           </a:p>
           <a:p>
             <a:pPr lvl="1"/>
             <a:r>
-              <a:rPr lang="en-US" smtClean="0"/>
+              <a:rPr lang="en-US"/>
               <a:t>Second level</a:t>
             </a:r>
           </a:p>
           <a:p>
             <a:pPr lvl="2"/>
             <a:r>
-              <a:rPr lang="en-US" smtClean="0"/>
+              <a:rPr lang="en-US"/>
               <a:t>Third level</a:t>
             </a:r>
           </a:p>
           <a:p>
             <a:pPr lvl="3"/>
             <a:r>
-              <a:rPr lang="en-US" smtClean="0"/>
+              <a:rPr lang="en-US"/>
               <a:t>Fourth level</a:t>
             </a:r>
           </a:p>
           <a:p>
             <a:pPr lvl="4"/>
             <a:r>
-              <a:rPr lang="en-US" smtClean="0"/>
+              <a:rPr lang="en-US"/>
               <a:t>Fifth level</a:t>
             </a:r>
             <a:endParaRPr lang="en-US" dirty="0"/>
@@ -1980,7 +5046,7 @@
           <a:p>
             <a:fld id="{DEAABFB7-5F47-40FD-87E6-2409C2FCB6CB}" type="datetimeFigureOut">
               <a:rPr lang="en-US" smtClean="0"/>
-              <a:t>1/5/2022</a:t>
+              <a:t>12/28/22</a:t>
             </a:fld>
             <a:endParaRPr lang="en-US"/>
           </a:p>
@@ -2074,7 +5140,7 @@
           <a:lstStyle/>
           <a:p>
             <a:r>
-              <a:rPr lang="en-US" smtClean="0"/>
+              <a:rPr lang="en-US"/>
               <a:t>Click to edit Master title style</a:t>
             </a:r>
             <a:endParaRPr lang="en-US" dirty="0"/>
@@ -2098,7 +5164,7 @@
           <a:p>
             <a:fld id="{DEAABFB7-5F47-40FD-87E6-2409C2FCB6CB}" type="datetimeFigureOut">
               <a:rPr lang="en-US" smtClean="0"/>
-              <a:t>1/5/2022</a:t>
+              <a:t>12/28/22</a:t>
             </a:fld>
             <a:endParaRPr lang="en-US"/>
           </a:p>
@@ -2269,7 +5335,7 @@
           <a:p>
             <a:fld id="{DEAABFB7-5F47-40FD-87E6-2409C2FCB6CB}" type="datetimeFigureOut">
               <a:rPr lang="en-US" smtClean="0"/>
-              <a:t>1/5/2022</a:t>
+              <a:t>12/28/22</a:t>
             </a:fld>
             <a:endParaRPr lang="en-US"/>
           </a:p>
@@ -2462,7 +5528,7 @@
           </a:lstStyle>
           <a:p>
             <a:r>
-              <a:rPr lang="en-US" smtClean="0"/>
+              <a:rPr lang="en-US"/>
               <a:t>Click to edit Master title style</a:t>
             </a:r>
             <a:endParaRPr lang="en-US" dirty="0"/>
@@ -2491,35 +5557,35 @@
           <a:p>
             <a:pPr lvl="0"/>
             <a:r>
-              <a:rPr lang="en-US" smtClean="0"/>
+              <a:rPr lang="en-US"/>
               <a:t>Edit Master text styles</a:t>
             </a:r>
           </a:p>
           <a:p>
             <a:pPr lvl="1"/>
             <a:r>
-              <a:rPr lang="en-US" smtClean="0"/>
+              <a:rPr lang="en-US"/>
               <a:t>Second level</a:t>
             </a:r>
           </a:p>
           <a:p>
             <a:pPr lvl="2"/>
             <a:r>
-              <a:rPr lang="en-US" smtClean="0"/>
+              <a:rPr lang="en-US"/>
               <a:t>Third level</a:t>
             </a:r>
           </a:p>
           <a:p>
             <a:pPr lvl="3"/>
             <a:r>
-              <a:rPr lang="en-US" smtClean="0"/>
+              <a:rPr lang="en-US"/>
               <a:t>Fourth level</a:t>
             </a:r>
           </a:p>
           <a:p>
             <a:pPr lvl="4"/>
             <a:r>
-              <a:rPr lang="en-US" smtClean="0"/>
+              <a:rPr lang="en-US"/>
               <a:t>Fifth level</a:t>
             </a:r>
             <a:endParaRPr lang="en-US" dirty="0"/>
@@ -2591,7 +5657,7 @@
           <a:p>
             <a:pPr lvl="0"/>
             <a:r>
-              <a:rPr lang="en-US" smtClean="0"/>
+              <a:rPr lang="en-US"/>
               <a:t>Edit Master text styles</a:t>
             </a:r>
           </a:p>
@@ -2623,7 +5689,7 @@
           <a:p>
             <a:fld id="{DEAABFB7-5F47-40FD-87E6-2409C2FCB6CB}" type="datetimeFigureOut">
               <a:rPr lang="en-US" smtClean="0"/>
-              <a:t>1/5/2022</a:t>
+              <a:t>12/28/22</a:t>
             </a:fld>
             <a:endParaRPr lang="en-US"/>
           </a:p>
@@ -2829,7 +5895,7 @@
           </a:lstStyle>
           <a:p>
             <a:r>
-              <a:rPr lang="en-US" smtClean="0"/>
+              <a:rPr lang="en-US"/>
               <a:t>Click to edit Master title style</a:t>
             </a:r>
             <a:endParaRPr lang="en-US" dirty="0"/>
@@ -2904,7 +5970,7 @@
           </a:lstStyle>
           <a:p>
             <a:r>
-              <a:rPr lang="en-US" smtClean="0"/>
+              <a:rPr lang="en-US"/>
               <a:t>Click icon to add picture</a:t>
             </a:r>
             <a:endParaRPr lang="en-US" dirty="0"/>
@@ -2982,7 +6048,7 @@
           <a:p>
             <a:pPr lvl="0"/>
             <a:r>
-              <a:rPr lang="en-US" smtClean="0"/>
+              <a:rPr lang="en-US"/>
               <a:t>Edit Master text styles</a:t>
             </a:r>
           </a:p>
@@ -3005,7 +6071,7 @@
           <a:p>
             <a:fld id="{DEAABFB7-5F47-40FD-87E6-2409C2FCB6CB}" type="datetimeFigureOut">
               <a:rPr lang="en-US" smtClean="0"/>
-              <a:t>1/5/2022</a:t>
+              <a:t>12/28/22</a:t>
             </a:fld>
             <a:endParaRPr lang="en-US"/>
           </a:p>
@@ -3190,7 +6256,7 @@
           <a:lstStyle/>
           <a:p>
             <a:r>
-              <a:rPr lang="en-US" smtClean="0"/>
+              <a:rPr lang="en-US"/>
               <a:t>Click to edit Master title style</a:t>
             </a:r>
             <a:endParaRPr lang="en-US" dirty="0"/>
@@ -3224,35 +6290,35 @@
           <a:p>
             <a:pPr lvl="0"/>
             <a:r>
-              <a:rPr lang="en-US" smtClean="0"/>
+              <a:rPr lang="en-US"/>
               <a:t>Edit Master text styles</a:t>
             </a:r>
           </a:p>
           <a:p>
             <a:pPr lvl="1"/>
             <a:r>
-              <a:rPr lang="en-US" smtClean="0"/>
+              <a:rPr lang="en-US"/>
               <a:t>Second level</a:t>
             </a:r>
           </a:p>
           <a:p>
             <a:pPr lvl="2"/>
             <a:r>
-              <a:rPr lang="en-US" smtClean="0"/>
+              <a:rPr lang="en-US"/>
               <a:t>Third level</a:t>
             </a:r>
           </a:p>
           <a:p>
             <a:pPr lvl="3"/>
             <a:r>
-              <a:rPr lang="en-US" smtClean="0"/>
+              <a:rPr lang="en-US"/>
               <a:t>Fourth level</a:t>
             </a:r>
           </a:p>
           <a:p>
             <a:pPr lvl="4"/>
             <a:r>
-              <a:rPr lang="en-US" smtClean="0"/>
+              <a:rPr lang="en-US"/>
               <a:t>Fifth level</a:t>
             </a:r>
             <a:endParaRPr lang="en-US" dirty="0"/>
@@ -3292,7 +6358,7 @@
           <a:p>
             <a:fld id="{DEAABFB7-5F47-40FD-87E6-2409C2FCB6CB}" type="datetimeFigureOut">
               <a:rPr lang="en-US" smtClean="0"/>
-              <a:t>1/5/2022</a:t>
+              <a:t>12/28/22</a:t>
             </a:fld>
             <a:endParaRPr lang="en-US"/>
           </a:p>
@@ -3802,6 +6868,14 @@
 <file path=ppt/slides/slide1.xml><?xml version="1.0" encoding="utf-8"?>
 <p:sld xmlns:a="http://schemas.openxmlformats.org/drawingml/2006/main" xmlns:r="http://schemas.openxmlformats.org/officeDocument/2006/relationships" xmlns:p="http://schemas.openxmlformats.org/presentationml/2006/main">
   <p:cSld>
+    <p:bg>
+      <p:bgPr>
+        <a:solidFill>
+          <a:schemeClr val="bg1"/>
+        </a:solidFill>
+        <a:effectLst/>
+      </p:bgPr>
+    </p:bg>
     <p:spTree>
       <p:nvGrpSpPr>
         <p:cNvPr id="1" name=""/>
@@ -3816,6 +6890,66 @@
           <a:chExt cx="0" cy="0"/>
         </a:xfrm>
       </p:grpSpPr>
+      <p:sp useBgFill="1">
+        <p:nvSpPr>
+          <p:cNvPr id="21" name="Rectangle 20">
+            <a:extLst>
+              <a:ext uri="{FF2B5EF4-FFF2-40B4-BE49-F238E27FC236}">
+                <a16:creationId xmlns:a16="http://schemas.microsoft.com/office/drawing/2014/main" id="{5AE6C737-FF55-4064-94B7-0B21D2EB6045}"/>
+              </a:ext>
+              <a:ext uri="{C183D7F6-B498-43B3-948B-1728B52AA6E4}">
+                <adec:decorative xmlns:adec="http://schemas.microsoft.com/office/drawing/2017/decorative" val="1"/>
+              </a:ext>
+            </a:extLst>
+          </p:cNvPr>
+          <p:cNvSpPr>
+            <a:spLocks noGrp="1" noRot="1" noChangeAspect="1" noMove="1" noResize="1" noEditPoints="1" noAdjustHandles="1" noChangeArrowheads="1" noChangeShapeType="1" noTextEdit="1"/>
+          </p:cNvSpPr>
+          <p:nvPr>
+            <p:extLst>
+              <p:ext uri="{386F3935-93C4-4BCD-93E2-E3B085C9AB24}">
+                <p16:designElem xmlns:p16="http://schemas.microsoft.com/office/powerpoint/2015/main" val="1"/>
+              </p:ext>
+            </p:extLst>
+          </p:nvPr>
+        </p:nvSpPr>
+        <p:spPr>
+          <a:xfrm>
+            <a:off x="0" y="0"/>
+            <a:ext cx="12192001" cy="6334316"/>
+          </a:xfrm>
+          <a:prstGeom prst="rect">
+            <a:avLst/>
+          </a:prstGeom>
+          <a:ln>
+            <a:noFill/>
+          </a:ln>
+        </p:spPr>
+        <p:style>
+          <a:lnRef idx="2">
+            <a:schemeClr val="accent1">
+              <a:shade val="50000"/>
+            </a:schemeClr>
+          </a:lnRef>
+          <a:fillRef idx="1">
+            <a:schemeClr val="accent1"/>
+          </a:fillRef>
+          <a:effectRef idx="0">
+            <a:schemeClr val="accent1"/>
+          </a:effectRef>
+          <a:fontRef idx="minor">
+            <a:schemeClr val="lt1"/>
+          </a:fontRef>
+        </p:style>
+        <p:txBody>
+          <a:bodyPr rtlCol="0" anchor="ctr"/>
+          <a:lstStyle/>
+          <a:p>
+            <a:pPr algn="ctr"/>
+            <a:endParaRPr lang="en-US"/>
+          </a:p>
+        </p:txBody>
+      </p:sp>
       <p:sp>
         <p:nvSpPr>
           <p:cNvPr id="2" name="Title 1"/>
@@ -3826,16 +6960,22 @@
             <p:ph type="ctrTitle"/>
           </p:nvPr>
         </p:nvSpPr>
-        <p:spPr/>
+        <p:spPr>
+          <a:xfrm>
+            <a:off x="6730000" y="639097"/>
+            <a:ext cx="4813072" cy="3686015"/>
+          </a:xfrm>
+        </p:spPr>
         <p:txBody>
-          <a:bodyPr/>
+          <a:bodyPr>
+            <a:normAutofit/>
+          </a:bodyPr>
           <a:lstStyle/>
           <a:p>
             <a:r>
-              <a:rPr lang="en-US" dirty="0" smtClean="0"/>
-              <a:t>Datasets-I</a:t>
-            </a:r>
-            <a:endParaRPr lang="en-US" dirty="0"/>
+              <a:rPr lang="en-US" dirty="0"/>
+              <a:t>Datasets</a:t>
+            </a:r>
           </a:p>
         </p:txBody>
       </p:sp>
@@ -3849,22 +6989,234 @@
             <p:ph type="subTitle" idx="1"/>
           </p:nvPr>
         </p:nvSpPr>
-        <p:spPr/>
+        <p:spPr>
+          <a:xfrm>
+            <a:off x="6729999" y="4455621"/>
+            <a:ext cx="4829101" cy="1238616"/>
+          </a:xfrm>
+        </p:spPr>
         <p:txBody>
-          <a:bodyPr/>
+          <a:bodyPr>
+            <a:normAutofit/>
+          </a:bodyPr>
           <a:lstStyle/>
           <a:p>
             <a:r>
-              <a:rPr lang="en-US" dirty="0" smtClean="0"/>
-              <a:t>Musadaq </a:t>
-            </a:r>
-            <a:r>
-              <a:rPr lang="en-US" dirty="0" err="1" smtClean="0"/>
-              <a:t>Mansoor</a:t>
-            </a:r>
-            <a:endParaRPr lang="en-US" dirty="0"/>
+              <a:rPr lang="en-US">
+                <a:solidFill>
+                  <a:schemeClr val="tx1">
+                    <a:lumMod val="85000"/>
+                    <a:lumOff val="15000"/>
+                  </a:schemeClr>
+                </a:solidFill>
+              </a:rPr>
+              <a:t>Musadaq Mansoor</a:t>
+            </a:r>
           </a:p>
         </p:txBody>
+      </p:sp>
+      <p:pic>
+        <p:nvPicPr>
+          <p:cNvPr id="7" name="Graphic 6" descr="Database">
+            <a:extLst>
+              <a:ext uri="{FF2B5EF4-FFF2-40B4-BE49-F238E27FC236}">
+                <a16:creationId xmlns:a16="http://schemas.microsoft.com/office/drawing/2014/main" id="{DBE47E1B-FC41-718A-83B8-1361B4725E3D}"/>
+              </a:ext>
+            </a:extLst>
+          </p:cNvPr>
+          <p:cNvPicPr>
+            <a:picLocks noChangeAspect="1"/>
+          </p:cNvPicPr>
+          <p:nvPr/>
+        </p:nvPicPr>
+        <p:blipFill>
+          <a:blip r:embed="rId2">
+            <a:extLst>
+              <a:ext uri="{28A0092B-C50C-407E-A947-70E740481C1C}">
+                <a14:useLocalDpi xmlns:a14="http://schemas.microsoft.com/office/drawing/2010/main" val="0"/>
+              </a:ext>
+              <a:ext uri="{96DAC541-7B7A-43D3-8B79-37D633B846F1}">
+                <asvg:svgBlip xmlns:asvg="http://schemas.microsoft.com/office/drawing/2016/SVG/main" r:embed="rId3"/>
+              </a:ext>
+            </a:extLst>
+          </a:blip>
+          <a:stretch>
+            <a:fillRect/>
+          </a:stretch>
+        </p:blipFill>
+        <p:spPr>
+          <a:xfrm>
+            <a:off x="837921" y="640081"/>
+            <a:ext cx="5054156" cy="5054156"/>
+          </a:xfrm>
+          <a:prstGeom prst="rect">
+            <a:avLst/>
+          </a:prstGeom>
+        </p:spPr>
+      </p:pic>
+      <p:cxnSp>
+        <p:nvCxnSpPr>
+          <p:cNvPr id="23" name="Straight Connector 22">
+            <a:extLst>
+              <a:ext uri="{FF2B5EF4-FFF2-40B4-BE49-F238E27FC236}">
+                <a16:creationId xmlns:a16="http://schemas.microsoft.com/office/drawing/2014/main" id="{6B5B1DD8-6224-4137-8621-32982B00F9FC}"/>
+              </a:ext>
+              <a:ext uri="{C183D7F6-B498-43B3-948B-1728B52AA6E4}">
+                <adec:decorative xmlns:adec="http://schemas.microsoft.com/office/drawing/2017/decorative" val="1"/>
+              </a:ext>
+            </a:extLst>
+          </p:cNvPr>
+          <p:cNvCxnSpPr>
+            <a:cxnSpLocks noGrp="1" noRot="1" noChangeAspect="1" noMove="1" noResize="1" noEditPoints="1" noAdjustHandles="1" noChangeArrowheads="1" noChangeShapeType="1"/>
+          </p:cNvCxnSpPr>
+          <p:nvPr>
+            <p:extLst>
+              <p:ext uri="{386F3935-93C4-4BCD-93E2-E3B085C9AB24}">
+                <p16:designElem xmlns:p16="http://schemas.microsoft.com/office/powerpoint/2015/main" val="1"/>
+              </p:ext>
+            </p:extLst>
+          </p:nvPr>
+        </p:nvCxnSpPr>
+        <p:spPr>
+          <a:xfrm>
+            <a:off x="6805053" y="4343400"/>
+            <a:ext cx="4389120" cy="0"/>
+          </a:xfrm>
+          <a:prstGeom prst="line">
+            <a:avLst/>
+          </a:prstGeom>
+          <a:ln w="6350">
+            <a:solidFill>
+              <a:schemeClr val="tx2">
+                <a:alpha val="90000"/>
+              </a:schemeClr>
+            </a:solidFill>
+          </a:ln>
+        </p:spPr>
+        <p:style>
+          <a:lnRef idx="1">
+            <a:schemeClr val="accent1"/>
+          </a:lnRef>
+          <a:fillRef idx="0">
+            <a:schemeClr val="accent1"/>
+          </a:fillRef>
+          <a:effectRef idx="0">
+            <a:schemeClr val="accent1"/>
+          </a:effectRef>
+          <a:fontRef idx="minor">
+            <a:schemeClr val="tx1"/>
+          </a:fontRef>
+        </p:style>
+      </p:cxnSp>
+      <p:sp>
+        <p:nvSpPr>
+          <p:cNvPr id="25" name="Rectangle 24">
+            <a:extLst>
+              <a:ext uri="{FF2B5EF4-FFF2-40B4-BE49-F238E27FC236}">
+                <a16:creationId xmlns:a16="http://schemas.microsoft.com/office/drawing/2014/main" id="{D8218D9F-38B6-4AE0-9051-5434D19A5277}"/>
+              </a:ext>
+              <a:ext uri="{C183D7F6-B498-43B3-948B-1728B52AA6E4}">
+                <adec:decorative xmlns:adec="http://schemas.microsoft.com/office/drawing/2017/decorative" val="1"/>
+              </a:ext>
+            </a:extLst>
+          </p:cNvPr>
+          <p:cNvSpPr>
+            <a:spLocks noGrp="1" noRot="1" noChangeAspect="1" noMove="1" noResize="1" noEditPoints="1" noAdjustHandles="1" noChangeArrowheads="1" noChangeShapeType="1" noTextEdit="1"/>
+          </p:cNvSpPr>
+          <p:nvPr>
+            <p:extLst>
+              <p:ext uri="{386F3935-93C4-4BCD-93E2-E3B085C9AB24}">
+                <p16:designElem xmlns:p16="http://schemas.microsoft.com/office/powerpoint/2015/main" val="1"/>
+              </p:ext>
+            </p:extLst>
+          </p:nvPr>
+        </p:nvSpPr>
+        <p:spPr>
+          <a:xfrm>
+            <a:off x="15" y="6334316"/>
+            <a:ext cx="12191985" cy="66484"/>
+          </a:xfrm>
+          <a:prstGeom prst="rect">
+            <a:avLst/>
+          </a:prstGeom>
+          <a:solidFill>
+            <a:schemeClr val="accent1"/>
+          </a:solidFill>
+          <a:ln>
+            <a:noFill/>
+          </a:ln>
+        </p:spPr>
+        <p:style>
+          <a:lnRef idx="2">
+            <a:schemeClr val="accent1">
+              <a:shade val="50000"/>
+            </a:schemeClr>
+          </a:lnRef>
+          <a:fillRef idx="1">
+            <a:schemeClr val="accent1"/>
+          </a:fillRef>
+          <a:effectRef idx="0">
+            <a:schemeClr val="accent1"/>
+          </a:effectRef>
+          <a:fontRef idx="minor">
+            <a:schemeClr val="lt1"/>
+          </a:fontRef>
+        </p:style>
+      </p:sp>
+      <p:sp>
+        <p:nvSpPr>
+          <p:cNvPr id="27" name="Rectangle 26">
+            <a:extLst>
+              <a:ext uri="{FF2B5EF4-FFF2-40B4-BE49-F238E27FC236}">
+                <a16:creationId xmlns:a16="http://schemas.microsoft.com/office/drawing/2014/main" id="{2D3DCA99-84AF-487A-BF72-91C5FA6B0B70}"/>
+              </a:ext>
+              <a:ext uri="{C183D7F6-B498-43B3-948B-1728B52AA6E4}">
+                <adec:decorative xmlns:adec="http://schemas.microsoft.com/office/drawing/2017/decorative" val="1"/>
+              </a:ext>
+            </a:extLst>
+          </p:cNvPr>
+          <p:cNvSpPr>
+            <a:spLocks noGrp="1" noRot="1" noChangeAspect="1" noMove="1" noResize="1" noEditPoints="1" noAdjustHandles="1" noChangeArrowheads="1" noChangeShapeType="1" noTextEdit="1"/>
+          </p:cNvSpPr>
+          <p:nvPr>
+            <p:extLst>
+              <p:ext uri="{386F3935-93C4-4BCD-93E2-E3B085C9AB24}">
+                <p16:designElem xmlns:p16="http://schemas.microsoft.com/office/powerpoint/2015/main" val="1"/>
+              </p:ext>
+            </p:extLst>
+          </p:nvPr>
+        </p:nvSpPr>
+        <p:spPr>
+          <a:xfrm>
+            <a:off x="1" y="6400800"/>
+            <a:ext cx="12192000" cy="457200"/>
+          </a:xfrm>
+          <a:prstGeom prst="rect">
+            <a:avLst/>
+          </a:prstGeom>
+          <a:solidFill>
+            <a:schemeClr val="accent2"/>
+          </a:solidFill>
+          <a:ln>
+            <a:noFill/>
+          </a:ln>
+        </p:spPr>
+        <p:style>
+          <a:lnRef idx="2">
+            <a:schemeClr val="accent1">
+              <a:shade val="50000"/>
+            </a:schemeClr>
+          </a:lnRef>
+          <a:fillRef idx="1">
+            <a:schemeClr val="accent1"/>
+          </a:fillRef>
+          <a:effectRef idx="0">
+            <a:schemeClr val="accent1"/>
+          </a:effectRef>
+          <a:fontRef idx="minor">
+            <a:schemeClr val="lt1"/>
+          </a:fontRef>
+        </p:style>
       </p:sp>
     </p:spTree>
     <p:extLst>
@@ -3876,13 +7228,6 @@
   <p:clrMapOvr>
     <a:masterClrMapping/>
   </p:clrMapOvr>
-  <p:timing>
-    <p:tnLst>
-      <p:par>
-        <p:cTn id="1" dur="indefinite" restart="never" nodeType="tmRoot"/>
-      </p:par>
-    </p:tnLst>
-  </p:timing>
 </p:sld>
 </file>
 
@@ -3919,68 +7264,38 @@
           <a:lstStyle/>
           <a:p>
             <a:r>
-              <a:rPr lang="en-US" dirty="0" smtClean="0"/>
+              <a:rPr lang="en-US" dirty="0"/>
               <a:t>Where to find datasets</a:t>
             </a:r>
-            <a:endParaRPr lang="en-US" dirty="0"/>
           </a:p>
         </p:txBody>
       </p:sp>
-      <p:sp>
-        <p:nvSpPr>
-          <p:cNvPr id="3" name="Content Placeholder 2"/>
-          <p:cNvSpPr>
-            <a:spLocks noGrp="1"/>
-          </p:cNvSpPr>
+      <p:graphicFrame>
+        <p:nvGraphicFramePr>
+          <p:cNvPr id="7" name="Content Placeholder 2">
+            <a:extLst>
+              <a:ext uri="{FF2B5EF4-FFF2-40B4-BE49-F238E27FC236}">
+                <a16:creationId xmlns:a16="http://schemas.microsoft.com/office/drawing/2014/main" id="{4029DD7A-330C-F7CC-45EB-5D148D3711B5}"/>
+              </a:ext>
+            </a:extLst>
+          </p:cNvPr>
+          <p:cNvGraphicFramePr>
+            <a:graphicFrameLocks noGrp="1"/>
+          </p:cNvGraphicFramePr>
           <p:nvPr>
             <p:ph idx="1"/>
           </p:nvPr>
-        </p:nvSpPr>
-        <p:spPr/>
-        <p:txBody>
-          <a:bodyPr/>
-          <a:lstStyle/>
-          <a:p>
-            <a:r>
-              <a:rPr lang="en-US" dirty="0"/>
-              <a:t>Google Dataset </a:t>
-            </a:r>
-            <a:r>
-              <a:rPr lang="en-US" dirty="0" smtClean="0"/>
-              <a:t>Search</a:t>
-            </a:r>
-          </a:p>
-          <a:p>
-            <a:r>
-              <a:rPr lang="en-US" dirty="0" err="1" smtClean="0"/>
-              <a:t>Kaggle</a:t>
-            </a:r>
-            <a:endParaRPr lang="en-US" dirty="0" smtClean="0"/>
-          </a:p>
-          <a:p>
-            <a:r>
-              <a:rPr lang="en-US" dirty="0" smtClean="0"/>
-              <a:t>Data.gov</a:t>
-            </a:r>
-          </a:p>
-          <a:p>
-            <a:r>
-              <a:rPr lang="en-US" dirty="0" smtClean="0"/>
-              <a:t>Datahub.io</a:t>
-            </a:r>
-          </a:p>
-          <a:p>
-            <a:r>
-              <a:rPr lang="en-US" dirty="0"/>
-              <a:t>UCI Machine Learning </a:t>
-            </a:r>
-            <a:r>
-              <a:rPr lang="en-US" dirty="0" smtClean="0"/>
-              <a:t>Repository</a:t>
-            </a:r>
-          </a:p>
-        </p:txBody>
-      </p:sp>
+        </p:nvGraphicFramePr>
+        <p:xfrm>
+          <a:off x="1097280" y="1845734"/>
+          <a:ext cx="10058400" cy="4023360"/>
+        </p:xfrm>
+        <a:graphic>
+          <a:graphicData uri="http://schemas.openxmlformats.org/drawingml/2006/diagram">
+            <dgm:relIds xmlns:dgm="http://schemas.openxmlformats.org/drawingml/2006/diagram" xmlns:r="http://schemas.openxmlformats.org/officeDocument/2006/relationships" r:dm="rId2" r:lo="rId3" r:qs="rId4" r:cs="rId5"/>
+          </a:graphicData>
+        </a:graphic>
+      </p:graphicFrame>
     </p:spTree>
     <p:extLst>
       <p:ext uri="{BB962C8B-B14F-4D97-AF65-F5344CB8AC3E}">
@@ -3991,19 +7306,20 @@
   <p:clrMapOvr>
     <a:masterClrMapping/>
   </p:clrMapOvr>
-  <p:timing>
-    <p:tnLst>
-      <p:par>
-        <p:cTn id="1" dur="indefinite" restart="never" nodeType="tmRoot"/>
-      </p:par>
-    </p:tnLst>
-  </p:timing>
 </p:sld>
 </file>
 
 <file path=ppt/slides/slide3.xml><?xml version="1.0" encoding="utf-8"?>
 <p:sld xmlns:a="http://schemas.openxmlformats.org/drawingml/2006/main" xmlns:r="http://schemas.openxmlformats.org/officeDocument/2006/relationships" xmlns:p="http://schemas.openxmlformats.org/presentationml/2006/main">
   <p:cSld>
+    <p:bg>
+      <p:bgPr>
+        <a:solidFill>
+          <a:schemeClr val="bg1"/>
+        </a:solidFill>
+        <a:effectLst/>
+      </p:bgPr>
+    </p:bg>
     <p:spTree>
       <p:nvGrpSpPr>
         <p:cNvPr id="1" name=""/>
@@ -4018,6 +7334,121 @@
           <a:chExt cx="0" cy="0"/>
         </a:xfrm>
       </p:grpSpPr>
+      <p:sp useBgFill="1">
+        <p:nvSpPr>
+          <p:cNvPr id="21" name="Rectangle 20">
+            <a:extLst>
+              <a:ext uri="{FF2B5EF4-FFF2-40B4-BE49-F238E27FC236}">
+                <a16:creationId xmlns:a16="http://schemas.microsoft.com/office/drawing/2014/main" id="{3741B58E-3B65-4A01-A276-975AB2CF8A08}"/>
+              </a:ext>
+              <a:ext uri="{C183D7F6-B498-43B3-948B-1728B52AA6E4}">
+                <adec:decorative xmlns:adec="http://schemas.microsoft.com/office/drawing/2017/decorative" val="1"/>
+              </a:ext>
+            </a:extLst>
+          </p:cNvPr>
+          <p:cNvSpPr>
+            <a:spLocks noGrp="1" noRot="1" noChangeAspect="1" noMove="1" noResize="1" noEditPoints="1" noAdjustHandles="1" noChangeArrowheads="1" noChangeShapeType="1" noTextEdit="1"/>
+          </p:cNvSpPr>
+          <p:nvPr>
+            <p:extLst>
+              <p:ext uri="{386F3935-93C4-4BCD-93E2-E3B085C9AB24}">
+                <p16:designElem xmlns:p16="http://schemas.microsoft.com/office/powerpoint/2015/main" val="1"/>
+              </p:ext>
+            </p:extLst>
+          </p:nvPr>
+        </p:nvSpPr>
+        <p:spPr>
+          <a:xfrm>
+            <a:off x="0" y="0"/>
+            <a:ext cx="12186315" cy="6858000"/>
+          </a:xfrm>
+          <a:prstGeom prst="rect">
+            <a:avLst/>
+          </a:prstGeom>
+          <a:ln>
+            <a:noFill/>
+          </a:ln>
+        </p:spPr>
+        <p:style>
+          <a:lnRef idx="2">
+            <a:schemeClr val="accent6">
+              <a:shade val="50000"/>
+            </a:schemeClr>
+          </a:lnRef>
+          <a:fillRef idx="1001">
+            <a:schemeClr val="lt1"/>
+          </a:fillRef>
+          <a:effectRef idx="0">
+            <a:schemeClr val="accent6"/>
+          </a:effectRef>
+          <a:fontRef idx="minor">
+            <a:schemeClr val="lt1"/>
+          </a:fontRef>
+        </p:style>
+        <p:txBody>
+          <a:bodyPr rtlCol="0" anchor="ctr"/>
+          <a:lstStyle/>
+          <a:p>
+            <a:pPr algn="ctr"/>
+            <a:endParaRPr lang="en-US"/>
+          </a:p>
+        </p:txBody>
+      </p:sp>
+      <p:sp>
+        <p:nvSpPr>
+          <p:cNvPr id="23" name="Rectangle 22">
+            <a:extLst>
+              <a:ext uri="{FF2B5EF4-FFF2-40B4-BE49-F238E27FC236}">
+                <a16:creationId xmlns:a16="http://schemas.microsoft.com/office/drawing/2014/main" id="{7AAC67C3-831B-4AB1-A259-DFB839CAFAFC}"/>
+              </a:ext>
+              <a:ext uri="{C183D7F6-B498-43B3-948B-1728B52AA6E4}">
+                <adec:decorative xmlns:adec="http://schemas.microsoft.com/office/drawing/2017/decorative" val="1"/>
+              </a:ext>
+            </a:extLst>
+          </p:cNvPr>
+          <p:cNvSpPr>
+            <a:spLocks noGrp="1" noRot="1" noChangeAspect="1" noMove="1" noResize="1" noEditPoints="1" noAdjustHandles="1" noChangeArrowheads="1" noChangeShapeType="1" noTextEdit="1"/>
+          </p:cNvSpPr>
+          <p:nvPr>
+            <p:extLst>
+              <p:ext uri="{386F3935-93C4-4BCD-93E2-E3B085C9AB24}">
+                <p16:designElem xmlns:p16="http://schemas.microsoft.com/office/powerpoint/2015/main" val="1"/>
+              </p:ext>
+            </p:extLst>
+          </p:nvPr>
+        </p:nvSpPr>
+        <p:spPr>
+          <a:xfrm>
+            <a:off x="16" y="0"/>
+            <a:ext cx="4050791" cy="6858000"/>
+          </a:xfrm>
+          <a:prstGeom prst="rect">
+            <a:avLst/>
+          </a:prstGeom>
+          <a:solidFill>
+            <a:schemeClr val="accent2"/>
+          </a:solidFill>
+          <a:ln>
+            <a:noFill/>
+          </a:ln>
+        </p:spPr>
+        <p:style>
+          <a:lnRef idx="2">
+            <a:schemeClr val="accent1">
+              <a:shade val="50000"/>
+            </a:schemeClr>
+          </a:lnRef>
+          <a:fillRef idx="1">
+            <a:schemeClr val="accent1"/>
+          </a:fillRef>
+          <a:effectRef idx="0">
+            <a:schemeClr val="accent1"/>
+          </a:effectRef>
+          <a:fontRef idx="minor">
+            <a:schemeClr val="lt1"/>
+          </a:fontRef>
+        </p:style>
+      </p:sp>
       <p:sp>
         <p:nvSpPr>
           <p:cNvPr id="2" name="Title 1"/>
@@ -4028,125 +7459,165 @@
             <p:ph type="title"/>
           </p:nvPr>
         </p:nvSpPr>
-        <p:spPr/>
+        <p:spPr>
+          <a:xfrm>
+            <a:off x="492370" y="605896"/>
+            <a:ext cx="3084844" cy="5646208"/>
+          </a:xfrm>
+        </p:spPr>
         <p:txBody>
-          <a:bodyPr/>
-          <a:lstStyle/>
-          <a:p>
-            <a:r>
-              <a:rPr lang="en-US" dirty="0"/>
-              <a:t>Google Dataset </a:t>
-            </a:r>
-            <a:r>
-              <a:rPr lang="en-US" dirty="0" smtClean="0"/>
-              <a:t>Search</a:t>
-            </a:r>
-            <a:endParaRPr lang="en-US" dirty="0"/>
-          </a:p>
-        </p:txBody>
-      </p:sp>
-      <p:sp>
-        <p:nvSpPr>
-          <p:cNvPr id="3" name="Content Placeholder 2"/>
-          <p:cNvSpPr>
-            <a:spLocks noGrp="1"/>
-          </p:cNvSpPr>
-          <p:nvPr>
-            <p:ph idx="1"/>
-          </p:nvPr>
-        </p:nvSpPr>
-        <p:spPr/>
-        <p:txBody>
-          <a:bodyPr>
-            <a:normAutofit lnSpcReduction="10000"/>
+          <a:bodyPr anchor="ctr">
+            <a:normAutofit/>
           </a:bodyPr>
           <a:lstStyle/>
           <a:p>
             <a:r>
-              <a:rPr lang="en-US" sz="2400" b="1" dirty="0" smtClean="0"/>
-              <a:t>Type </a:t>
-            </a:r>
-            <a:r>
-              <a:rPr lang="en-US" sz="2400" b="1" dirty="0"/>
-              <a:t>of data:</a:t>
-            </a:r>
-            <a:r>
-              <a:rPr lang="en-US" sz="2400" dirty="0"/>
+              <a:rPr lang="en-US" sz="3600" dirty="0">
+                <a:solidFill>
+                  <a:srgbClr val="FFFFFF"/>
+                </a:solidFill>
+              </a:rPr>
+              <a:t>Google Dataset Search</a:t>
+            </a:r>
+          </a:p>
+        </p:txBody>
+      </p:sp>
+      <p:sp>
+        <p:nvSpPr>
+          <p:cNvPr id="25" name="Rectangle 24">
+            <a:extLst>
+              <a:ext uri="{FF2B5EF4-FFF2-40B4-BE49-F238E27FC236}">
+                <a16:creationId xmlns:a16="http://schemas.microsoft.com/office/drawing/2014/main" id="{054B3F04-9EAC-45C0-B3CE-0387EEA10A0C}"/>
+              </a:ext>
+              <a:ext uri="{C183D7F6-B498-43B3-948B-1728B52AA6E4}">
+                <adec:decorative xmlns:adec="http://schemas.microsoft.com/office/drawing/2017/decorative" val="1"/>
+              </a:ext>
+            </a:extLst>
+          </p:cNvPr>
+          <p:cNvSpPr>
+            <a:spLocks noGrp="1" noRot="1" noChangeAspect="1" noMove="1" noResize="1" noEditPoints="1" noAdjustHandles="1" noChangeArrowheads="1" noChangeShapeType="1" noTextEdit="1"/>
+          </p:cNvSpPr>
+          <p:nvPr>
+            <p:extLst>
+              <p:ext uri="{386F3935-93C4-4BCD-93E2-E3B085C9AB24}">
+                <p16:designElem xmlns:p16="http://schemas.microsoft.com/office/powerpoint/2015/main" val="1"/>
+              </p:ext>
+            </p:extLst>
+          </p:nvPr>
+        </p:nvSpPr>
+        <p:spPr>
+          <a:xfrm>
+            <a:off x="4040071" y="0"/>
+            <a:ext cx="64008" cy="6858000"/>
+          </a:xfrm>
+          <a:prstGeom prst="rect">
+            <a:avLst/>
+          </a:prstGeom>
+          <a:solidFill>
+            <a:schemeClr val="accent1"/>
+          </a:solidFill>
+          <a:ln>
+            <a:noFill/>
+          </a:ln>
+        </p:spPr>
+        <p:style>
+          <a:lnRef idx="2">
+            <a:schemeClr val="accent1">
+              <a:shade val="50000"/>
+            </a:schemeClr>
+          </a:lnRef>
+          <a:fillRef idx="1">
+            <a:schemeClr val="accent1"/>
+          </a:fillRef>
+          <a:effectRef idx="0">
+            <a:schemeClr val="accent1"/>
+          </a:effectRef>
+          <a:fontRef idx="minor">
+            <a:schemeClr val="lt1"/>
+          </a:fontRef>
+        </p:style>
+      </p:sp>
+      <p:sp>
+        <p:nvSpPr>
+          <p:cNvPr id="3" name="Content Placeholder 2"/>
+          <p:cNvSpPr>
+            <a:spLocks noGrp="1"/>
+          </p:cNvSpPr>
+          <p:nvPr>
+            <p:ph idx="1"/>
+          </p:nvPr>
+        </p:nvSpPr>
+        <p:spPr>
+          <a:xfrm>
+            <a:off x="4742016" y="605896"/>
+            <a:ext cx="6413663" cy="5646208"/>
+          </a:xfrm>
+        </p:spPr>
+        <p:txBody>
+          <a:bodyPr anchor="ctr">
+            <a:normAutofit/>
+          </a:bodyPr>
+          <a:lstStyle/>
+          <a:p>
+            <a:r>
+              <a:rPr lang="en-US" b="1"/>
+              <a:t>Type of data:</a:t>
+            </a:r>
+            <a:r>
+              <a:rPr lang="en-US"/>
               <a:t> Miscellaneous</a:t>
             </a:r>
             <a:br>
-              <a:rPr lang="en-US" sz="2400" dirty="0"/>
+              <a:rPr lang="en-US"/>
             </a:br>
             <a:r>
-              <a:rPr lang="en-US" sz="2400" b="1" dirty="0"/>
+              <a:rPr lang="en-US" b="1"/>
               <a:t>Data compiled by:</a:t>
             </a:r>
             <a:r>
-              <a:rPr lang="en-US" sz="2400" dirty="0"/>
+              <a:rPr lang="en-US"/>
               <a:t> Google</a:t>
             </a:r>
             <a:br>
-              <a:rPr lang="en-US" sz="2400" dirty="0"/>
+              <a:rPr lang="en-US"/>
             </a:br>
             <a:r>
-              <a:rPr lang="en-US" sz="2400" b="1" dirty="0"/>
+              <a:rPr lang="en-US" b="1"/>
               <a:t>Access:</a:t>
             </a:r>
             <a:r>
-              <a:rPr lang="en-US" sz="2400" dirty="0"/>
+              <a:rPr lang="en-US"/>
               <a:t> Free to search, but does include some fee-based search results</a:t>
             </a:r>
             <a:br>
-              <a:rPr lang="en-US" sz="2400" dirty="0"/>
+              <a:rPr lang="en-US"/>
             </a:br>
             <a:r>
-              <a:rPr lang="en-US" sz="2400" b="1" dirty="0"/>
+              <a:rPr lang="en-US" b="1"/>
               <a:t>URL: </a:t>
             </a:r>
             <a:r>
-              <a:rPr lang="en-US" sz="2400" dirty="0">
+              <a:rPr lang="en-US">
                 <a:hlinkClick r:id="rId2"/>
               </a:rPr>
-              <a:t>https://datasetsearch.research.google.com</a:t>
-            </a:r>
-            <a:r>
-              <a:rPr lang="en-US" sz="2400" dirty="0" smtClean="0">
-                <a:hlinkClick r:id="rId2"/>
-              </a:rPr>
-              <a:t>/</a:t>
-            </a:r>
-            <a:endParaRPr lang="en-US" sz="2400" dirty="0" smtClean="0"/>
-          </a:p>
-          <a:p>
-            <a:r>
-              <a:rPr lang="en-US" sz="2400" dirty="0" smtClean="0"/>
-              <a:t>It </a:t>
-            </a:r>
-            <a:r>
-              <a:rPr lang="en-US" sz="2400" dirty="0"/>
-              <a:t>seems we turn to Google for everything these days, and data is no exception. Launched in 2018, Google Dataset Search is like Google’s standard search engine, but strictly for data. </a:t>
-            </a:r>
-            <a:r>
-              <a:rPr lang="en-US" sz="2400" dirty="0" smtClean="0"/>
-              <a:t>Google </a:t>
-            </a:r>
-            <a:r>
-              <a:rPr lang="en-US" sz="2400" dirty="0"/>
-              <a:t>Dataset Search aggregates data from external sources, providing a clear summary of what’s available, a description of the data, who it’s provided by, and when it was last updated. It’s an excellent place to start</a:t>
-            </a:r>
-            <a:r>
-              <a:rPr lang="en-US" sz="2400" dirty="0" smtClean="0"/>
-              <a:t>.</a:t>
-            </a:r>
-          </a:p>
-          <a:p>
-            <a:r>
-              <a:rPr lang="en-US" sz="2400" dirty="0"/>
+              <a:t>https://datasetsearch.research.google.com/</a:t>
+            </a:r>
+            <a:endParaRPr lang="en-US"/>
+          </a:p>
+          <a:p>
+            <a:r>
+              <a:rPr lang="en-US"/>
+              <a:t>It seems we turn to Google for everything these days, and data is no exception. Launched in 2018, Google Dataset Search is like Google’s standard search engine, but strictly for data. Google Dataset Search aggregates data from external sources, providing a clear summary of what’s available, a description of the data, who it’s provided by, and when it was last updated. It’s an excellent place to start.</a:t>
+            </a:r>
+          </a:p>
+          <a:p>
+            <a:r>
+              <a:rPr lang="en-US"/>
               <a:t>Example: ODI Cricket Matches</a:t>
             </a:r>
           </a:p>
           <a:p>
-            <a:endParaRPr lang="en-US" sz="2400" dirty="0"/>
+            <a:endParaRPr lang="en-US"/>
           </a:p>
         </p:txBody>
       </p:sp>
@@ -4160,19 +7631,20 @@
   <p:clrMapOvr>
     <a:masterClrMapping/>
   </p:clrMapOvr>
-  <p:timing>
-    <p:tnLst>
-      <p:par>
-        <p:cTn id="1" dur="indefinite" restart="never" nodeType="tmRoot"/>
-      </p:par>
-    </p:tnLst>
-  </p:timing>
 </p:sld>
 </file>
 
 <file path=ppt/slides/slide4.xml><?xml version="1.0" encoding="utf-8"?>
 <p:sld xmlns:a="http://schemas.openxmlformats.org/drawingml/2006/main" xmlns:r="http://schemas.openxmlformats.org/officeDocument/2006/relationships" xmlns:p="http://schemas.openxmlformats.org/presentationml/2006/main">
   <p:cSld>
+    <p:bg>
+      <p:bgPr>
+        <a:solidFill>
+          <a:schemeClr val="bg1"/>
+        </a:solidFill>
+        <a:effectLst/>
+      </p:bgPr>
+    </p:bg>
     <p:spTree>
       <p:nvGrpSpPr>
         <p:cNvPr id="1" name=""/>
@@ -4187,6 +7659,121 @@
           <a:chExt cx="0" cy="0"/>
         </a:xfrm>
       </p:grpSpPr>
+      <p:sp useBgFill="1">
+        <p:nvSpPr>
+          <p:cNvPr id="8" name="Rectangle 7">
+            <a:extLst>
+              <a:ext uri="{FF2B5EF4-FFF2-40B4-BE49-F238E27FC236}">
+                <a16:creationId xmlns:a16="http://schemas.microsoft.com/office/drawing/2014/main" id="{3741B58E-3B65-4A01-A276-975AB2CF8A08}"/>
+              </a:ext>
+              <a:ext uri="{C183D7F6-B498-43B3-948B-1728B52AA6E4}">
+                <adec:decorative xmlns:adec="http://schemas.microsoft.com/office/drawing/2017/decorative" val="1"/>
+              </a:ext>
+            </a:extLst>
+          </p:cNvPr>
+          <p:cNvSpPr>
+            <a:spLocks noGrp="1" noRot="1" noChangeAspect="1" noMove="1" noResize="1" noEditPoints="1" noAdjustHandles="1" noChangeArrowheads="1" noChangeShapeType="1" noTextEdit="1"/>
+          </p:cNvSpPr>
+          <p:nvPr>
+            <p:extLst>
+              <p:ext uri="{386F3935-93C4-4BCD-93E2-E3B085C9AB24}">
+                <p16:designElem xmlns:p16="http://schemas.microsoft.com/office/powerpoint/2015/main" val="1"/>
+              </p:ext>
+            </p:extLst>
+          </p:nvPr>
+        </p:nvSpPr>
+        <p:spPr>
+          <a:xfrm>
+            <a:off x="0" y="0"/>
+            <a:ext cx="12186315" cy="6858000"/>
+          </a:xfrm>
+          <a:prstGeom prst="rect">
+            <a:avLst/>
+          </a:prstGeom>
+          <a:ln>
+            <a:noFill/>
+          </a:ln>
+        </p:spPr>
+        <p:style>
+          <a:lnRef idx="2">
+            <a:schemeClr val="accent6">
+              <a:shade val="50000"/>
+            </a:schemeClr>
+          </a:lnRef>
+          <a:fillRef idx="1001">
+            <a:schemeClr val="lt1"/>
+          </a:fillRef>
+          <a:effectRef idx="0">
+            <a:schemeClr val="accent6"/>
+          </a:effectRef>
+          <a:fontRef idx="minor">
+            <a:schemeClr val="lt1"/>
+          </a:fontRef>
+        </p:style>
+        <p:txBody>
+          <a:bodyPr rtlCol="0" anchor="ctr"/>
+          <a:lstStyle/>
+          <a:p>
+            <a:pPr algn="ctr"/>
+            <a:endParaRPr lang="en-US"/>
+          </a:p>
+        </p:txBody>
+      </p:sp>
+      <p:sp>
+        <p:nvSpPr>
+          <p:cNvPr id="10" name="Rectangle 9">
+            <a:extLst>
+              <a:ext uri="{FF2B5EF4-FFF2-40B4-BE49-F238E27FC236}">
+                <a16:creationId xmlns:a16="http://schemas.microsoft.com/office/drawing/2014/main" id="{7AAC67C3-831B-4AB1-A259-DFB839CAFAFC}"/>
+              </a:ext>
+              <a:ext uri="{C183D7F6-B498-43B3-948B-1728B52AA6E4}">
+                <adec:decorative xmlns:adec="http://schemas.microsoft.com/office/drawing/2017/decorative" val="1"/>
+              </a:ext>
+            </a:extLst>
+          </p:cNvPr>
+          <p:cNvSpPr>
+            <a:spLocks noGrp="1" noRot="1" noChangeAspect="1" noMove="1" noResize="1" noEditPoints="1" noAdjustHandles="1" noChangeArrowheads="1" noChangeShapeType="1" noTextEdit="1"/>
+          </p:cNvSpPr>
+          <p:nvPr>
+            <p:extLst>
+              <p:ext uri="{386F3935-93C4-4BCD-93E2-E3B085C9AB24}">
+                <p16:designElem xmlns:p16="http://schemas.microsoft.com/office/powerpoint/2015/main" val="1"/>
+              </p:ext>
+            </p:extLst>
+          </p:nvPr>
+        </p:nvSpPr>
+        <p:spPr>
+          <a:xfrm>
+            <a:off x="16" y="0"/>
+            <a:ext cx="4050791" cy="6858000"/>
+          </a:xfrm>
+          <a:prstGeom prst="rect">
+            <a:avLst/>
+          </a:prstGeom>
+          <a:solidFill>
+            <a:schemeClr val="accent2"/>
+          </a:solidFill>
+          <a:ln>
+            <a:noFill/>
+          </a:ln>
+        </p:spPr>
+        <p:style>
+          <a:lnRef idx="2">
+            <a:schemeClr val="accent1">
+              <a:shade val="50000"/>
+            </a:schemeClr>
+          </a:lnRef>
+          <a:fillRef idx="1">
+            <a:schemeClr val="accent1"/>
+          </a:fillRef>
+          <a:effectRef idx="0">
+            <a:schemeClr val="accent1"/>
+          </a:effectRef>
+          <a:fontRef idx="minor">
+            <a:schemeClr val="lt1"/>
+          </a:fontRef>
+        </p:style>
+      </p:sp>
       <p:sp>
         <p:nvSpPr>
           <p:cNvPr id="2" name="Title 1"/>
@@ -4197,133 +7784,193 @@
             <p:ph type="title"/>
           </p:nvPr>
         </p:nvSpPr>
-        <p:spPr/>
+        <p:spPr>
+          <a:xfrm>
+            <a:off x="492370" y="605896"/>
+            <a:ext cx="3084844" cy="5646208"/>
+          </a:xfrm>
+        </p:spPr>
         <p:txBody>
-          <a:bodyPr/>
-          <a:lstStyle/>
-          <a:p>
-            <a:r>
-              <a:rPr lang="en-US" dirty="0" err="1" smtClean="0"/>
-              <a:t>Kaggle</a:t>
-            </a:r>
-            <a:endParaRPr lang="en-US" dirty="0"/>
-          </a:p>
-        </p:txBody>
-      </p:sp>
-      <p:sp>
-        <p:nvSpPr>
-          <p:cNvPr id="3" name="Content Placeholder 2"/>
-          <p:cNvSpPr>
-            <a:spLocks noGrp="1"/>
-          </p:cNvSpPr>
-          <p:nvPr>
-            <p:ph idx="1"/>
-          </p:nvPr>
-        </p:nvSpPr>
-        <p:spPr/>
-        <p:txBody>
-          <a:bodyPr>
-            <a:noAutofit/>
+          <a:bodyPr anchor="ctr">
+            <a:normAutofit/>
           </a:bodyPr>
           <a:lstStyle/>
           <a:p>
             <a:r>
-              <a:rPr lang="en-US" sz="2400" b="1" dirty="0"/>
+              <a:rPr lang="en-US" sz="3600">
+                <a:solidFill>
+                  <a:srgbClr val="FFFFFF"/>
+                </a:solidFill>
+              </a:rPr>
+              <a:t>Kaggle</a:t>
+            </a:r>
+          </a:p>
+        </p:txBody>
+      </p:sp>
+      <p:sp>
+        <p:nvSpPr>
+          <p:cNvPr id="12" name="Rectangle 11">
+            <a:extLst>
+              <a:ext uri="{FF2B5EF4-FFF2-40B4-BE49-F238E27FC236}">
+                <a16:creationId xmlns:a16="http://schemas.microsoft.com/office/drawing/2014/main" id="{054B3F04-9EAC-45C0-B3CE-0387EEA10A0C}"/>
+              </a:ext>
+              <a:ext uri="{C183D7F6-B498-43B3-948B-1728B52AA6E4}">
+                <adec:decorative xmlns:adec="http://schemas.microsoft.com/office/drawing/2017/decorative" val="1"/>
+              </a:ext>
+            </a:extLst>
+          </p:cNvPr>
+          <p:cNvSpPr>
+            <a:spLocks noGrp="1" noRot="1" noChangeAspect="1" noMove="1" noResize="1" noEditPoints="1" noAdjustHandles="1" noChangeArrowheads="1" noChangeShapeType="1" noTextEdit="1"/>
+          </p:cNvSpPr>
+          <p:nvPr>
+            <p:extLst>
+              <p:ext uri="{386F3935-93C4-4BCD-93E2-E3B085C9AB24}">
+                <p16:designElem xmlns:p16="http://schemas.microsoft.com/office/powerpoint/2015/main" val="1"/>
+              </p:ext>
+            </p:extLst>
+          </p:nvPr>
+        </p:nvSpPr>
+        <p:spPr>
+          <a:xfrm>
+            <a:off x="4040071" y="0"/>
+            <a:ext cx="64008" cy="6858000"/>
+          </a:xfrm>
+          <a:prstGeom prst="rect">
+            <a:avLst/>
+          </a:prstGeom>
+          <a:solidFill>
+            <a:schemeClr val="accent1"/>
+          </a:solidFill>
+          <a:ln>
+            <a:noFill/>
+          </a:ln>
+        </p:spPr>
+        <p:style>
+          <a:lnRef idx="2">
+            <a:schemeClr val="accent1">
+              <a:shade val="50000"/>
+            </a:schemeClr>
+          </a:lnRef>
+          <a:fillRef idx="1">
+            <a:schemeClr val="accent1"/>
+          </a:fillRef>
+          <a:effectRef idx="0">
+            <a:schemeClr val="accent1"/>
+          </a:effectRef>
+          <a:fontRef idx="minor">
+            <a:schemeClr val="lt1"/>
+          </a:fontRef>
+        </p:style>
+      </p:sp>
+      <p:sp>
+        <p:nvSpPr>
+          <p:cNvPr id="3" name="Content Placeholder 2"/>
+          <p:cNvSpPr>
+            <a:spLocks noGrp="1"/>
+          </p:cNvSpPr>
+          <p:nvPr>
+            <p:ph idx="1"/>
+          </p:nvPr>
+        </p:nvSpPr>
+        <p:spPr>
+          <a:xfrm>
+            <a:off x="4742016" y="605896"/>
+            <a:ext cx="6413663" cy="5646208"/>
+          </a:xfrm>
+        </p:spPr>
+        <p:txBody>
+          <a:bodyPr anchor="ctr">
+            <a:normAutofit/>
+          </a:bodyPr>
+          <a:lstStyle/>
+          <a:p>
+            <a:r>
+              <a:rPr lang="en-US" b="1"/>
               <a:t>Type of data:</a:t>
             </a:r>
             <a:r>
-              <a:rPr lang="en-US" sz="2400" dirty="0"/>
+              <a:rPr lang="en-US"/>
               <a:t> Miscellaneous</a:t>
             </a:r>
             <a:br>
-              <a:rPr lang="en-US" sz="2400" dirty="0"/>
+              <a:rPr lang="en-US"/>
             </a:br>
             <a:r>
-              <a:rPr lang="en-US" sz="2400" b="1" dirty="0"/>
+              <a:rPr lang="en-US" b="1"/>
               <a:t>Data compiled by:</a:t>
             </a:r>
             <a:r>
-              <a:rPr lang="en-US" sz="2400" dirty="0"/>
+              <a:rPr lang="en-US"/>
               <a:t> </a:t>
             </a:r>
             <a:r>
-              <a:rPr lang="en-US" sz="2400" dirty="0" err="1"/>
+              <a:rPr lang="en-US" err="1"/>
               <a:t>Kaggle</a:t>
             </a:r>
-            <a:r>
-              <a:rPr lang="en-US" sz="2400" dirty="0"/>
-              <a:t/>
-            </a:r>
             <a:br>
-              <a:rPr lang="en-US" sz="2400" dirty="0"/>
+              <a:rPr lang="en-US"/>
             </a:br>
             <a:r>
-              <a:rPr lang="en-US" sz="2400" b="1" dirty="0"/>
+              <a:rPr lang="en-US" b="1"/>
               <a:t>Access:</a:t>
             </a:r>
             <a:r>
-              <a:rPr lang="en-US" sz="2400" dirty="0"/>
+              <a:rPr lang="en-US"/>
               <a:t> Free, but registration required</a:t>
             </a:r>
             <a:br>
-              <a:rPr lang="en-US" sz="2400" dirty="0"/>
+              <a:rPr lang="en-US"/>
             </a:br>
             <a:r>
-              <a:rPr lang="en-US" sz="2400" b="1" dirty="0"/>
+              <a:rPr lang="en-US" b="1"/>
               <a:t>URL: </a:t>
             </a:r>
             <a:r>
-              <a:rPr lang="en-US" sz="2400" dirty="0">
+              <a:rPr lang="en-US">
                 <a:hlinkClick r:id="rId2"/>
               </a:rPr>
-              <a:t>https://</a:t>
-            </a:r>
-            <a:r>
-              <a:rPr lang="en-US" sz="2400" dirty="0" smtClean="0">
-                <a:hlinkClick r:id="rId2"/>
-              </a:rPr>
-              <a:t>www.kaggle.com/datasets</a:t>
-            </a:r>
-            <a:endParaRPr lang="en-US" sz="2400" dirty="0"/>
-          </a:p>
-          <a:p>
-            <a:r>
-              <a:rPr lang="en-US" sz="2400" dirty="0" smtClean="0"/>
+              <a:t>https://www.kaggle.com/datasets</a:t>
+            </a:r>
+            <a:endParaRPr lang="en-US"/>
+          </a:p>
+          <a:p>
+            <a:r>
+              <a:rPr lang="en-US"/>
               <a:t>Like Google Dataset Search, </a:t>
             </a:r>
             <a:r>
-              <a:rPr lang="en-US" sz="2400" dirty="0" err="1" smtClean="0"/>
+              <a:rPr lang="en-US" err="1"/>
               <a:t>Kaggle</a:t>
             </a:r>
             <a:r>
-              <a:rPr lang="en-US" sz="2400" dirty="0" smtClean="0"/>
+              <a:rPr lang="en-US"/>
               <a:t> offers aggregated datasets, but it’s a community hub rather than a search engine. </a:t>
             </a:r>
             <a:r>
-              <a:rPr lang="en-US" sz="2400" dirty="0" err="1" smtClean="0"/>
+              <a:rPr lang="en-US" err="1"/>
               <a:t>Kaggle</a:t>
             </a:r>
             <a:r>
-              <a:rPr lang="en-US" sz="2400" dirty="0" smtClean="0"/>
+              <a:rPr lang="en-US"/>
               <a:t> launched in 2010 with a number of machine learning competitions, which subsequently solved problems for the likes of NASA and Ford. It has since evolved into a renowned open data platform, offering cloud-based collaboration for data scientists, as well as educational tools for teaching artificial intelligence.</a:t>
             </a:r>
           </a:p>
           <a:p>
             <a:r>
-              <a:rPr lang="en-US" sz="2400" b="1" dirty="0"/>
+              <a:rPr lang="en-US" b="1"/>
               <a:t>Example:</a:t>
             </a:r>
             <a:r>
-              <a:rPr lang="en-US" sz="2400" dirty="0"/>
+              <a:rPr lang="en-US"/>
               <a:t> </a:t>
             </a:r>
             <a:r>
-              <a:rPr lang="en-US" sz="2400" b="1" dirty="0">
+              <a:rPr lang="en-US" b="1">
                 <a:hlinkClick r:id="rId3"/>
               </a:rPr>
               <a:t>Daily temperature of major cities</a:t>
             </a:r>
-            <a:endParaRPr lang="en-US" sz="2400" dirty="0"/>
+            <a:endParaRPr lang="en-US"/>
           </a:p>
         </p:txBody>
       </p:sp>
@@ -4337,19 +7984,20 @@
   <p:clrMapOvr>
     <a:masterClrMapping/>
   </p:clrMapOvr>
-  <p:timing>
-    <p:tnLst>
-      <p:par>
-        <p:cTn id="1" dur="indefinite" restart="never" nodeType="tmRoot"/>
-      </p:par>
-    </p:tnLst>
-  </p:timing>
 </p:sld>
 </file>
 
 <file path=ppt/slides/slide5.xml><?xml version="1.0" encoding="utf-8"?>
 <p:sld xmlns:a="http://schemas.openxmlformats.org/drawingml/2006/main" xmlns:r="http://schemas.openxmlformats.org/officeDocument/2006/relationships" xmlns:p="http://schemas.openxmlformats.org/presentationml/2006/main">
   <p:cSld>
+    <p:bg>
+      <p:bgPr>
+        <a:solidFill>
+          <a:schemeClr val="bg1"/>
+        </a:solidFill>
+        <a:effectLst/>
+      </p:bgPr>
+    </p:bg>
     <p:spTree>
       <p:nvGrpSpPr>
         <p:cNvPr id="1" name=""/>
@@ -4364,6 +8012,121 @@
           <a:chExt cx="0" cy="0"/>
         </a:xfrm>
       </p:grpSpPr>
+      <p:sp useBgFill="1">
+        <p:nvSpPr>
+          <p:cNvPr id="8" name="Rectangle 7">
+            <a:extLst>
+              <a:ext uri="{FF2B5EF4-FFF2-40B4-BE49-F238E27FC236}">
+                <a16:creationId xmlns:a16="http://schemas.microsoft.com/office/drawing/2014/main" id="{3741B58E-3B65-4A01-A276-975AB2CF8A08}"/>
+              </a:ext>
+              <a:ext uri="{C183D7F6-B498-43B3-948B-1728B52AA6E4}">
+                <adec:decorative xmlns:adec="http://schemas.microsoft.com/office/drawing/2017/decorative" val="1"/>
+              </a:ext>
+            </a:extLst>
+          </p:cNvPr>
+          <p:cNvSpPr>
+            <a:spLocks noGrp="1" noRot="1" noChangeAspect="1" noMove="1" noResize="1" noEditPoints="1" noAdjustHandles="1" noChangeArrowheads="1" noChangeShapeType="1" noTextEdit="1"/>
+          </p:cNvSpPr>
+          <p:nvPr>
+            <p:extLst>
+              <p:ext uri="{386F3935-93C4-4BCD-93E2-E3B085C9AB24}">
+                <p16:designElem xmlns:p16="http://schemas.microsoft.com/office/powerpoint/2015/main" val="1"/>
+              </p:ext>
+            </p:extLst>
+          </p:nvPr>
+        </p:nvSpPr>
+        <p:spPr>
+          <a:xfrm>
+            <a:off x="0" y="0"/>
+            <a:ext cx="12186315" cy="6858000"/>
+          </a:xfrm>
+          <a:prstGeom prst="rect">
+            <a:avLst/>
+          </a:prstGeom>
+          <a:ln>
+            <a:noFill/>
+          </a:ln>
+        </p:spPr>
+        <p:style>
+          <a:lnRef idx="2">
+            <a:schemeClr val="accent6">
+              <a:shade val="50000"/>
+            </a:schemeClr>
+          </a:lnRef>
+          <a:fillRef idx="1001">
+            <a:schemeClr val="lt1"/>
+          </a:fillRef>
+          <a:effectRef idx="0">
+            <a:schemeClr val="accent6"/>
+          </a:effectRef>
+          <a:fontRef idx="minor">
+            <a:schemeClr val="lt1"/>
+          </a:fontRef>
+        </p:style>
+        <p:txBody>
+          <a:bodyPr rtlCol="0" anchor="ctr"/>
+          <a:lstStyle/>
+          <a:p>
+            <a:pPr algn="ctr"/>
+            <a:endParaRPr lang="en-US"/>
+          </a:p>
+        </p:txBody>
+      </p:sp>
+      <p:sp>
+        <p:nvSpPr>
+          <p:cNvPr id="10" name="Rectangle 9">
+            <a:extLst>
+              <a:ext uri="{FF2B5EF4-FFF2-40B4-BE49-F238E27FC236}">
+                <a16:creationId xmlns:a16="http://schemas.microsoft.com/office/drawing/2014/main" id="{7AAC67C3-831B-4AB1-A259-DFB839CAFAFC}"/>
+              </a:ext>
+              <a:ext uri="{C183D7F6-B498-43B3-948B-1728B52AA6E4}">
+                <adec:decorative xmlns:adec="http://schemas.microsoft.com/office/drawing/2017/decorative" val="1"/>
+              </a:ext>
+            </a:extLst>
+          </p:cNvPr>
+          <p:cNvSpPr>
+            <a:spLocks noGrp="1" noRot="1" noChangeAspect="1" noMove="1" noResize="1" noEditPoints="1" noAdjustHandles="1" noChangeArrowheads="1" noChangeShapeType="1" noTextEdit="1"/>
+          </p:cNvSpPr>
+          <p:nvPr>
+            <p:extLst>
+              <p:ext uri="{386F3935-93C4-4BCD-93E2-E3B085C9AB24}">
+                <p16:designElem xmlns:p16="http://schemas.microsoft.com/office/powerpoint/2015/main" val="1"/>
+              </p:ext>
+            </p:extLst>
+          </p:nvPr>
+        </p:nvSpPr>
+        <p:spPr>
+          <a:xfrm>
+            <a:off x="16" y="0"/>
+            <a:ext cx="4050791" cy="6858000"/>
+          </a:xfrm>
+          <a:prstGeom prst="rect">
+            <a:avLst/>
+          </a:prstGeom>
+          <a:solidFill>
+            <a:schemeClr val="accent2"/>
+          </a:solidFill>
+          <a:ln>
+            <a:noFill/>
+          </a:ln>
+        </p:spPr>
+        <p:style>
+          <a:lnRef idx="2">
+            <a:schemeClr val="accent1">
+              <a:shade val="50000"/>
+            </a:schemeClr>
+          </a:lnRef>
+          <a:fillRef idx="1">
+            <a:schemeClr val="accent1"/>
+          </a:fillRef>
+          <a:effectRef idx="0">
+            <a:schemeClr val="accent1"/>
+          </a:effectRef>
+          <a:fontRef idx="minor">
+            <a:schemeClr val="lt1"/>
+          </a:fontRef>
+        </p:style>
+      </p:sp>
       <p:sp>
         <p:nvSpPr>
           <p:cNvPr id="2" name="Title 1"/>
@@ -4374,134 +8137,181 @@
             <p:ph type="title"/>
           </p:nvPr>
         </p:nvSpPr>
-        <p:spPr/>
+        <p:spPr>
+          <a:xfrm>
+            <a:off x="492370" y="605896"/>
+            <a:ext cx="3084844" cy="5646208"/>
+          </a:xfrm>
+        </p:spPr>
         <p:txBody>
-          <a:bodyPr/>
-          <a:lstStyle/>
-          <a:p>
-            <a:r>
-              <a:rPr lang="en-US" dirty="0" smtClean="0"/>
-              <a:t>Data.gov</a:t>
-            </a:r>
-            <a:endParaRPr lang="en-US" dirty="0"/>
-          </a:p>
-        </p:txBody>
-      </p:sp>
-      <p:sp>
-        <p:nvSpPr>
-          <p:cNvPr id="3" name="Content Placeholder 2"/>
-          <p:cNvSpPr>
-            <a:spLocks noGrp="1"/>
-          </p:cNvSpPr>
-          <p:nvPr>
-            <p:ph idx="1"/>
-          </p:nvPr>
-        </p:nvSpPr>
-        <p:spPr/>
-        <p:txBody>
-          <a:bodyPr>
-            <a:normAutofit fontScale="92500" lnSpcReduction="10000"/>
+          <a:bodyPr anchor="ctr">
+            <a:normAutofit/>
           </a:bodyPr>
           <a:lstStyle/>
           <a:p>
             <a:r>
-              <a:rPr lang="en-US" sz="2400" b="1" dirty="0"/>
+              <a:rPr lang="en-US" sz="3600">
+                <a:solidFill>
+                  <a:srgbClr val="FFFFFF"/>
+                </a:solidFill>
+              </a:rPr>
+              <a:t>Data.gov</a:t>
+            </a:r>
+          </a:p>
+        </p:txBody>
+      </p:sp>
+      <p:sp>
+        <p:nvSpPr>
+          <p:cNvPr id="12" name="Rectangle 11">
+            <a:extLst>
+              <a:ext uri="{FF2B5EF4-FFF2-40B4-BE49-F238E27FC236}">
+                <a16:creationId xmlns:a16="http://schemas.microsoft.com/office/drawing/2014/main" id="{054B3F04-9EAC-45C0-B3CE-0387EEA10A0C}"/>
+              </a:ext>
+              <a:ext uri="{C183D7F6-B498-43B3-948B-1728B52AA6E4}">
+                <adec:decorative xmlns:adec="http://schemas.microsoft.com/office/drawing/2017/decorative" val="1"/>
+              </a:ext>
+            </a:extLst>
+          </p:cNvPr>
+          <p:cNvSpPr>
+            <a:spLocks noGrp="1" noRot="1" noChangeAspect="1" noMove="1" noResize="1" noEditPoints="1" noAdjustHandles="1" noChangeArrowheads="1" noChangeShapeType="1" noTextEdit="1"/>
+          </p:cNvSpPr>
+          <p:nvPr>
+            <p:extLst>
+              <p:ext uri="{386F3935-93C4-4BCD-93E2-E3B085C9AB24}">
+                <p16:designElem xmlns:p16="http://schemas.microsoft.com/office/powerpoint/2015/main" val="1"/>
+              </p:ext>
+            </p:extLst>
+          </p:nvPr>
+        </p:nvSpPr>
+        <p:spPr>
+          <a:xfrm>
+            <a:off x="4040071" y="0"/>
+            <a:ext cx="64008" cy="6858000"/>
+          </a:xfrm>
+          <a:prstGeom prst="rect">
+            <a:avLst/>
+          </a:prstGeom>
+          <a:solidFill>
+            <a:schemeClr val="accent1"/>
+          </a:solidFill>
+          <a:ln>
+            <a:noFill/>
+          </a:ln>
+        </p:spPr>
+        <p:style>
+          <a:lnRef idx="2">
+            <a:schemeClr val="accent1">
+              <a:shade val="50000"/>
+            </a:schemeClr>
+          </a:lnRef>
+          <a:fillRef idx="1">
+            <a:schemeClr val="accent1"/>
+          </a:fillRef>
+          <a:effectRef idx="0">
+            <a:schemeClr val="accent1"/>
+          </a:effectRef>
+          <a:fontRef idx="minor">
+            <a:schemeClr val="lt1"/>
+          </a:fontRef>
+        </p:style>
+      </p:sp>
+      <p:sp>
+        <p:nvSpPr>
+          <p:cNvPr id="3" name="Content Placeholder 2"/>
+          <p:cNvSpPr>
+            <a:spLocks noGrp="1"/>
+          </p:cNvSpPr>
+          <p:nvPr>
+            <p:ph idx="1"/>
+          </p:nvPr>
+        </p:nvSpPr>
+        <p:spPr>
+          <a:xfrm>
+            <a:off x="4742016" y="605896"/>
+            <a:ext cx="6413663" cy="5646208"/>
+          </a:xfrm>
+        </p:spPr>
+        <p:txBody>
+          <a:bodyPr anchor="ctr">
+            <a:normAutofit/>
+          </a:bodyPr>
+          <a:lstStyle/>
+          <a:p>
+            <a:r>
+              <a:rPr lang="en-US" b="1"/>
               <a:t>Type of data:</a:t>
             </a:r>
             <a:r>
-              <a:rPr lang="en-US" sz="2400" dirty="0"/>
+              <a:rPr lang="en-US"/>
               <a:t> Government</a:t>
             </a:r>
             <a:br>
-              <a:rPr lang="en-US" sz="2400" dirty="0"/>
+              <a:rPr lang="en-US"/>
             </a:br>
             <a:r>
-              <a:rPr lang="en-US" sz="2400" b="1" dirty="0"/>
+              <a:rPr lang="en-US" b="1"/>
               <a:t>Data compiled by:</a:t>
             </a:r>
             <a:r>
-              <a:rPr lang="en-US" sz="2400" dirty="0"/>
+              <a:rPr lang="en-US"/>
               <a:t> US Federal Government</a:t>
             </a:r>
             <a:br>
-              <a:rPr lang="en-US" sz="2400" dirty="0"/>
+              <a:rPr lang="en-US"/>
             </a:br>
             <a:r>
-              <a:rPr lang="en-US" sz="2400" b="1" dirty="0"/>
+              <a:rPr lang="en-US" b="1"/>
               <a:t>Access:</a:t>
             </a:r>
             <a:r>
-              <a:rPr lang="en-US" sz="2400" dirty="0"/>
-              <a:t> Free, no registration </a:t>
-            </a:r>
-            <a:r>
-              <a:rPr lang="en-US" sz="2400" dirty="0" smtClean="0"/>
-              <a:t>required</a:t>
-            </a:r>
-          </a:p>
-          <a:p>
-            <a:r>
-              <a:rPr lang="en-US" sz="2400" b="1" dirty="0" smtClean="0"/>
-              <a:t>URL</a:t>
-            </a:r>
-            <a:r>
-              <a:rPr lang="en-US" sz="2400" b="1" dirty="0"/>
-              <a:t>: </a:t>
-            </a:r>
-            <a:r>
-              <a:rPr lang="en-US" sz="2400" dirty="0">
+              <a:rPr lang="en-US"/>
+              <a:t> Free, no registration required</a:t>
+            </a:r>
+          </a:p>
+          <a:p>
+            <a:r>
+              <a:rPr lang="en-US" b="1"/>
+              <a:t>URL: </a:t>
+            </a:r>
+            <a:r>
+              <a:rPr lang="en-US">
                 <a:hlinkClick r:id="rId2"/>
               </a:rPr>
-              <a:t>https://www.data.gov</a:t>
-            </a:r>
-            <a:r>
-              <a:rPr lang="en-US" sz="2400" dirty="0" smtClean="0">
-                <a:hlinkClick r:id="rId2"/>
-              </a:rPr>
-              <a:t>/</a:t>
-            </a:r>
-            <a:endParaRPr lang="en-US" sz="2400" dirty="0" smtClean="0"/>
-          </a:p>
-          <a:p>
-            <a:r>
-              <a:rPr lang="en-US" sz="2400" dirty="0"/>
-              <a:t/>
-            </a:r>
+              <a:t>https://www.data.gov/</a:t>
+            </a:r>
+            <a:endParaRPr lang="en-US"/>
+          </a:p>
+          <a:p>
             <a:br>
-              <a:rPr lang="en-US" sz="2400" dirty="0"/>
+              <a:rPr lang="en-US"/>
             </a:br>
             <a:r>
-              <a:rPr lang="en-US" sz="2400" dirty="0" smtClean="0"/>
-              <a:t>In </a:t>
-            </a:r>
-            <a:r>
-              <a:rPr lang="en-US" sz="2400" dirty="0"/>
-              <a:t>2015, the US Government made all its data publicly available. With over 200,000 datasets covering everything from climate change to crime, you can lose yourself in the database for hours. For a government website, it has some surprisingly user-friendly search functions, including the ability to drill down by geographical area, organization type, and file format. Search results are also clearly labeled at federal, state, county, and city levels. </a:t>
-            </a:r>
-            <a:endParaRPr lang="en-US" sz="2400" dirty="0" smtClean="0"/>
-          </a:p>
-          <a:p>
-            <a:r>
-              <a:rPr lang="en-US" sz="2400" b="1" dirty="0" smtClean="0"/>
+              <a:rPr lang="en-US"/>
+              <a:t>In 2015, the US Government made all its data publicly available. With over 200,000 datasets covering everything from climate change to crime, you can lose yourself in the database for hours. For a government website, it has some surprisingly user-friendly search functions, including the ability to drill down by geographical area, organization type, and file format. Search results are also clearly labeled at federal, state, county, and city levels. </a:t>
+            </a:r>
+          </a:p>
+          <a:p>
+            <a:r>
+              <a:rPr lang="en-US" b="1"/>
               <a:t>Example:</a:t>
             </a:r>
             <a:r>
-              <a:rPr lang="en-US" sz="2400" dirty="0"/>
+              <a:rPr lang="en-US"/>
               <a:t> </a:t>
             </a:r>
             <a:r>
-              <a:rPr lang="en-US" sz="2400" dirty="0">
+              <a:rPr lang="en-US">
                 <a:hlinkClick r:id="rId3"/>
               </a:rPr>
               <a:t>School Survey on Crime and Safety, 2010</a:t>
             </a:r>
-            <a:endParaRPr lang="en-US" sz="2400" dirty="0"/>
-          </a:p>
-          <a:p>
-            <a:endParaRPr lang="en-US" sz="2400" dirty="0"/>
-          </a:p>
-          <a:p>
-            <a:endParaRPr lang="en-US" sz="2400" dirty="0"/>
+            <a:endParaRPr lang="en-US"/>
+          </a:p>
+          <a:p>
+            <a:endParaRPr lang="en-US"/>
+          </a:p>
+          <a:p>
+            <a:endParaRPr lang="en-US"/>
           </a:p>
         </p:txBody>
       </p:sp>
@@ -4515,19 +8325,20 @@
   <p:clrMapOvr>
     <a:masterClrMapping/>
   </p:clrMapOvr>
-  <p:timing>
-    <p:tnLst>
-      <p:par>
-        <p:cTn id="1" dur="indefinite" restart="never" nodeType="tmRoot"/>
-      </p:par>
-    </p:tnLst>
-  </p:timing>
 </p:sld>
 </file>
 
 <file path=ppt/slides/slide6.xml><?xml version="1.0" encoding="utf-8"?>
 <p:sld xmlns:a="http://schemas.openxmlformats.org/drawingml/2006/main" xmlns:r="http://schemas.openxmlformats.org/officeDocument/2006/relationships" xmlns:p="http://schemas.openxmlformats.org/presentationml/2006/main">
   <p:cSld>
+    <p:bg>
+      <p:bgPr>
+        <a:solidFill>
+          <a:schemeClr val="bg1"/>
+        </a:solidFill>
+        <a:effectLst/>
+      </p:bgPr>
+    </p:bg>
     <p:spTree>
       <p:nvGrpSpPr>
         <p:cNvPr id="1" name=""/>
@@ -4542,6 +8353,121 @@
           <a:chExt cx="0" cy="0"/>
         </a:xfrm>
       </p:grpSpPr>
+      <p:sp useBgFill="1">
+        <p:nvSpPr>
+          <p:cNvPr id="8" name="Rectangle 7">
+            <a:extLst>
+              <a:ext uri="{FF2B5EF4-FFF2-40B4-BE49-F238E27FC236}">
+                <a16:creationId xmlns:a16="http://schemas.microsoft.com/office/drawing/2014/main" id="{3741B58E-3B65-4A01-A276-975AB2CF8A08}"/>
+              </a:ext>
+              <a:ext uri="{C183D7F6-B498-43B3-948B-1728B52AA6E4}">
+                <adec:decorative xmlns:adec="http://schemas.microsoft.com/office/drawing/2017/decorative" val="1"/>
+              </a:ext>
+            </a:extLst>
+          </p:cNvPr>
+          <p:cNvSpPr>
+            <a:spLocks noGrp="1" noRot="1" noChangeAspect="1" noMove="1" noResize="1" noEditPoints="1" noAdjustHandles="1" noChangeArrowheads="1" noChangeShapeType="1" noTextEdit="1"/>
+          </p:cNvSpPr>
+          <p:nvPr>
+            <p:extLst>
+              <p:ext uri="{386F3935-93C4-4BCD-93E2-E3B085C9AB24}">
+                <p16:designElem xmlns:p16="http://schemas.microsoft.com/office/powerpoint/2015/main" val="1"/>
+              </p:ext>
+            </p:extLst>
+          </p:nvPr>
+        </p:nvSpPr>
+        <p:spPr>
+          <a:xfrm>
+            <a:off x="0" y="0"/>
+            <a:ext cx="12186315" cy="6858000"/>
+          </a:xfrm>
+          <a:prstGeom prst="rect">
+            <a:avLst/>
+          </a:prstGeom>
+          <a:ln>
+            <a:noFill/>
+          </a:ln>
+        </p:spPr>
+        <p:style>
+          <a:lnRef idx="2">
+            <a:schemeClr val="accent6">
+              <a:shade val="50000"/>
+            </a:schemeClr>
+          </a:lnRef>
+          <a:fillRef idx="1001">
+            <a:schemeClr val="lt1"/>
+          </a:fillRef>
+          <a:effectRef idx="0">
+            <a:schemeClr val="accent6"/>
+          </a:effectRef>
+          <a:fontRef idx="minor">
+            <a:schemeClr val="lt1"/>
+          </a:fontRef>
+        </p:style>
+        <p:txBody>
+          <a:bodyPr rtlCol="0" anchor="ctr"/>
+          <a:lstStyle/>
+          <a:p>
+            <a:pPr algn="ctr"/>
+            <a:endParaRPr lang="en-US"/>
+          </a:p>
+        </p:txBody>
+      </p:sp>
+      <p:sp>
+        <p:nvSpPr>
+          <p:cNvPr id="10" name="Rectangle 9">
+            <a:extLst>
+              <a:ext uri="{FF2B5EF4-FFF2-40B4-BE49-F238E27FC236}">
+                <a16:creationId xmlns:a16="http://schemas.microsoft.com/office/drawing/2014/main" id="{7AAC67C3-831B-4AB1-A259-DFB839CAFAFC}"/>
+              </a:ext>
+              <a:ext uri="{C183D7F6-B498-43B3-948B-1728B52AA6E4}">
+                <adec:decorative xmlns:adec="http://schemas.microsoft.com/office/drawing/2017/decorative" val="1"/>
+              </a:ext>
+            </a:extLst>
+          </p:cNvPr>
+          <p:cNvSpPr>
+            <a:spLocks noGrp="1" noRot="1" noChangeAspect="1" noMove="1" noResize="1" noEditPoints="1" noAdjustHandles="1" noChangeArrowheads="1" noChangeShapeType="1" noTextEdit="1"/>
+          </p:cNvSpPr>
+          <p:nvPr>
+            <p:extLst>
+              <p:ext uri="{386F3935-93C4-4BCD-93E2-E3B085C9AB24}">
+                <p16:designElem xmlns:p16="http://schemas.microsoft.com/office/powerpoint/2015/main" val="1"/>
+              </p:ext>
+            </p:extLst>
+          </p:nvPr>
+        </p:nvSpPr>
+        <p:spPr>
+          <a:xfrm>
+            <a:off x="16" y="0"/>
+            <a:ext cx="4050791" cy="6858000"/>
+          </a:xfrm>
+          <a:prstGeom prst="rect">
+            <a:avLst/>
+          </a:prstGeom>
+          <a:solidFill>
+            <a:schemeClr val="accent2"/>
+          </a:solidFill>
+          <a:ln>
+            <a:noFill/>
+          </a:ln>
+        </p:spPr>
+        <p:style>
+          <a:lnRef idx="2">
+            <a:schemeClr val="accent1">
+              <a:shade val="50000"/>
+            </a:schemeClr>
+          </a:lnRef>
+          <a:fillRef idx="1">
+            <a:schemeClr val="accent1"/>
+          </a:fillRef>
+          <a:effectRef idx="0">
+            <a:schemeClr val="accent1"/>
+          </a:effectRef>
+          <a:fontRef idx="minor">
+            <a:schemeClr val="lt1"/>
+          </a:fontRef>
+        </p:style>
+      </p:sp>
       <p:sp>
         <p:nvSpPr>
           <p:cNvPr id="2" name="Title 1"/>
@@ -4552,130 +8478,185 @@
             <p:ph type="title"/>
           </p:nvPr>
         </p:nvSpPr>
-        <p:spPr/>
+        <p:spPr>
+          <a:xfrm>
+            <a:off x="492370" y="605896"/>
+            <a:ext cx="3084844" cy="5646208"/>
+          </a:xfrm>
+        </p:spPr>
         <p:txBody>
-          <a:bodyPr/>
-          <a:lstStyle/>
-          <a:p>
-            <a:r>
-              <a:rPr lang="en-US" dirty="0" smtClean="0"/>
-              <a:t>Datahub.io</a:t>
-            </a:r>
-            <a:endParaRPr lang="en-US" dirty="0"/>
-          </a:p>
-        </p:txBody>
-      </p:sp>
-      <p:sp>
-        <p:nvSpPr>
-          <p:cNvPr id="3" name="Content Placeholder 2"/>
-          <p:cNvSpPr>
-            <a:spLocks noGrp="1"/>
-          </p:cNvSpPr>
-          <p:nvPr>
-            <p:ph idx="1"/>
-          </p:nvPr>
-        </p:nvSpPr>
-        <p:spPr/>
-        <p:txBody>
-          <a:bodyPr>
+          <a:bodyPr anchor="ctr">
             <a:normAutofit/>
           </a:bodyPr>
           <a:lstStyle/>
           <a:p>
             <a:r>
-              <a:rPr lang="en-US" sz="2400" b="1" dirty="0"/>
+              <a:rPr lang="en-US" sz="3600">
+                <a:solidFill>
+                  <a:srgbClr val="FFFFFF"/>
+                </a:solidFill>
+              </a:rPr>
+              <a:t>Datahub.io</a:t>
+            </a:r>
+          </a:p>
+        </p:txBody>
+      </p:sp>
+      <p:sp>
+        <p:nvSpPr>
+          <p:cNvPr id="12" name="Rectangle 11">
+            <a:extLst>
+              <a:ext uri="{FF2B5EF4-FFF2-40B4-BE49-F238E27FC236}">
+                <a16:creationId xmlns:a16="http://schemas.microsoft.com/office/drawing/2014/main" id="{054B3F04-9EAC-45C0-B3CE-0387EEA10A0C}"/>
+              </a:ext>
+              <a:ext uri="{C183D7F6-B498-43B3-948B-1728B52AA6E4}">
+                <adec:decorative xmlns:adec="http://schemas.microsoft.com/office/drawing/2017/decorative" val="1"/>
+              </a:ext>
+            </a:extLst>
+          </p:cNvPr>
+          <p:cNvSpPr>
+            <a:spLocks noGrp="1" noRot="1" noChangeAspect="1" noMove="1" noResize="1" noEditPoints="1" noAdjustHandles="1" noChangeArrowheads="1" noChangeShapeType="1" noTextEdit="1"/>
+          </p:cNvSpPr>
+          <p:nvPr>
+            <p:extLst>
+              <p:ext uri="{386F3935-93C4-4BCD-93E2-E3B085C9AB24}">
+                <p16:designElem xmlns:p16="http://schemas.microsoft.com/office/powerpoint/2015/main" val="1"/>
+              </p:ext>
+            </p:extLst>
+          </p:nvPr>
+        </p:nvSpPr>
+        <p:spPr>
+          <a:xfrm>
+            <a:off x="4040071" y="0"/>
+            <a:ext cx="64008" cy="6858000"/>
+          </a:xfrm>
+          <a:prstGeom prst="rect">
+            <a:avLst/>
+          </a:prstGeom>
+          <a:solidFill>
+            <a:schemeClr val="accent1"/>
+          </a:solidFill>
+          <a:ln>
+            <a:noFill/>
+          </a:ln>
+        </p:spPr>
+        <p:style>
+          <a:lnRef idx="2">
+            <a:schemeClr val="accent1">
+              <a:shade val="50000"/>
+            </a:schemeClr>
+          </a:lnRef>
+          <a:fillRef idx="1">
+            <a:schemeClr val="accent1"/>
+          </a:fillRef>
+          <a:effectRef idx="0">
+            <a:schemeClr val="accent1"/>
+          </a:effectRef>
+          <a:fontRef idx="minor">
+            <a:schemeClr val="lt1"/>
+          </a:fontRef>
+        </p:style>
+      </p:sp>
+      <p:sp>
+        <p:nvSpPr>
+          <p:cNvPr id="3" name="Content Placeholder 2"/>
+          <p:cNvSpPr>
+            <a:spLocks noGrp="1"/>
+          </p:cNvSpPr>
+          <p:nvPr>
+            <p:ph idx="1"/>
+          </p:nvPr>
+        </p:nvSpPr>
+        <p:spPr>
+          <a:xfrm>
+            <a:off x="4742016" y="605896"/>
+            <a:ext cx="6413663" cy="5646208"/>
+          </a:xfrm>
+        </p:spPr>
+        <p:txBody>
+          <a:bodyPr anchor="ctr">
+            <a:normAutofit/>
+          </a:bodyPr>
+          <a:lstStyle/>
+          <a:p>
+            <a:r>
+              <a:rPr lang="en-US" b="1"/>
               <a:t>Type of data:</a:t>
             </a:r>
             <a:r>
-              <a:rPr lang="en-US" sz="2400" dirty="0"/>
+              <a:rPr lang="en-US"/>
               <a:t> Mostly business and finance</a:t>
             </a:r>
             <a:br>
-              <a:rPr lang="en-US" sz="2400" dirty="0"/>
+              <a:rPr lang="en-US"/>
             </a:br>
             <a:r>
-              <a:rPr lang="en-US" sz="2400" b="1" dirty="0"/>
+              <a:rPr lang="en-US" b="1"/>
               <a:t>Data compiled by:</a:t>
             </a:r>
             <a:r>
-              <a:rPr lang="en-US" sz="2400" dirty="0"/>
+              <a:rPr lang="en-US"/>
               <a:t> </a:t>
             </a:r>
             <a:r>
-              <a:rPr lang="en-US" sz="2400" dirty="0" err="1"/>
+              <a:rPr lang="en-US" err="1"/>
               <a:t>Datahub</a:t>
             </a:r>
-            <a:r>
-              <a:rPr lang="en-US" sz="2400" dirty="0"/>
-              <a:t/>
-            </a:r>
             <a:br>
-              <a:rPr lang="en-US" sz="2400" dirty="0"/>
+              <a:rPr lang="en-US"/>
             </a:br>
             <a:r>
-              <a:rPr lang="en-US" sz="2400" b="1" dirty="0"/>
+              <a:rPr lang="en-US" b="1"/>
               <a:t>Access:</a:t>
             </a:r>
             <a:r>
-              <a:rPr lang="en-US" sz="2400" dirty="0"/>
-              <a:t> Mostly free, no registration </a:t>
-            </a:r>
-            <a:r>
-              <a:rPr lang="en-US" sz="2400" dirty="0" smtClean="0"/>
-              <a:t>required</a:t>
-            </a:r>
-            <a:endParaRPr lang="en-US" sz="2400" b="1" dirty="0" smtClean="0"/>
-          </a:p>
-          <a:p>
-            <a:r>
-              <a:rPr lang="en-US" sz="2400" b="1" dirty="0"/>
+              <a:rPr lang="en-US"/>
+              <a:t> Mostly free, no registration required</a:t>
+            </a:r>
+            <a:endParaRPr lang="en-US" b="1"/>
+          </a:p>
+          <a:p>
+            <a:r>
+              <a:rPr lang="en-US" b="1"/>
               <a:t>URL: </a:t>
             </a:r>
             <a:r>
-              <a:rPr lang="en-US" sz="2400" b="1" dirty="0">
+              <a:rPr lang="en-US" b="1">
                 <a:hlinkClick r:id="rId2"/>
               </a:rPr>
-              <a:t>https://</a:t>
-            </a:r>
-            <a:r>
-              <a:rPr lang="en-US" sz="2400" b="1" dirty="0" smtClean="0">
-                <a:hlinkClick r:id="rId2"/>
-              </a:rPr>
-              <a:t>datahub.io/collections</a:t>
-            </a:r>
-            <a:endParaRPr lang="en-US" sz="2400" dirty="0"/>
-          </a:p>
-          <a:p>
-            <a:r>
-              <a:rPr lang="en-US" sz="2400" dirty="0"/>
+              <a:t>https://datahub.io/collections</a:t>
+            </a:r>
+            <a:endParaRPr lang="en-US"/>
+          </a:p>
+          <a:p>
+            <a:r>
+              <a:rPr lang="en-US"/>
               <a:t>The goal of many data analysts is to help drive savvy business decisions. As such, using economic or business datasets for your portfolio project might be worth considering. While </a:t>
             </a:r>
             <a:r>
-              <a:rPr lang="en-US" sz="2400" dirty="0" err="1"/>
+              <a:rPr lang="en-US" err="1"/>
               <a:t>Datahub</a:t>
             </a:r>
             <a:r>
-              <a:rPr lang="en-US" sz="2400" dirty="0"/>
+              <a:rPr lang="en-US"/>
               <a:t> covers a variety of topics from climate change to entertainment, it mainly focuses on areas like stock market data, property prices, inflation, and logistics. </a:t>
             </a:r>
-            <a:endParaRPr lang="en-US" sz="2400" dirty="0" smtClean="0"/>
-          </a:p>
-          <a:p>
-            <a:r>
-              <a:rPr lang="en-US" sz="2400" b="1" dirty="0" smtClean="0"/>
+          </a:p>
+          <a:p>
+            <a:r>
+              <a:rPr lang="en-US" b="1"/>
               <a:t>Example:</a:t>
             </a:r>
             <a:r>
-              <a:rPr lang="en-US" sz="2400" dirty="0"/>
+              <a:rPr lang="en-US"/>
               <a:t> </a:t>
             </a:r>
             <a:r>
-              <a:rPr lang="en-US" sz="2400" b="1" dirty="0">
+              <a:rPr lang="en-US" b="1">
                 <a:hlinkClick r:id="rId3"/>
               </a:rPr>
               <a:t>Monthly gold prices since 1950</a:t>
             </a:r>
-            <a:endParaRPr lang="en-US" sz="2400" dirty="0"/>
+            <a:endParaRPr lang="en-US"/>
           </a:p>
         </p:txBody>
       </p:sp>
@@ -4689,19 +8670,20 @@
   <p:clrMapOvr>
     <a:masterClrMapping/>
   </p:clrMapOvr>
-  <p:timing>
-    <p:tnLst>
-      <p:par>
-        <p:cTn id="1" dur="indefinite" restart="never" nodeType="tmRoot"/>
-      </p:par>
-    </p:tnLst>
-  </p:timing>
 </p:sld>
 </file>
 
 <file path=ppt/slides/slide7.xml><?xml version="1.0" encoding="utf-8"?>
 <p:sld xmlns:a="http://schemas.openxmlformats.org/drawingml/2006/main" xmlns:r="http://schemas.openxmlformats.org/officeDocument/2006/relationships" xmlns:p="http://schemas.openxmlformats.org/presentationml/2006/main">
   <p:cSld>
+    <p:bg>
+      <p:bgPr>
+        <a:solidFill>
+          <a:schemeClr val="bg1"/>
+        </a:solidFill>
+        <a:effectLst/>
+      </p:bgPr>
+    </p:bg>
     <p:spTree>
       <p:nvGrpSpPr>
         <p:cNvPr id="1" name=""/>
@@ -4716,6 +8698,121 @@
           <a:chExt cx="0" cy="0"/>
         </a:xfrm>
       </p:grpSpPr>
+      <p:sp useBgFill="1">
+        <p:nvSpPr>
+          <p:cNvPr id="8" name="Rectangle 7">
+            <a:extLst>
+              <a:ext uri="{FF2B5EF4-FFF2-40B4-BE49-F238E27FC236}">
+                <a16:creationId xmlns:a16="http://schemas.microsoft.com/office/drawing/2014/main" id="{3741B58E-3B65-4A01-A276-975AB2CF8A08}"/>
+              </a:ext>
+              <a:ext uri="{C183D7F6-B498-43B3-948B-1728B52AA6E4}">
+                <adec:decorative xmlns:adec="http://schemas.microsoft.com/office/drawing/2017/decorative" val="1"/>
+              </a:ext>
+            </a:extLst>
+          </p:cNvPr>
+          <p:cNvSpPr>
+            <a:spLocks noGrp="1" noRot="1" noChangeAspect="1" noMove="1" noResize="1" noEditPoints="1" noAdjustHandles="1" noChangeArrowheads="1" noChangeShapeType="1" noTextEdit="1"/>
+          </p:cNvSpPr>
+          <p:nvPr>
+            <p:extLst>
+              <p:ext uri="{386F3935-93C4-4BCD-93E2-E3B085C9AB24}">
+                <p16:designElem xmlns:p16="http://schemas.microsoft.com/office/powerpoint/2015/main" val="1"/>
+              </p:ext>
+            </p:extLst>
+          </p:nvPr>
+        </p:nvSpPr>
+        <p:spPr>
+          <a:xfrm>
+            <a:off x="0" y="0"/>
+            <a:ext cx="12186315" cy="6858000"/>
+          </a:xfrm>
+          <a:prstGeom prst="rect">
+            <a:avLst/>
+          </a:prstGeom>
+          <a:ln>
+            <a:noFill/>
+          </a:ln>
+        </p:spPr>
+        <p:style>
+          <a:lnRef idx="2">
+            <a:schemeClr val="accent6">
+              <a:shade val="50000"/>
+            </a:schemeClr>
+          </a:lnRef>
+          <a:fillRef idx="1001">
+            <a:schemeClr val="lt1"/>
+          </a:fillRef>
+          <a:effectRef idx="0">
+            <a:schemeClr val="accent6"/>
+          </a:effectRef>
+          <a:fontRef idx="minor">
+            <a:schemeClr val="lt1"/>
+          </a:fontRef>
+        </p:style>
+        <p:txBody>
+          <a:bodyPr rtlCol="0" anchor="ctr"/>
+          <a:lstStyle/>
+          <a:p>
+            <a:pPr algn="ctr"/>
+            <a:endParaRPr lang="en-US"/>
+          </a:p>
+        </p:txBody>
+      </p:sp>
+      <p:sp>
+        <p:nvSpPr>
+          <p:cNvPr id="10" name="Rectangle 9">
+            <a:extLst>
+              <a:ext uri="{FF2B5EF4-FFF2-40B4-BE49-F238E27FC236}">
+                <a16:creationId xmlns:a16="http://schemas.microsoft.com/office/drawing/2014/main" id="{7AAC67C3-831B-4AB1-A259-DFB839CAFAFC}"/>
+              </a:ext>
+              <a:ext uri="{C183D7F6-B498-43B3-948B-1728B52AA6E4}">
+                <adec:decorative xmlns:adec="http://schemas.microsoft.com/office/drawing/2017/decorative" val="1"/>
+              </a:ext>
+            </a:extLst>
+          </p:cNvPr>
+          <p:cNvSpPr>
+            <a:spLocks noGrp="1" noRot="1" noChangeAspect="1" noMove="1" noResize="1" noEditPoints="1" noAdjustHandles="1" noChangeArrowheads="1" noChangeShapeType="1" noTextEdit="1"/>
+          </p:cNvSpPr>
+          <p:nvPr>
+            <p:extLst>
+              <p:ext uri="{386F3935-93C4-4BCD-93E2-E3B085C9AB24}">
+                <p16:designElem xmlns:p16="http://schemas.microsoft.com/office/powerpoint/2015/main" val="1"/>
+              </p:ext>
+            </p:extLst>
+          </p:nvPr>
+        </p:nvSpPr>
+        <p:spPr>
+          <a:xfrm>
+            <a:off x="16" y="0"/>
+            <a:ext cx="4050791" cy="6858000"/>
+          </a:xfrm>
+          <a:prstGeom prst="rect">
+            <a:avLst/>
+          </a:prstGeom>
+          <a:solidFill>
+            <a:schemeClr val="accent2"/>
+          </a:solidFill>
+          <a:ln>
+            <a:noFill/>
+          </a:ln>
+        </p:spPr>
+        <p:style>
+          <a:lnRef idx="2">
+            <a:schemeClr val="accent1">
+              <a:shade val="50000"/>
+            </a:schemeClr>
+          </a:lnRef>
+          <a:fillRef idx="1">
+            <a:schemeClr val="accent1"/>
+          </a:fillRef>
+          <a:effectRef idx="0">
+            <a:schemeClr val="accent1"/>
+          </a:effectRef>
+          <a:fontRef idx="minor">
+            <a:schemeClr val="lt1"/>
+          </a:fontRef>
+        </p:style>
+      </p:sp>
       <p:sp>
         <p:nvSpPr>
           <p:cNvPr id="2" name="Title 1"/>
@@ -4726,41 +8823,107 @@
             <p:ph type="title"/>
           </p:nvPr>
         </p:nvSpPr>
-        <p:spPr/>
+        <p:spPr>
+          <a:xfrm>
+            <a:off x="492370" y="605896"/>
+            <a:ext cx="3084844" cy="5646208"/>
+          </a:xfrm>
+        </p:spPr>
         <p:txBody>
-          <a:bodyPr/>
-          <a:lstStyle/>
-          <a:p>
-            <a:r>
-              <a:rPr lang="en-US" dirty="0"/>
-              <a:t>UCI Machine Learning </a:t>
-            </a:r>
-            <a:r>
-              <a:rPr lang="en-US" dirty="0" smtClean="0"/>
-              <a:t>Repository</a:t>
-            </a:r>
-            <a:endParaRPr lang="en-US" dirty="0"/>
-          </a:p>
-        </p:txBody>
-      </p:sp>
-      <p:sp>
-        <p:nvSpPr>
-          <p:cNvPr id="3" name="Content Placeholder 2"/>
-          <p:cNvSpPr>
-            <a:spLocks noGrp="1"/>
-          </p:cNvSpPr>
-          <p:nvPr>
-            <p:ph idx="1"/>
-          </p:nvPr>
-        </p:nvSpPr>
-        <p:spPr/>
-        <p:txBody>
-          <a:bodyPr>
+          <a:bodyPr anchor="ctr">
             <a:normAutofit/>
           </a:bodyPr>
           <a:lstStyle/>
           <a:p>
             <a:r>
+              <a:rPr lang="en-US" sz="3600">
+                <a:solidFill>
+                  <a:srgbClr val="FFFFFF"/>
+                </a:solidFill>
+              </a:rPr>
+              <a:t>UCI Machine Learning Repository</a:t>
+            </a:r>
+          </a:p>
+        </p:txBody>
+      </p:sp>
+      <p:sp>
+        <p:nvSpPr>
+          <p:cNvPr id="12" name="Rectangle 11">
+            <a:extLst>
+              <a:ext uri="{FF2B5EF4-FFF2-40B4-BE49-F238E27FC236}">
+                <a16:creationId xmlns:a16="http://schemas.microsoft.com/office/drawing/2014/main" id="{054B3F04-9EAC-45C0-B3CE-0387EEA10A0C}"/>
+              </a:ext>
+              <a:ext uri="{C183D7F6-B498-43B3-948B-1728B52AA6E4}">
+                <adec:decorative xmlns:adec="http://schemas.microsoft.com/office/drawing/2017/decorative" val="1"/>
+              </a:ext>
+            </a:extLst>
+          </p:cNvPr>
+          <p:cNvSpPr>
+            <a:spLocks noGrp="1" noRot="1" noChangeAspect="1" noMove="1" noResize="1" noEditPoints="1" noAdjustHandles="1" noChangeArrowheads="1" noChangeShapeType="1" noTextEdit="1"/>
+          </p:cNvSpPr>
+          <p:nvPr>
+            <p:extLst>
+              <p:ext uri="{386F3935-93C4-4BCD-93E2-E3B085C9AB24}">
+                <p16:designElem xmlns:p16="http://schemas.microsoft.com/office/powerpoint/2015/main" val="1"/>
+              </p:ext>
+            </p:extLst>
+          </p:nvPr>
+        </p:nvSpPr>
+        <p:spPr>
+          <a:xfrm>
+            <a:off x="4040071" y="0"/>
+            <a:ext cx="64008" cy="6858000"/>
+          </a:xfrm>
+          <a:prstGeom prst="rect">
+            <a:avLst/>
+          </a:prstGeom>
+          <a:solidFill>
+            <a:schemeClr val="accent1"/>
+          </a:solidFill>
+          <a:ln>
+            <a:noFill/>
+          </a:ln>
+        </p:spPr>
+        <p:style>
+          <a:lnRef idx="2">
+            <a:schemeClr val="accent1">
+              <a:shade val="50000"/>
+            </a:schemeClr>
+          </a:lnRef>
+          <a:fillRef idx="1">
+            <a:schemeClr val="accent1"/>
+          </a:fillRef>
+          <a:effectRef idx="0">
+            <a:schemeClr val="accent1"/>
+          </a:effectRef>
+          <a:fontRef idx="minor">
+            <a:schemeClr val="lt1"/>
+          </a:fontRef>
+        </p:style>
+      </p:sp>
+      <p:sp>
+        <p:nvSpPr>
+          <p:cNvPr id="3" name="Content Placeholder 2"/>
+          <p:cNvSpPr>
+            <a:spLocks noGrp="1"/>
+          </p:cNvSpPr>
+          <p:nvPr>
+            <p:ph idx="1"/>
+          </p:nvPr>
+        </p:nvSpPr>
+        <p:spPr>
+          <a:xfrm>
+            <a:off x="4742016" y="605896"/>
+            <a:ext cx="6413663" cy="5646208"/>
+          </a:xfrm>
+        </p:spPr>
+        <p:txBody>
+          <a:bodyPr anchor="ctr">
+            <a:normAutofit/>
+          </a:bodyPr>
+          <a:lstStyle/>
+          <a:p>
+            <a:r>
               <a:rPr lang="en-US" b="1" dirty="0"/>
               <a:t>Type of data:</a:t>
             </a:r>
@@ -4788,63 +8951,32 @@
             </a:r>
             <a:r>
               <a:rPr lang="en-US" dirty="0"/>
-              <a:t> Free, no registration </a:t>
-            </a:r>
-            <a:r>
-              <a:rPr lang="en-US" dirty="0" smtClean="0"/>
-              <a:t>required</a:t>
-            </a:r>
-          </a:p>
-          <a:p>
-            <a:r>
-              <a:rPr lang="en-US" b="1" dirty="0" smtClean="0"/>
-              <a:t>URL</a:t>
-            </a:r>
+              <a:t> Free, no registration required</a:t>
+            </a:r>
+          </a:p>
+          <a:p>
             <a:r>
               <a:rPr lang="en-US" b="1" dirty="0"/>
-              <a:t>: </a:t>
+              <a:t>URL: </a:t>
             </a:r>
             <a:r>
               <a:rPr lang="en-US" dirty="0">
                 <a:hlinkClick r:id="rId2"/>
               </a:rPr>
-              <a:t>https://</a:t>
-            </a:r>
-            <a:r>
-              <a:rPr lang="en-US" dirty="0" smtClean="0">
-                <a:hlinkClick r:id="rId2"/>
-              </a:rPr>
-              <a:t>archive.ics.uci.edu/ml/datasets.php</a:t>
+              <a:t>https://archive.ics.uci.edu/ml/datasets.php</a:t>
             </a:r>
             <a:endParaRPr lang="en-US" dirty="0"/>
           </a:p>
           <a:p>
             <a:r>
-              <a:rPr lang="en-US" dirty="0" smtClean="0"/>
-              <a:t>Generalized </a:t>
-            </a:r>
-            <a:r>
               <a:rPr lang="en-US" dirty="0"/>
-              <a:t>repositories are great if you’re happy to browse. But if you’re seeking something more niche, why not specialize? Enter the UCI Machine Learning Repository. Launched thirty years ago by the University of California Irvine, </a:t>
-            </a:r>
-            <a:r>
-              <a:rPr lang="en-US" dirty="0" smtClean="0"/>
-              <a:t>UCI </a:t>
-            </a:r>
-            <a:r>
-              <a:rPr lang="en-US" dirty="0"/>
-              <a:t>repository has a strong reputation among students, teachers, and researchers as the go-to place for machine learning data. Datasets are clearly categorized by task (i.e. classification, regression, or clustering), attribute (i.e. categorical, numerical), data type, and area of expertise. </a:t>
-            </a:r>
-            <a:endParaRPr lang="en-US" dirty="0" smtClean="0"/>
-          </a:p>
-          <a:p>
-            <a:r>
-              <a:rPr lang="en-US" b="1" dirty="0" smtClean="0"/>
-              <a:t>Example</a:t>
-            </a:r>
+              <a:t>Generalized repositories are great if you’re happy to browse. But if you’re seeking something more niche, why not specialize? Enter the UCI Machine Learning Repository. Launched thirty years ago by the University of California Irvine, UCI repository has a strong reputation among students, teachers, and researchers as the go-to place for machine learning data. Datasets are clearly categorized by task (i.e. classification, regression, or clustering), attribute (i.e. categorical, numerical), data type, and area of expertise. </a:t>
+            </a:r>
+          </a:p>
+          <a:p>
             <a:r>
               <a:rPr lang="en-US" b="1" dirty="0"/>
-              <a:t>:</a:t>
+              <a:t>Example:</a:t>
             </a:r>
             <a:r>
               <a:rPr lang="en-US" dirty="0"/>
@@ -4879,6 +9011,14 @@
 <file path=ppt/slides/slide8.xml><?xml version="1.0" encoding="utf-8"?>
 <p:sld xmlns:a="http://schemas.openxmlformats.org/drawingml/2006/main" xmlns:r="http://schemas.openxmlformats.org/officeDocument/2006/relationships" xmlns:p="http://schemas.openxmlformats.org/presentationml/2006/main">
   <p:cSld>
+    <p:bg>
+      <p:bgPr>
+        <a:solidFill>
+          <a:schemeClr val="bg1"/>
+        </a:solidFill>
+        <a:effectLst/>
+      </p:bgPr>
+    </p:bg>
     <p:spTree>
       <p:nvGrpSpPr>
         <p:cNvPr id="1" name=""/>
@@ -4895,6 +9035,231 @@
       </p:grpSpPr>
       <p:sp>
         <p:nvSpPr>
+          <p:cNvPr id="10" name="Rectangle 9">
+            <a:extLst>
+              <a:ext uri="{FF2B5EF4-FFF2-40B4-BE49-F238E27FC236}">
+                <a16:creationId xmlns:a16="http://schemas.microsoft.com/office/drawing/2014/main" id="{52C0B2E1-0268-42EC-ABD3-94F81A05BCBD}"/>
+              </a:ext>
+              <a:ext uri="{C183D7F6-B498-43B3-948B-1728B52AA6E4}">
+                <adec:decorative xmlns:adec="http://schemas.microsoft.com/office/drawing/2017/decorative" val="1"/>
+              </a:ext>
+            </a:extLst>
+          </p:cNvPr>
+          <p:cNvSpPr>
+            <a:spLocks noGrp="1" noRot="1" noChangeAspect="1" noMove="1" noResize="1" noEditPoints="1" noAdjustHandles="1" noChangeArrowheads="1" noChangeShapeType="1" noTextEdit="1"/>
+          </p:cNvSpPr>
+          <p:nvPr>
+            <p:extLst>
+              <p:ext uri="{386F3935-93C4-4BCD-93E2-E3B085C9AB24}">
+                <p16:designElem xmlns:p16="http://schemas.microsoft.com/office/powerpoint/2015/main" val="1"/>
+              </p:ext>
+            </p:extLst>
+          </p:nvPr>
+        </p:nvSpPr>
+        <p:spPr>
+          <a:xfrm>
+            <a:off x="3175" y="6400800"/>
+            <a:ext cx="12188825" cy="457200"/>
+          </a:xfrm>
+          <a:prstGeom prst="rect">
+            <a:avLst/>
+          </a:prstGeom>
+          <a:solidFill>
+            <a:schemeClr val="accent2"/>
+          </a:solidFill>
+          <a:ln>
+            <a:noFill/>
+          </a:ln>
+        </p:spPr>
+        <p:style>
+          <a:lnRef idx="2">
+            <a:schemeClr val="accent1">
+              <a:shade val="50000"/>
+            </a:schemeClr>
+          </a:lnRef>
+          <a:fillRef idx="1">
+            <a:schemeClr val="accent1"/>
+          </a:fillRef>
+          <a:effectRef idx="0">
+            <a:schemeClr val="accent1"/>
+          </a:effectRef>
+          <a:fontRef idx="minor">
+            <a:schemeClr val="lt1"/>
+          </a:fontRef>
+        </p:style>
+      </p:sp>
+      <p:sp>
+        <p:nvSpPr>
+          <p:cNvPr id="12" name="Rectangle 11">
+            <a:extLst>
+              <a:ext uri="{FF2B5EF4-FFF2-40B4-BE49-F238E27FC236}">
+                <a16:creationId xmlns:a16="http://schemas.microsoft.com/office/drawing/2014/main" id="{7D2256B4-48EA-40FC-BBC0-AA1EE6E0080C}"/>
+              </a:ext>
+              <a:ext uri="{C183D7F6-B498-43B3-948B-1728B52AA6E4}">
+                <adec:decorative xmlns:adec="http://schemas.microsoft.com/office/drawing/2017/decorative" val="1"/>
+              </a:ext>
+            </a:extLst>
+          </p:cNvPr>
+          <p:cNvSpPr>
+            <a:spLocks noGrp="1" noRot="1" noChangeAspect="1" noMove="1" noResize="1" noEditPoints="1" noAdjustHandles="1" noChangeArrowheads="1" noChangeShapeType="1" noTextEdit="1"/>
+          </p:cNvSpPr>
+          <p:nvPr>
+            <p:extLst>
+              <p:ext uri="{386F3935-93C4-4BCD-93E2-E3B085C9AB24}">
+                <p16:designElem xmlns:p16="http://schemas.microsoft.com/office/powerpoint/2015/main" val="1"/>
+              </p:ext>
+            </p:extLst>
+          </p:nvPr>
+        </p:nvSpPr>
+        <p:spPr>
+          <a:xfrm>
+            <a:off x="15" y="6334316"/>
+            <a:ext cx="12188825" cy="64008"/>
+          </a:xfrm>
+          <a:prstGeom prst="rect">
+            <a:avLst/>
+          </a:prstGeom>
+          <a:solidFill>
+            <a:schemeClr val="accent1"/>
+          </a:solidFill>
+          <a:ln>
+            <a:noFill/>
+          </a:ln>
+        </p:spPr>
+        <p:style>
+          <a:lnRef idx="2">
+            <a:schemeClr val="accent1">
+              <a:shade val="50000"/>
+            </a:schemeClr>
+          </a:lnRef>
+          <a:fillRef idx="1">
+            <a:schemeClr val="accent1"/>
+          </a:fillRef>
+          <a:effectRef idx="0">
+            <a:schemeClr val="accent1"/>
+          </a:effectRef>
+          <a:fontRef idx="minor">
+            <a:schemeClr val="lt1"/>
+          </a:fontRef>
+        </p:style>
+      </p:sp>
+      <p:cxnSp>
+        <p:nvCxnSpPr>
+          <p:cNvPr id="14" name="Straight Connector 13">
+            <a:extLst>
+              <a:ext uri="{FF2B5EF4-FFF2-40B4-BE49-F238E27FC236}">
+                <a16:creationId xmlns:a16="http://schemas.microsoft.com/office/drawing/2014/main" id="{3D44BCCA-102D-4A9D-B1E4-2450CAF0B05E}"/>
+              </a:ext>
+              <a:ext uri="{C183D7F6-B498-43B3-948B-1728B52AA6E4}">
+                <adec:decorative xmlns:adec="http://schemas.microsoft.com/office/drawing/2017/decorative" val="1"/>
+              </a:ext>
+            </a:extLst>
+          </p:cNvPr>
+          <p:cNvCxnSpPr>
+            <a:cxnSpLocks noGrp="1" noRot="1" noChangeAspect="1" noMove="1" noResize="1" noEditPoints="1" noAdjustHandles="1" noChangeArrowheads="1" noChangeShapeType="1"/>
+          </p:cNvCxnSpPr>
+          <p:nvPr>
+            <p:extLst>
+              <p:ext uri="{386F3935-93C4-4BCD-93E2-E3B085C9AB24}">
+                <p16:designElem xmlns:p16="http://schemas.microsoft.com/office/powerpoint/2015/main" val="1"/>
+              </p:ext>
+            </p:extLst>
+          </p:nvPr>
+        </p:nvCxnSpPr>
+        <p:spPr>
+          <a:xfrm>
+            <a:off x="1207658" y="4343400"/>
+            <a:ext cx="9875520" cy="0"/>
+          </a:xfrm>
+          <a:prstGeom prst="line">
+            <a:avLst/>
+          </a:prstGeom>
+          <a:ln w="6350">
+            <a:solidFill>
+              <a:schemeClr val="tx1">
+                <a:lumMod val="50000"/>
+                <a:lumOff val="50000"/>
+              </a:schemeClr>
+            </a:solidFill>
+          </a:ln>
+        </p:spPr>
+        <p:style>
+          <a:lnRef idx="1">
+            <a:schemeClr val="accent1"/>
+          </a:lnRef>
+          <a:fillRef idx="0">
+            <a:schemeClr val="accent1"/>
+          </a:fillRef>
+          <a:effectRef idx="0">
+            <a:schemeClr val="accent1"/>
+          </a:effectRef>
+          <a:fontRef idx="minor">
+            <a:schemeClr val="tx1"/>
+          </a:fontRef>
+        </p:style>
+      </p:cxnSp>
+      <p:sp useBgFill="1">
+        <p:nvSpPr>
+          <p:cNvPr id="16" name="Rectangle 15">
+            <a:extLst>
+              <a:ext uri="{FF2B5EF4-FFF2-40B4-BE49-F238E27FC236}">
+                <a16:creationId xmlns:a16="http://schemas.microsoft.com/office/drawing/2014/main" id="{8C6E698C-8155-4B8B-BDC9-B7299772B509}"/>
+              </a:ext>
+              <a:ext uri="{C183D7F6-B498-43B3-948B-1728B52AA6E4}">
+                <adec:decorative xmlns:adec="http://schemas.microsoft.com/office/drawing/2017/decorative" val="1"/>
+              </a:ext>
+            </a:extLst>
+          </p:cNvPr>
+          <p:cNvSpPr>
+            <a:spLocks noGrp="1" noRot="1" noChangeAspect="1" noMove="1" noResize="1" noEditPoints="1" noAdjustHandles="1" noChangeArrowheads="1" noChangeShapeType="1" noTextEdit="1"/>
+          </p:cNvSpPr>
+          <p:nvPr>
+            <p:extLst>
+              <p:ext uri="{386F3935-93C4-4BCD-93E2-E3B085C9AB24}">
+                <p16:designElem xmlns:p16="http://schemas.microsoft.com/office/powerpoint/2015/main" val="1"/>
+              </p:ext>
+            </p:extLst>
+          </p:nvPr>
+        </p:nvSpPr>
+        <p:spPr>
+          <a:xfrm>
+            <a:off x="0" y="0"/>
+            <a:ext cx="12188952" cy="6858000"/>
+          </a:xfrm>
+          <a:prstGeom prst="rect">
+            <a:avLst/>
+          </a:prstGeom>
+          <a:ln>
+            <a:noFill/>
+          </a:ln>
+        </p:spPr>
+        <p:style>
+          <a:lnRef idx="2">
+            <a:schemeClr val="accent1">
+              <a:shade val="50000"/>
+            </a:schemeClr>
+          </a:lnRef>
+          <a:fillRef idx="1">
+            <a:schemeClr val="accent1"/>
+          </a:fillRef>
+          <a:effectRef idx="0">
+            <a:schemeClr val="accent1"/>
+          </a:effectRef>
+          <a:fontRef idx="minor">
+            <a:schemeClr val="lt1"/>
+          </a:fontRef>
+        </p:style>
+        <p:txBody>
+          <a:bodyPr rtlCol="0" anchor="ctr"/>
+          <a:lstStyle/>
+          <a:p>
+            <a:pPr algn="ctr"/>
+            <a:endParaRPr lang="en-US"/>
+          </a:p>
+        </p:txBody>
+      </p:sp>
+      <p:sp>
+        <p:nvSpPr>
           <p:cNvPr id="4" name="Title 3"/>
           <p:cNvSpPr>
             <a:spLocks noGrp="1"/>
@@ -4903,16 +9268,24 @@
             <p:ph type="title"/>
           </p:nvPr>
         </p:nvSpPr>
-        <p:spPr/>
+        <p:spPr>
+          <a:xfrm>
+            <a:off x="965201" y="643467"/>
+            <a:ext cx="6255026" cy="5054008"/>
+          </a:xfrm>
+        </p:spPr>
         <p:txBody>
-          <a:bodyPr/>
+          <a:bodyPr vert="horz" lIns="91440" tIns="45720" rIns="91440" bIns="45720" rtlCol="0" anchor="ctr">
+            <a:normAutofit/>
+          </a:bodyPr>
           <a:lstStyle/>
           <a:p>
-            <a:r>
-              <a:rPr lang="en-US" dirty="0" smtClean="0"/>
+            <a:pPr algn="r"/>
+            <a:r>
+              <a:rPr lang="en-US" dirty="0"/>
               <a:t>Thanks</a:t>
             </a:r>
-            <a:endParaRPr lang="en-US" dirty="0"/>
+            <a:endParaRPr lang="en-US"/>
           </a:p>
         </p:txBody>
       </p:sp>
@@ -4926,18 +9299,186 @@
             <p:ph type="body" idx="1"/>
           </p:nvPr>
         </p:nvSpPr>
-        <p:spPr/>
+        <p:spPr>
+          <a:xfrm>
+            <a:off x="7870995" y="643467"/>
+            <a:ext cx="3341488" cy="5054008"/>
+          </a:xfrm>
+        </p:spPr>
         <p:txBody>
-          <a:bodyPr/>
+          <a:bodyPr vert="horz" lIns="91440" tIns="45720" rIns="91440" bIns="45720" rtlCol="0" anchor="ctr">
+            <a:normAutofit/>
+          </a:bodyPr>
           <a:lstStyle/>
           <a:p>
             <a:r>
-              <a:rPr lang="en-US" dirty="0" smtClean="0"/>
+              <a:rPr lang="en-US" dirty="0"/>
               <a:t>Any Questions?</a:t>
             </a:r>
-            <a:endParaRPr lang="en-US" dirty="0"/>
           </a:p>
         </p:txBody>
+      </p:sp>
+      <p:cxnSp>
+        <p:nvCxnSpPr>
+          <p:cNvPr id="18" name="Straight Connector 17">
+            <a:extLst>
+              <a:ext uri="{FF2B5EF4-FFF2-40B4-BE49-F238E27FC236}">
+                <a16:creationId xmlns:a16="http://schemas.microsoft.com/office/drawing/2014/main" id="{09525C9A-1972-4836-BA7A-706C946EF4DA}"/>
+              </a:ext>
+              <a:ext uri="{C183D7F6-B498-43B3-948B-1728B52AA6E4}">
+                <adec:decorative xmlns:adec="http://schemas.microsoft.com/office/drawing/2017/decorative" val="1"/>
+              </a:ext>
+            </a:extLst>
+          </p:cNvPr>
+          <p:cNvCxnSpPr>
+            <a:cxnSpLocks noGrp="1" noRot="1" noChangeAspect="1" noMove="1" noResize="1" noEditPoints="1" noAdjustHandles="1" noChangeArrowheads="1" noChangeShapeType="1"/>
+          </p:cNvCxnSpPr>
+          <p:nvPr>
+            <p:extLst>
+              <p:ext uri="{386F3935-93C4-4BCD-93E2-E3B085C9AB24}">
+                <p16:designElem xmlns:p16="http://schemas.microsoft.com/office/powerpoint/2015/main" val="1"/>
+              </p:ext>
+            </p:extLst>
+          </p:nvPr>
+        </p:nvCxnSpPr>
+        <p:spPr>
+          <a:xfrm>
+            <a:off x="7534656" y="1391367"/>
+            <a:ext cx="0" cy="3558208"/>
+          </a:xfrm>
+          <a:prstGeom prst="line">
+            <a:avLst/>
+          </a:prstGeom>
+          <a:ln>
+            <a:solidFill>
+              <a:schemeClr val="tx2"/>
+            </a:solidFill>
+          </a:ln>
+        </p:spPr>
+        <p:style>
+          <a:lnRef idx="1">
+            <a:schemeClr val="accent1"/>
+          </a:lnRef>
+          <a:fillRef idx="0">
+            <a:schemeClr val="accent1"/>
+          </a:fillRef>
+          <a:effectRef idx="0">
+            <a:schemeClr val="accent1"/>
+          </a:effectRef>
+          <a:fontRef idx="minor">
+            <a:schemeClr val="tx1"/>
+          </a:fontRef>
+        </p:style>
+      </p:cxnSp>
+      <p:sp>
+        <p:nvSpPr>
+          <p:cNvPr id="20" name="Rectangle 19">
+            <a:extLst>
+              <a:ext uri="{FF2B5EF4-FFF2-40B4-BE49-F238E27FC236}">
+                <a16:creationId xmlns:a16="http://schemas.microsoft.com/office/drawing/2014/main" id="{8A549DE7-671D-4575-AF43-858FD99981CF}"/>
+              </a:ext>
+              <a:ext uri="{C183D7F6-B498-43B3-948B-1728B52AA6E4}">
+                <adec:decorative xmlns:adec="http://schemas.microsoft.com/office/drawing/2017/decorative" val="1"/>
+              </a:ext>
+            </a:extLst>
+          </p:cNvPr>
+          <p:cNvSpPr>
+            <a:spLocks noGrp="1" noRot="1" noChangeAspect="1" noMove="1" noResize="1" noEditPoints="1" noAdjustHandles="1" noChangeArrowheads="1" noChangeShapeType="1" noTextEdit="1"/>
+          </p:cNvSpPr>
+          <p:nvPr>
+            <p:extLst>
+              <p:ext uri="{386F3935-93C4-4BCD-93E2-E3B085C9AB24}">
+                <p16:designElem xmlns:p16="http://schemas.microsoft.com/office/powerpoint/2015/main" val="1"/>
+              </p:ext>
+            </p:extLst>
+          </p:nvPr>
+        </p:nvSpPr>
+        <p:spPr>
+          <a:xfrm>
+            <a:off x="3175" y="6400800"/>
+            <a:ext cx="12188825" cy="457200"/>
+          </a:xfrm>
+          <a:prstGeom prst="rect">
+            <a:avLst/>
+          </a:prstGeom>
+          <a:solidFill>
+            <a:schemeClr val="accent2"/>
+          </a:solidFill>
+          <a:ln>
+            <a:noFill/>
+          </a:ln>
+        </p:spPr>
+        <p:style>
+          <a:lnRef idx="2">
+            <a:schemeClr val="accent1">
+              <a:shade val="50000"/>
+            </a:schemeClr>
+          </a:lnRef>
+          <a:fillRef idx="1">
+            <a:schemeClr val="accent1"/>
+          </a:fillRef>
+          <a:effectRef idx="0">
+            <a:schemeClr val="accent1"/>
+          </a:effectRef>
+          <a:fontRef idx="minor">
+            <a:schemeClr val="lt1"/>
+          </a:fontRef>
+        </p:style>
+      </p:sp>
+      <p:sp>
+        <p:nvSpPr>
+          <p:cNvPr id="22" name="Rectangle 21">
+            <a:extLst>
+              <a:ext uri="{FF2B5EF4-FFF2-40B4-BE49-F238E27FC236}">
+                <a16:creationId xmlns:a16="http://schemas.microsoft.com/office/drawing/2014/main" id="{C22D9B36-9BE7-472B-8808-7E0D6810738F}"/>
+              </a:ext>
+              <a:ext uri="{C183D7F6-B498-43B3-948B-1728B52AA6E4}">
+                <adec:decorative xmlns:adec="http://schemas.microsoft.com/office/drawing/2017/decorative" val="1"/>
+              </a:ext>
+            </a:extLst>
+          </p:cNvPr>
+          <p:cNvSpPr>
+            <a:spLocks noGrp="1" noRot="1" noChangeAspect="1" noMove="1" noResize="1" noEditPoints="1" noAdjustHandles="1" noChangeArrowheads="1" noChangeShapeType="1" noTextEdit="1"/>
+          </p:cNvSpPr>
+          <p:nvPr>
+            <p:extLst>
+              <p:ext uri="{386F3935-93C4-4BCD-93E2-E3B085C9AB24}">
+                <p16:designElem xmlns:p16="http://schemas.microsoft.com/office/powerpoint/2015/main" val="1"/>
+              </p:ext>
+            </p:extLst>
+          </p:nvPr>
+        </p:nvSpPr>
+        <p:spPr>
+          <a:xfrm>
+            <a:off x="15" y="6340942"/>
+            <a:ext cx="12188825" cy="64008"/>
+          </a:xfrm>
+          <a:prstGeom prst="rect">
+            <a:avLst/>
+          </a:prstGeom>
+          <a:solidFill>
+            <a:schemeClr val="accent1"/>
+          </a:solidFill>
+          <a:ln>
+            <a:noFill/>
+          </a:ln>
+        </p:spPr>
+        <p:style>
+          <a:lnRef idx="2">
+            <a:schemeClr val="accent1">
+              <a:shade val="50000"/>
+            </a:schemeClr>
+          </a:lnRef>
+          <a:fillRef idx="1">
+            <a:schemeClr val="accent1"/>
+          </a:fillRef>
+          <a:effectRef idx="0">
+            <a:schemeClr val="accent1"/>
+          </a:effectRef>
+          <a:fontRef idx="minor">
+            <a:schemeClr val="lt1"/>
+          </a:fontRef>
+        </p:style>
       </p:sp>
     </p:spTree>
     <p:extLst>
@@ -4949,13 +9490,6 @@
   <p:clrMapOvr>
     <a:masterClrMapping/>
   </p:clrMapOvr>
-  <p:timing>
-    <p:tnLst>
-      <p:par>
-        <p:cTn id="1" dur="indefinite" restart="never" nodeType="tmRoot"/>
-      </p:par>
-    </p:tnLst>
-  </p:timing>
 </p:sld>
 </file>
 
